--- a/lectures3/Pythonlearn-16-Data-Viz.pptx
+++ b/lectures3/Pythonlearn-16-Data-Viz.pptx
@@ -571,8 +571,8 @@
         </p:nvSpPr>
         <p:spPr>
           <a:xfrm>
-            <a:off x="1143000" y="685800"/>
-            <a:ext cx="4572000" cy="3429000"/>
+            <a:off x="381000" y="685800"/>
+            <a:ext cx="6096000" cy="3429000"/>
           </a:xfrm>
           <a:custGeom>
             <a:avLst/>
@@ -681,8 +681,8 @@
         </p:nvSpPr>
         <p:spPr>
           <a:xfrm>
-            <a:off x="1143000" y="685800"/>
-            <a:ext cx="4572000" cy="3429000"/>
+            <a:off x="381000" y="685800"/>
+            <a:ext cx="6096000" cy="3429000"/>
           </a:xfrm>
           <a:custGeom>
             <a:avLst/>
@@ -791,8 +791,8 @@
         </p:nvSpPr>
         <p:spPr>
           <a:xfrm>
-            <a:off x="1143000" y="685800"/>
-            <a:ext cx="4572000" cy="3429000"/>
+            <a:off x="381000" y="685800"/>
+            <a:ext cx="6096000" cy="3429000"/>
           </a:xfrm>
           <a:custGeom>
             <a:avLst/>
@@ -901,8 +901,8 @@
         </p:nvSpPr>
         <p:spPr>
           <a:xfrm>
-            <a:off x="1143000" y="685800"/>
-            <a:ext cx="4572000" cy="3429000"/>
+            <a:off x="381000" y="685800"/>
+            <a:ext cx="6096000" cy="3429000"/>
           </a:xfrm>
           <a:custGeom>
             <a:avLst/>
@@ -1011,8 +1011,8 @@
         </p:nvSpPr>
         <p:spPr>
           <a:xfrm>
-            <a:off x="1143000" y="685800"/>
-            <a:ext cx="4572000" cy="3429000"/>
+            <a:off x="381000" y="685800"/>
+            <a:ext cx="6096000" cy="3429000"/>
           </a:xfrm>
           <a:custGeom>
             <a:avLst/>
@@ -1121,8 +1121,8 @@
         </p:nvSpPr>
         <p:spPr>
           <a:xfrm>
-            <a:off x="1143000" y="685800"/>
-            <a:ext cx="4572000" cy="3429000"/>
+            <a:off x="381000" y="685800"/>
+            <a:ext cx="6096000" cy="3429000"/>
           </a:xfrm>
           <a:custGeom>
             <a:avLst/>
@@ -1231,8 +1231,8 @@
         </p:nvSpPr>
         <p:spPr>
           <a:xfrm>
-            <a:off x="1143000" y="685800"/>
-            <a:ext cx="4572000" cy="3429000"/>
+            <a:off x="381000" y="685800"/>
+            <a:ext cx="6096000" cy="3429000"/>
           </a:xfrm>
           <a:custGeom>
             <a:avLst/>
@@ -1341,8 +1341,8 @@
         </p:nvSpPr>
         <p:spPr>
           <a:xfrm>
-            <a:off x="1143000" y="685800"/>
-            <a:ext cx="4572000" cy="3429000"/>
+            <a:off x="381000" y="685800"/>
+            <a:ext cx="6096000" cy="3429000"/>
           </a:xfrm>
           <a:custGeom>
             <a:avLst/>
@@ -1451,8 +1451,8 @@
         </p:nvSpPr>
         <p:spPr>
           <a:xfrm>
-            <a:off x="1143000" y="685800"/>
-            <a:ext cx="4572000" cy="3429000"/>
+            <a:off x="381000" y="685800"/>
+            <a:ext cx="6096000" cy="3429000"/>
           </a:xfrm>
           <a:custGeom>
             <a:avLst/>
@@ -1561,8 +1561,8 @@
         </p:nvSpPr>
         <p:spPr>
           <a:xfrm>
-            <a:off x="1143000" y="685800"/>
-            <a:ext cx="4572000" cy="3429000"/>
+            <a:off x="381000" y="685800"/>
+            <a:ext cx="6096000" cy="3429000"/>
           </a:xfrm>
           <a:custGeom>
             <a:avLst/>
@@ -1671,8 +1671,8 @@
         </p:nvSpPr>
         <p:spPr>
           <a:xfrm>
-            <a:off x="1143000" y="685800"/>
-            <a:ext cx="4572000" cy="3429000"/>
+            <a:off x="381000" y="685800"/>
+            <a:ext cx="6096000" cy="3429000"/>
           </a:xfrm>
           <a:custGeom>
             <a:avLst/>
@@ -1781,8 +1781,8 @@
         </p:nvSpPr>
         <p:spPr>
           <a:xfrm>
-            <a:off x="1143000" y="685800"/>
-            <a:ext cx="4572000" cy="3429000"/>
+            <a:off x="381000" y="685800"/>
+            <a:ext cx="6096000" cy="3429000"/>
           </a:xfrm>
           <a:custGeom>
             <a:avLst/>
@@ -2014,8 +2014,8 @@
         </p:nvSpPr>
         <p:spPr>
           <a:xfrm>
-            <a:off x="1143000" y="685800"/>
-            <a:ext cx="4572000" cy="3429000"/>
+            <a:off x="381000" y="685800"/>
+            <a:ext cx="6096000" cy="3429000"/>
           </a:xfrm>
           <a:custGeom>
             <a:avLst/>
@@ -2124,8 +2124,8 @@
         </p:nvSpPr>
         <p:spPr>
           <a:xfrm>
-            <a:off x="1143000" y="685800"/>
-            <a:ext cx="4572000" cy="3429000"/>
+            <a:off x="381000" y="685800"/>
+            <a:ext cx="6096000" cy="3429000"/>
           </a:xfrm>
           <a:custGeom>
             <a:avLst/>
@@ -2234,8 +2234,8 @@
         </p:nvSpPr>
         <p:spPr>
           <a:xfrm>
-            <a:off x="1143000" y="685800"/>
-            <a:ext cx="4572000" cy="3429000"/>
+            <a:off x="381000" y="685800"/>
+            <a:ext cx="6096000" cy="3429000"/>
           </a:xfrm>
           <a:custGeom>
             <a:avLst/>
@@ -2344,8 +2344,8 @@
         </p:nvSpPr>
         <p:spPr>
           <a:xfrm>
-            <a:off x="1143000" y="685800"/>
-            <a:ext cx="4572000" cy="3429000"/>
+            <a:off x="381000" y="685800"/>
+            <a:ext cx="6096000" cy="3429000"/>
           </a:xfrm>
           <a:custGeom>
             <a:avLst/>
@@ -2454,8 +2454,8 @@
         </p:nvSpPr>
         <p:spPr>
           <a:xfrm>
-            <a:off x="1143000" y="685800"/>
-            <a:ext cx="4572000" cy="3429000"/>
+            <a:off x="381000" y="685800"/>
+            <a:ext cx="6096000" cy="3429000"/>
           </a:xfrm>
           <a:custGeom>
             <a:avLst/>
@@ -2564,8 +2564,8 @@
         </p:nvSpPr>
         <p:spPr>
           <a:xfrm>
-            <a:off x="1143000" y="685800"/>
-            <a:ext cx="4572000" cy="3429000"/>
+            <a:off x="381000" y="685800"/>
+            <a:ext cx="6096000" cy="3429000"/>
           </a:xfrm>
           <a:custGeom>
             <a:avLst/>
@@ -3271,13 +3271,13 @@
               <a:spcBef>
                 <a:spcPts val="0"/>
               </a:spcBef>
-              <a:defRPr sz="4300">
+              <a:defRPr sz="4300" b="0" i="0">
                 <a:solidFill>
                   <a:srgbClr val="FFFFFF"/>
                 </a:solidFill>
-                <a:latin typeface="Cabin"/>
-                <a:ea typeface="Cabin"/>
-                <a:cs typeface="Cabin"/>
+                <a:latin typeface="Arial Regular" charset="0"/>
+                <a:ea typeface="Arial Regular" charset="0"/>
+                <a:cs typeface="Arial Regular" charset="0"/>
                 <a:sym typeface="Cabin"/>
               </a:defRPr>
             </a:lvl1pPr>
@@ -3410,13 +3410,13 @@
               </a:buClr>
               <a:buFont typeface="Cabin"/>
               <a:buNone/>
-              <a:defRPr sz="1800">
+              <a:defRPr sz="1800" b="0" i="0">
                 <a:solidFill>
                   <a:srgbClr val="FFFFFF"/>
                 </a:solidFill>
-                <a:latin typeface="Cabin"/>
-                <a:ea typeface="Cabin"/>
-                <a:cs typeface="Cabin"/>
+                <a:latin typeface="Arial Regular" charset="0"/>
+                <a:ea typeface="Arial Regular" charset="0"/>
+                <a:cs typeface="Arial Regular" charset="0"/>
                 <a:sym typeface="Cabin"/>
               </a:defRPr>
             </a:lvl1pPr>
@@ -3609,13 +3609,13 @@
               <a:spcBef>
                 <a:spcPts val="0"/>
               </a:spcBef>
-              <a:defRPr sz="4300">
+              <a:defRPr sz="4300" b="0" i="0">
                 <a:solidFill>
                   <a:srgbClr val="FFFF00"/>
                 </a:solidFill>
-                <a:latin typeface="Cabin"/>
-                <a:ea typeface="Cabin"/>
-                <a:cs typeface="Cabin"/>
+                <a:latin typeface="Arial Regular" charset="0"/>
+                <a:ea typeface="Arial Regular" charset="0"/>
+                <a:cs typeface="Arial Regular" charset="0"/>
                 <a:sym typeface="Cabin"/>
               </a:defRPr>
             </a:lvl1pPr>
@@ -3743,13 +3743,13 @@
               <a:spcBef>
                 <a:spcPts val="2000"/>
               </a:spcBef>
-              <a:defRPr sz="2000">
+              <a:defRPr sz="2000" b="0" i="0">
                 <a:solidFill>
                   <a:srgbClr val="FFFFFF"/>
                 </a:solidFill>
-                <a:latin typeface="Cabin"/>
-                <a:ea typeface="Cabin"/>
-                <a:cs typeface="Cabin"/>
+                <a:latin typeface="Arial Regular" charset="0"/>
+                <a:ea typeface="Arial Regular" charset="0"/>
+                <a:cs typeface="Arial Regular" charset="0"/>
                 <a:sym typeface="Cabin"/>
               </a:defRPr>
             </a:lvl1pPr>
@@ -3922,13 +3922,13 @@
               <a:spcBef>
                 <a:spcPts val="0"/>
               </a:spcBef>
-              <a:defRPr sz="4300">
+              <a:defRPr sz="4300" b="0" i="0">
                 <a:solidFill>
                   <a:srgbClr val="FFFFFF"/>
                 </a:solidFill>
-                <a:latin typeface="Cabin"/>
-                <a:ea typeface="Cabin"/>
-                <a:cs typeface="Cabin"/>
+                <a:latin typeface="Arial Regular" charset="0"/>
+                <a:ea typeface="Arial Regular" charset="0"/>
+                <a:cs typeface="Arial Regular" charset="0"/>
                 <a:sym typeface="Cabin"/>
               </a:defRPr>
             </a:lvl1pPr>
@@ -4056,13 +4056,13 @@
               <a:spcBef>
                 <a:spcPts val="2000"/>
               </a:spcBef>
-              <a:defRPr sz="1600">
+              <a:defRPr sz="1600" b="0" i="0">
                 <a:solidFill>
                   <a:srgbClr val="FFFFFF"/>
                 </a:solidFill>
-                <a:latin typeface="Cabin"/>
-                <a:ea typeface="Cabin"/>
-                <a:cs typeface="Cabin"/>
+                <a:latin typeface="Arial Regular" charset="0"/>
+                <a:ea typeface="Arial Regular" charset="0"/>
+                <a:cs typeface="Arial Regular" charset="0"/>
                 <a:sym typeface="Cabin"/>
               </a:defRPr>
             </a:lvl1pPr>
@@ -4235,13 +4235,13 @@
               <a:spcBef>
                 <a:spcPts val="2800"/>
               </a:spcBef>
-              <a:defRPr sz="2000">
+              <a:defRPr sz="2000" b="0" i="0">
                 <a:solidFill>
                   <a:srgbClr val="FFFFFF"/>
                 </a:solidFill>
-                <a:latin typeface="Cabin"/>
-                <a:ea typeface="Cabin"/>
-                <a:cs typeface="Cabin"/>
+                <a:latin typeface="Arial Regular" charset="0"/>
+                <a:ea typeface="Arial Regular" charset="0"/>
+                <a:cs typeface="Arial Regular" charset="0"/>
                 <a:sym typeface="Cabin"/>
               </a:defRPr>
             </a:lvl1pPr>
@@ -4447,13 +4447,13 @@
               <a:spcBef>
                 <a:spcPts val="0"/>
               </a:spcBef>
-              <a:defRPr sz="4300">
+              <a:defRPr sz="4300" b="0" i="0">
                 <a:solidFill>
                   <a:srgbClr val="FFFFFF"/>
                 </a:solidFill>
-                <a:latin typeface="Cabin"/>
-                <a:ea typeface="Cabin"/>
-                <a:cs typeface="Cabin"/>
+                <a:latin typeface="Arial Regular" charset="0"/>
+                <a:ea typeface="Arial Regular" charset="0"/>
+                <a:cs typeface="Arial Regular" charset="0"/>
                 <a:sym typeface="Cabin"/>
               </a:defRPr>
             </a:lvl1pPr>
@@ -4614,13 +4614,13 @@
               <a:spcBef>
                 <a:spcPts val="0"/>
               </a:spcBef>
-              <a:defRPr sz="4300">
+              <a:defRPr sz="4300" b="0" i="0">
                 <a:solidFill>
                   <a:srgbClr val="FFFFFF"/>
                 </a:solidFill>
-                <a:latin typeface="Cabin"/>
-                <a:ea typeface="Cabin"/>
-                <a:cs typeface="Cabin"/>
+                <a:latin typeface="Arial Regular" charset="0"/>
+                <a:ea typeface="Arial Regular" charset="0"/>
+                <a:cs typeface="Arial Regular" charset="0"/>
                 <a:sym typeface="Cabin"/>
               </a:defRPr>
             </a:lvl1pPr>
@@ -4800,13 +4800,13 @@
               <a:spcBef>
                 <a:spcPts val="0"/>
               </a:spcBef>
-              <a:defRPr sz="4300">
+              <a:defRPr sz="4300" b="0" i="0">
                 <a:solidFill>
                   <a:srgbClr val="FFFFFF"/>
                 </a:solidFill>
-                <a:latin typeface="Cabin"/>
-                <a:ea typeface="Cabin"/>
-                <a:cs typeface="Cabin"/>
+                <a:latin typeface="Arial Regular" charset="0"/>
+                <a:ea typeface="Arial Regular" charset="0"/>
+                <a:cs typeface="Arial Regular" charset="0"/>
                 <a:sym typeface="Cabin"/>
               </a:defRPr>
             </a:lvl1pPr>
@@ -5122,13 +5122,13 @@
               <a:spcBef>
                 <a:spcPts val="0"/>
               </a:spcBef>
-              <a:defRPr sz="4300">
+              <a:defRPr sz="4300" b="0" i="0">
                 <a:solidFill>
                   <a:srgbClr val="FFFFFF"/>
                 </a:solidFill>
-                <a:latin typeface="Cabin"/>
-                <a:ea typeface="Cabin"/>
-                <a:cs typeface="Cabin"/>
+                <a:latin typeface="Arial Regular" charset="0"/>
+                <a:ea typeface="Arial Regular" charset="0"/>
+                <a:cs typeface="Arial Regular" charset="0"/>
                 <a:sym typeface="Cabin"/>
               </a:defRPr>
             </a:lvl1pPr>
@@ -5308,13 +5308,13 @@
               <a:spcBef>
                 <a:spcPts val="0"/>
               </a:spcBef>
-              <a:defRPr sz="3600">
+              <a:defRPr sz="3600" b="0" i="0">
                 <a:solidFill>
                   <a:srgbClr val="FFFFFF"/>
                 </a:solidFill>
-                <a:latin typeface="Cabin"/>
-                <a:ea typeface="Cabin"/>
-                <a:cs typeface="Cabin"/>
+                <a:latin typeface="Arial Regular" charset="0"/>
+                <a:ea typeface="Arial Regular" charset="0"/>
+                <a:cs typeface="Arial Regular" charset="0"/>
                 <a:sym typeface="Cabin"/>
               </a:defRPr>
             </a:lvl1pPr>
@@ -5447,13 +5447,13 @@
               </a:buClr>
               <a:buFont typeface="Cabin"/>
               <a:buNone/>
-              <a:defRPr sz="1700">
+              <a:defRPr sz="1700" b="0" i="0">
                 <a:solidFill>
                   <a:srgbClr val="FFFFFF"/>
                 </a:solidFill>
-                <a:latin typeface="Cabin"/>
-                <a:ea typeface="Cabin"/>
-                <a:cs typeface="Cabin"/>
+                <a:latin typeface="Arial Regular" charset="0"/>
+                <a:ea typeface="Arial Regular" charset="0"/>
+                <a:cs typeface="Arial Regular" charset="0"/>
                 <a:sym typeface="Cabin"/>
               </a:defRPr>
             </a:lvl1pPr>
@@ -5646,13 +5646,13 @@
               <a:spcBef>
                 <a:spcPts val="0"/>
               </a:spcBef>
-              <a:defRPr sz="3600">
+              <a:defRPr sz="3600" b="0" i="0">
                 <a:solidFill>
                   <a:srgbClr val="FFFFFF"/>
                 </a:solidFill>
-                <a:latin typeface="Cabin"/>
-                <a:ea typeface="Cabin"/>
-                <a:cs typeface="Cabin"/>
+                <a:latin typeface="Arial Regular" charset="0"/>
+                <a:ea typeface="Arial Regular" charset="0"/>
+                <a:cs typeface="Arial Regular" charset="0"/>
                 <a:sym typeface="Cabin"/>
               </a:defRPr>
             </a:lvl1pPr>
@@ -5785,13 +5785,13 @@
               </a:buClr>
               <a:buFont typeface="Cabin"/>
               <a:buNone/>
-              <a:defRPr sz="1700">
+              <a:defRPr sz="1700" b="0" i="0">
                 <a:solidFill>
                   <a:srgbClr val="FFFFFF"/>
                 </a:solidFill>
-                <a:latin typeface="Cabin"/>
-                <a:ea typeface="Cabin"/>
-                <a:cs typeface="Cabin"/>
+                <a:latin typeface="Arial Regular" charset="0"/>
+                <a:ea typeface="Arial Regular" charset="0"/>
+                <a:cs typeface="Arial Regular" charset="0"/>
                 <a:sym typeface="Cabin"/>
               </a:defRPr>
             </a:lvl1pPr>
@@ -6003,13 +6003,13 @@
               <a:spcBef>
                 <a:spcPts val="0"/>
               </a:spcBef>
-              <a:defRPr sz="4300">
+              <a:defRPr sz="4300" b="0" i="0">
                 <a:solidFill>
                   <a:srgbClr val="FFFFFF"/>
                 </a:solidFill>
-                <a:latin typeface="Cabin"/>
-                <a:ea typeface="Cabin"/>
-                <a:cs typeface="Cabin"/>
+                <a:latin typeface="Arial Regular" charset="0"/>
+                <a:ea typeface="Arial Regular" charset="0"/>
+                <a:cs typeface="Arial Regular" charset="0"/>
                 <a:sym typeface="Cabin"/>
               </a:defRPr>
             </a:lvl1pPr>
@@ -6137,13 +6137,13 @@
               <a:spcBef>
                 <a:spcPts val="2600"/>
               </a:spcBef>
-              <a:defRPr sz="1600">
+              <a:defRPr sz="1600" b="0" i="0">
                 <a:solidFill>
                   <a:srgbClr val="FFFFFF"/>
                 </a:solidFill>
-                <a:latin typeface="Cabin"/>
-                <a:ea typeface="Cabin"/>
-                <a:cs typeface="Cabin"/>
+                <a:latin typeface="Arial Regular" charset="0"/>
+                <a:ea typeface="Arial Regular" charset="0"/>
+                <a:cs typeface="Arial Regular" charset="0"/>
                 <a:sym typeface="Cabin"/>
               </a:defRPr>
             </a:lvl1pPr>
@@ -6316,13 +6316,13 @@
               <a:spcBef>
                 <a:spcPts val="0"/>
               </a:spcBef>
-              <a:defRPr sz="4300">
+              <a:defRPr sz="4300" b="0" i="0">
                 <a:solidFill>
                   <a:srgbClr val="FFFFFF"/>
                 </a:solidFill>
-                <a:latin typeface="Cabin"/>
-                <a:ea typeface="Cabin"/>
-                <a:cs typeface="Cabin"/>
+                <a:latin typeface="Arial Regular" charset="0"/>
+                <a:ea typeface="Arial Regular" charset="0"/>
+                <a:cs typeface="Arial Regular" charset="0"/>
                 <a:sym typeface="Cabin"/>
               </a:defRPr>
             </a:lvl1pPr>
@@ -6450,13 +6450,13 @@
               <a:spcBef>
                 <a:spcPts val="2600"/>
               </a:spcBef>
-              <a:defRPr sz="1600">
+              <a:defRPr sz="1600" b="0" i="0">
                 <a:solidFill>
                   <a:srgbClr val="FFFFFF"/>
                 </a:solidFill>
-                <a:latin typeface="Cabin"/>
-                <a:ea typeface="Cabin"/>
-                <a:cs typeface="Cabin"/>
+                <a:latin typeface="Arial Regular" charset="0"/>
+                <a:ea typeface="Arial Regular" charset="0"/>
+                <a:cs typeface="Arial Regular" charset="0"/>
                 <a:sym typeface="Cabin"/>
               </a:defRPr>
             </a:lvl1pPr>
@@ -6629,13 +6629,13 @@
               <a:spcBef>
                 <a:spcPts val="0"/>
               </a:spcBef>
-              <a:defRPr sz="4300">
+              <a:defRPr sz="4300" b="0" i="0">
                 <a:solidFill>
                   <a:srgbClr val="FFFFFF"/>
                 </a:solidFill>
-                <a:latin typeface="Cabin"/>
-                <a:ea typeface="Cabin"/>
-                <a:cs typeface="Cabin"/>
+                <a:latin typeface="Arial Regular" charset="0"/>
+                <a:ea typeface="Arial Regular" charset="0"/>
+                <a:cs typeface="Arial Regular" charset="0"/>
                 <a:sym typeface="Cabin"/>
               </a:defRPr>
             </a:lvl1pPr>
@@ -6763,13 +6763,13 @@
               <a:spcBef>
                 <a:spcPts val="2600"/>
               </a:spcBef>
-              <a:defRPr sz="1600">
+              <a:defRPr sz="1600" b="0" i="0">
                 <a:solidFill>
                   <a:srgbClr val="FFFFFF"/>
                 </a:solidFill>
-                <a:latin typeface="Cabin"/>
-                <a:ea typeface="Cabin"/>
-                <a:cs typeface="Cabin"/>
+                <a:latin typeface="Arial Regular" charset="0"/>
+                <a:ea typeface="Arial Regular" charset="0"/>
+                <a:cs typeface="Arial Regular" charset="0"/>
                 <a:sym typeface="Cabin"/>
               </a:defRPr>
             </a:lvl1pPr>
@@ -6942,13 +6942,13 @@
               <a:spcBef>
                 <a:spcPts val="0"/>
               </a:spcBef>
-              <a:defRPr sz="4400">
+              <a:defRPr sz="4400" b="0" i="0">
                 <a:solidFill>
                   <a:srgbClr val="FFFFFF"/>
                 </a:solidFill>
-                <a:latin typeface="Cabin"/>
-                <a:ea typeface="Cabin"/>
-                <a:cs typeface="Cabin"/>
+                <a:latin typeface="Arial Regular" charset="0"/>
+                <a:ea typeface="Arial Regular" charset="0"/>
+                <a:cs typeface="Arial Regular" charset="0"/>
                 <a:sym typeface="Cabin"/>
               </a:defRPr>
             </a:lvl1pPr>
@@ -7076,13 +7076,13 @@
               <a:spcBef>
                 <a:spcPts val="1300"/>
               </a:spcBef>
-              <a:defRPr sz="2100">
+              <a:defRPr sz="2100" b="0" i="0">
                 <a:solidFill>
                   <a:srgbClr val="FFFFFF"/>
                 </a:solidFill>
-                <a:latin typeface="Cabin"/>
-                <a:ea typeface="Cabin"/>
-                <a:cs typeface="Cabin"/>
+                <a:latin typeface="Arial Regular" charset="0"/>
+                <a:ea typeface="Arial Regular" charset="0"/>
+                <a:cs typeface="Arial Regular" charset="0"/>
                 <a:sym typeface="Cabin"/>
               </a:defRPr>
             </a:lvl1pPr>
@@ -7255,13 +7255,13 @@
               <a:spcBef>
                 <a:spcPts val="0"/>
               </a:spcBef>
-              <a:defRPr sz="4400">
+              <a:defRPr sz="4400" b="0" i="0">
                 <a:solidFill>
                   <a:srgbClr val="FFFFFF"/>
                 </a:solidFill>
-                <a:latin typeface="Cabin"/>
-                <a:ea typeface="Cabin"/>
-                <a:cs typeface="Cabin"/>
+                <a:latin typeface="Arial Regular" charset="0"/>
+                <a:ea typeface="Arial Regular" charset="0"/>
+                <a:cs typeface="Arial Regular" charset="0"/>
                 <a:sym typeface="Cabin"/>
               </a:defRPr>
             </a:lvl1pPr>
@@ -7389,13 +7389,13 @@
               <a:spcBef>
                 <a:spcPts val="1300"/>
               </a:spcBef>
-              <a:defRPr sz="2100">
+              <a:defRPr sz="2100" b="0" i="0">
                 <a:solidFill>
                   <a:srgbClr val="FFFFFF"/>
                 </a:solidFill>
-                <a:latin typeface="Cabin"/>
-                <a:ea typeface="Cabin"/>
-                <a:cs typeface="Cabin"/>
+                <a:latin typeface="Arial Regular" charset="0"/>
+                <a:ea typeface="Arial Regular" charset="0"/>
+                <a:cs typeface="Arial Regular" charset="0"/>
                 <a:sym typeface="Cabin"/>
               </a:defRPr>
             </a:lvl1pPr>
@@ -7568,13 +7568,13 @@
               <a:spcBef>
                 <a:spcPts val="0"/>
               </a:spcBef>
-              <a:defRPr sz="4200">
+              <a:defRPr sz="4200" b="0" i="0">
                 <a:solidFill>
                   <a:srgbClr val="FFFFFF"/>
                 </a:solidFill>
-                <a:latin typeface="Cabin"/>
-                <a:ea typeface="Cabin"/>
-                <a:cs typeface="Cabin"/>
+                <a:latin typeface="Arial Regular" charset="0"/>
+                <a:ea typeface="Arial Regular" charset="0"/>
+                <a:cs typeface="Arial Regular" charset="0"/>
                 <a:sym typeface="Cabin"/>
               </a:defRPr>
             </a:lvl1pPr>
@@ -7735,13 +7735,13 @@
               <a:spcBef>
                 <a:spcPts val="0"/>
               </a:spcBef>
-              <a:defRPr sz="4200">
+              <a:defRPr sz="4200" b="0" i="0">
                 <a:solidFill>
                   <a:srgbClr val="FFFFFF"/>
                 </a:solidFill>
-                <a:latin typeface="Cabin"/>
-                <a:ea typeface="Cabin"/>
-                <a:cs typeface="Cabin"/>
+                <a:latin typeface="Arial Regular" charset="0"/>
+                <a:ea typeface="Arial Regular" charset="0"/>
+                <a:cs typeface="Arial Regular" charset="0"/>
                 <a:sym typeface="Cabin"/>
               </a:defRPr>
             </a:lvl1pPr>
@@ -7869,13 +7869,13 @@
               <a:spcBef>
                 <a:spcPts val="2000"/>
               </a:spcBef>
-              <a:defRPr sz="1900">
+              <a:defRPr sz="1900" b="0" i="0">
                 <a:solidFill>
                   <a:srgbClr val="FFFFFF"/>
                 </a:solidFill>
-                <a:latin typeface="Cabin"/>
-                <a:ea typeface="Cabin"/>
-                <a:cs typeface="Cabin"/>
+                <a:latin typeface="Arial Regular" charset="0"/>
+                <a:ea typeface="Arial Regular" charset="0"/>
+                <a:cs typeface="Arial Regular" charset="0"/>
                 <a:sym typeface="Cabin"/>
               </a:defRPr>
             </a:lvl1pPr>
@@ -8276,13 +8276,13 @@
               <a:spcBef>
                 <a:spcPts val="0"/>
               </a:spcBef>
-              <a:defRPr sz="4400">
+              <a:defRPr sz="4400" b="0" i="0">
                 <a:solidFill>
                   <a:srgbClr val="FFFFFF"/>
                 </a:solidFill>
-                <a:latin typeface="Cabin"/>
-                <a:ea typeface="Cabin"/>
-                <a:cs typeface="Cabin"/>
+                <a:latin typeface="Arial Regular" charset="0"/>
+                <a:ea typeface="Arial Regular" charset="0"/>
+                <a:cs typeface="Arial Regular" charset="0"/>
                 <a:sym typeface="Cabin"/>
               </a:defRPr>
             </a:lvl1pPr>
@@ -8415,13 +8415,13 @@
               </a:buClr>
               <a:buFont typeface="Cabin"/>
               <a:buNone/>
-              <a:defRPr sz="1800">
+              <a:defRPr sz="1800" b="0" i="0">
                 <a:solidFill>
                   <a:srgbClr val="FFFFFF"/>
                 </a:solidFill>
-                <a:latin typeface="Cabin"/>
-                <a:ea typeface="Cabin"/>
-                <a:cs typeface="Cabin"/>
+                <a:latin typeface="Arial Regular" charset="0"/>
+                <a:ea typeface="Arial Regular" charset="0"/>
+                <a:cs typeface="Arial Regular" charset="0"/>
                 <a:sym typeface="Cabin"/>
               </a:defRPr>
             </a:lvl1pPr>
@@ -8614,13 +8614,13 @@
               <a:spcBef>
                 <a:spcPts val="0"/>
               </a:spcBef>
-              <a:defRPr sz="4400">
+              <a:defRPr sz="4400" b="0" i="0">
                 <a:solidFill>
                   <a:srgbClr val="FFFFFF"/>
                 </a:solidFill>
-                <a:latin typeface="Cabin"/>
-                <a:ea typeface="Cabin"/>
-                <a:cs typeface="Cabin"/>
+                <a:latin typeface="Arial Regular" charset="0"/>
+                <a:ea typeface="Arial Regular" charset="0"/>
+                <a:cs typeface="Arial Regular" charset="0"/>
                 <a:sym typeface="Cabin"/>
               </a:defRPr>
             </a:lvl1pPr>
@@ -8748,13 +8748,13 @@
               <a:spcBef>
                 <a:spcPts val="1300"/>
               </a:spcBef>
-              <a:defRPr sz="2100">
+              <a:defRPr sz="2100" b="0" i="0">
                 <a:solidFill>
                   <a:srgbClr val="FFFFFF"/>
                 </a:solidFill>
-                <a:latin typeface="Cabin"/>
-                <a:ea typeface="Cabin"/>
-                <a:cs typeface="Cabin"/>
+                <a:latin typeface="Arial Regular" charset="0"/>
+                <a:ea typeface="Arial Regular" charset="0"/>
+                <a:cs typeface="Arial Regular" charset="0"/>
                 <a:sym typeface="Cabin"/>
               </a:defRPr>
             </a:lvl1pPr>
@@ -8927,13 +8927,13 @@
               <a:spcBef>
                 <a:spcPts val="0"/>
               </a:spcBef>
-              <a:defRPr sz="4200">
+              <a:defRPr sz="4200" b="0" i="0">
                 <a:solidFill>
                   <a:srgbClr val="FFFFFF"/>
                 </a:solidFill>
-                <a:latin typeface="Cabin"/>
-                <a:ea typeface="Cabin"/>
-                <a:cs typeface="Cabin"/>
+                <a:latin typeface="Arial Regular" charset="0"/>
+                <a:ea typeface="Arial Regular" charset="0"/>
+                <a:cs typeface="Arial Regular" charset="0"/>
                 <a:sym typeface="Cabin"/>
               </a:defRPr>
             </a:lvl1pPr>
@@ -9061,13 +9061,13 @@
               <a:spcBef>
                 <a:spcPts val="2000"/>
               </a:spcBef>
-              <a:defRPr sz="1900">
+              <a:defRPr sz="1900" b="0" i="0">
                 <a:solidFill>
                   <a:srgbClr val="FFFFFF"/>
                 </a:solidFill>
-                <a:latin typeface="Cabin"/>
-                <a:ea typeface="Cabin"/>
-                <a:cs typeface="Cabin"/>
+                <a:latin typeface="Arial Regular" charset="0"/>
+                <a:ea typeface="Arial Regular" charset="0"/>
+                <a:cs typeface="Arial Regular" charset="0"/>
                 <a:sym typeface="Cabin"/>
               </a:defRPr>
             </a:lvl1pPr>
@@ -9240,13 +9240,13 @@
               <a:spcBef>
                 <a:spcPts val="0"/>
               </a:spcBef>
-              <a:defRPr sz="4400">
+              <a:defRPr sz="4400" b="0" i="0">
                 <a:solidFill>
                   <a:srgbClr val="FFFFFF"/>
                 </a:solidFill>
-                <a:latin typeface="Cabin"/>
-                <a:ea typeface="Cabin"/>
-                <a:cs typeface="Cabin"/>
+                <a:latin typeface="Arial Regular" charset="0"/>
+                <a:ea typeface="Arial Regular" charset="0"/>
+                <a:cs typeface="Arial Regular" charset="0"/>
                 <a:sym typeface="Cabin"/>
               </a:defRPr>
             </a:lvl1pPr>
@@ -9374,13 +9374,13 @@
               <a:spcBef>
                 <a:spcPts val="1300"/>
               </a:spcBef>
-              <a:defRPr sz="2100">
+              <a:defRPr sz="2100" b="0" i="0">
                 <a:solidFill>
                   <a:srgbClr val="FFFFFF"/>
                 </a:solidFill>
-                <a:latin typeface="Cabin"/>
-                <a:ea typeface="Cabin"/>
-                <a:cs typeface="Cabin"/>
+                <a:latin typeface="Arial Regular" charset="0"/>
+                <a:ea typeface="Arial Regular" charset="0"/>
+                <a:cs typeface="Arial Regular" charset="0"/>
                 <a:sym typeface="Cabin"/>
               </a:defRPr>
             </a:lvl1pPr>
@@ -12748,13 +12748,10 @@
               <a:buNone/>
             </a:pPr>
             <a:r>
-              <a:rPr lang="en" sz="4300" b="1" i="0" u="none" strike="noStrike" cap="none">
+              <a:rPr lang="en" sz="4300" u="none" strike="noStrike" cap="none">
                 <a:solidFill>
                   <a:srgbClr val="FFD966"/>
                 </a:solidFill>
-                <a:latin typeface="Cabin"/>
-                <a:ea typeface="Cabin"/>
-                <a:cs typeface="Cabin"/>
                 <a:sym typeface="Cabin"/>
               </a:rPr>
               <a:t>Retrieving and Visualizing Data</a:t>
@@ -12803,13 +12800,10 @@
               <a:buNone/>
             </a:pPr>
             <a:r>
-              <a:rPr lang="en" sz="1800" b="0" i="0" u="none" strike="noStrike" cap="none">
+              <a:rPr lang="en" sz="1800" u="none" strike="noStrike" cap="none">
                 <a:solidFill>
                   <a:srgbClr val="FFFFFF"/>
                 </a:solidFill>
-                <a:latin typeface="Cabin"/>
-                <a:ea typeface="Cabin"/>
-                <a:cs typeface="Cabin"/>
                 <a:sym typeface="Cabin"/>
               </a:rPr>
               <a:t>Charles Severance</a:t>
@@ -12906,13 +12900,10 @@
               <a:buNone/>
             </a:pPr>
             <a:r>
-              <a:rPr lang="en" sz="4300" b="0" i="0" u="none" strike="noStrike" cap="none">
+              <a:rPr lang="en" sz="4300" u="none" strike="noStrike" cap="none">
                 <a:solidFill>
                   <a:srgbClr val="FFD966"/>
                 </a:solidFill>
-                <a:latin typeface="Cabin"/>
-                <a:ea typeface="Cabin"/>
-                <a:cs typeface="Cabin"/>
                 <a:sym typeface="Cabin"/>
               </a:rPr>
               <a:t>Web Crawler</a:t>
@@ -12960,13 +12951,10 @@
               <a:buFont typeface="Cabin"/>
             </a:pPr>
             <a:r>
-              <a:rPr lang="en" sz="2000" b="0" i="0" u="none" strike="noStrike" cap="none">
+              <a:rPr lang="en" sz="2000" u="none" strike="noStrike" cap="none">
                 <a:solidFill>
                   <a:srgbClr val="FFFFFF"/>
                 </a:solidFill>
-                <a:latin typeface="Cabin"/>
-                <a:ea typeface="Cabin"/>
-                <a:cs typeface="Cabin"/>
                 <a:sym typeface="Cabin"/>
               </a:rPr>
               <a:t>Retrieve a page</a:t>
@@ -12984,13 +12972,10 @@
               <a:buFont typeface="Cabin"/>
             </a:pPr>
             <a:r>
-              <a:rPr lang="en" sz="2000" b="0" i="0" u="none" strike="noStrike" cap="none">
+              <a:rPr lang="en" sz="2000" u="none" strike="noStrike" cap="none">
                 <a:solidFill>
                   <a:srgbClr val="FFFFFF"/>
                 </a:solidFill>
-                <a:latin typeface="Cabin"/>
-                <a:ea typeface="Cabin"/>
-                <a:cs typeface="Cabin"/>
                 <a:sym typeface="Cabin"/>
               </a:rPr>
               <a:t>Look through the page for links</a:t>
@@ -13008,13 +12993,10 @@
               <a:buFont typeface="Cabin"/>
             </a:pPr>
             <a:r>
-              <a:rPr lang="en" sz="2000" b="0" i="0" u="none" strike="noStrike" cap="none">
+              <a:rPr lang="en" sz="2000" u="none" strike="noStrike" cap="none">
                 <a:solidFill>
                   <a:srgbClr val="FFFFFF"/>
                 </a:solidFill>
-                <a:latin typeface="Cabin"/>
-                <a:ea typeface="Cabin"/>
-                <a:cs typeface="Cabin"/>
                 <a:sym typeface="Cabin"/>
               </a:rPr>
               <a:t>Add the links to a list of “to be retrieved” sites</a:t>
@@ -13032,13 +13014,10 @@
               <a:buFont typeface="Cabin"/>
             </a:pPr>
             <a:r>
-              <a:rPr lang="en" sz="2000" b="0" i="0" u="none" strike="noStrike" cap="none">
+              <a:rPr lang="en" sz="2000" u="none" strike="noStrike" cap="none">
                 <a:solidFill>
                   <a:srgbClr val="FFFFFF"/>
                 </a:solidFill>
-                <a:latin typeface="Cabin"/>
-                <a:ea typeface="Cabin"/>
-                <a:cs typeface="Cabin"/>
                 <a:sym typeface="Cabin"/>
               </a:rPr>
               <a:t>Repeat...</a:t>
@@ -13133,13 +13112,13 @@
               <a:buNone/>
             </a:pPr>
             <a:r>
-              <a:rPr lang="en" sz="2000" b="0" i="0" u="none" strike="noStrike" cap="none">
+              <a:rPr lang="en" sz="2000" u="none" strike="noStrike" cap="none">
                 <a:solidFill>
                   <a:srgbClr val="FFFF00"/>
                 </a:solidFill>
-                <a:latin typeface="Cabin"/>
-                <a:ea typeface="Cabin"/>
-                <a:cs typeface="Cabin"/>
+                <a:latin typeface="Arial Regular" charset="0"/>
+                <a:ea typeface="Arial Regular" charset="0"/>
+                <a:cs typeface="Arial Regular" charset="0"/>
                 <a:sym typeface="Cabin"/>
               </a:rPr>
               <a:t>http://en.wikipedia.org/wiki/Web_crawler</a:t>
@@ -13209,13 +13188,10 @@
               <a:buNone/>
             </a:pPr>
             <a:r>
-              <a:rPr lang="en" sz="4300" b="0" i="0" u="none" strike="noStrike" cap="none">
+              <a:rPr lang="en" sz="4300" u="none" strike="noStrike" cap="none">
                 <a:solidFill>
                   <a:srgbClr val="FFD966"/>
                 </a:solidFill>
-                <a:latin typeface="Cabin"/>
-                <a:ea typeface="Cabin"/>
-                <a:cs typeface="Cabin"/>
                 <a:sym typeface="Cabin"/>
               </a:rPr>
               <a:t>Web Crawling Policy</a:t>
@@ -13260,37 +13236,28 @@
               <a:buFont typeface="Cabin"/>
             </a:pPr>
             <a:r>
-              <a:rPr lang="en" sz="2000" b="0" i="0" u="none" strike="noStrike" cap="none">
+              <a:rPr lang="en" sz="2000" u="none" strike="noStrike" cap="none">
                 <a:solidFill>
                   <a:srgbClr val="FFFFFF"/>
                 </a:solidFill>
-                <a:latin typeface="Cabin"/>
-                <a:ea typeface="Cabin"/>
-                <a:cs typeface="Cabin"/>
                 <a:sym typeface="Cabin"/>
               </a:rPr>
               <a:t>a</a:t>
             </a:r>
             <a:r>
-              <a:rPr lang="en" sz="2000" b="0" i="0" u="none" strike="noStrike" cap="none">
+              <a:rPr lang="en" sz="2000" u="none" strike="noStrike" cap="none">
                 <a:solidFill>
                   <a:srgbClr val="00F900"/>
                 </a:solidFill>
-                <a:latin typeface="Cabin"/>
-                <a:ea typeface="Cabin"/>
-                <a:cs typeface="Cabin"/>
                 <a:sym typeface="Cabin"/>
               </a:rPr>
               <a:t> selection policy</a:t>
             </a:r>
             <a:r>
-              <a:rPr lang="en" sz="2000" b="0" i="0" u="none" strike="noStrike" cap="none">
+              <a:rPr lang="en" sz="2000" u="none" strike="noStrike" cap="none">
                 <a:solidFill>
                   <a:srgbClr val="FFFFFF"/>
                 </a:solidFill>
-                <a:latin typeface="Cabin"/>
-                <a:ea typeface="Cabin"/>
-                <a:cs typeface="Cabin"/>
                 <a:sym typeface="Cabin"/>
               </a:rPr>
               <a:t> that states which pages to download,</a:t>
@@ -13305,37 +13272,28 @@
               <a:buFont typeface="Cabin"/>
             </a:pPr>
             <a:r>
-              <a:rPr lang="en" sz="2000" b="0" i="0" u="none" strike="noStrike" cap="none">
+              <a:rPr lang="en" sz="2000" u="none" strike="noStrike" cap="none">
                 <a:solidFill>
                   <a:srgbClr val="FFFFFF"/>
                 </a:solidFill>
-                <a:latin typeface="Cabin"/>
-                <a:ea typeface="Cabin"/>
-                <a:cs typeface="Cabin"/>
                 <a:sym typeface="Cabin"/>
               </a:rPr>
               <a:t>a</a:t>
             </a:r>
             <a:r>
-              <a:rPr lang="en" sz="2000" b="0" i="0" u="none" strike="noStrike" cap="none">
+              <a:rPr lang="en" sz="2000" u="none" strike="noStrike" cap="none">
                 <a:solidFill>
                   <a:srgbClr val="00F900"/>
                 </a:solidFill>
-                <a:latin typeface="Cabin"/>
-                <a:ea typeface="Cabin"/>
-                <a:cs typeface="Cabin"/>
                 <a:sym typeface="Cabin"/>
               </a:rPr>
               <a:t> re-visit policy</a:t>
             </a:r>
             <a:r>
-              <a:rPr lang="en" sz="2000" b="0" i="0" u="none" strike="noStrike" cap="none">
+              <a:rPr lang="en" sz="2000" u="none" strike="noStrike" cap="none">
                 <a:solidFill>
                   <a:srgbClr val="FFFFFF"/>
                 </a:solidFill>
-                <a:latin typeface="Cabin"/>
-                <a:ea typeface="Cabin"/>
-                <a:cs typeface="Cabin"/>
                 <a:sym typeface="Cabin"/>
               </a:rPr>
               <a:t> that states when to check for changes to the pages,</a:t>
@@ -13350,37 +13308,28 @@
               <a:buFont typeface="Cabin"/>
             </a:pPr>
             <a:r>
-              <a:rPr lang="en" sz="2000" b="0" i="0" u="none" strike="noStrike" cap="none">
+              <a:rPr lang="en" sz="2000" u="none" strike="noStrike" cap="none">
                 <a:solidFill>
                   <a:srgbClr val="FFFFFF"/>
                 </a:solidFill>
-                <a:latin typeface="Cabin"/>
-                <a:ea typeface="Cabin"/>
-                <a:cs typeface="Cabin"/>
                 <a:sym typeface="Cabin"/>
               </a:rPr>
               <a:t>a </a:t>
             </a:r>
             <a:r>
-              <a:rPr lang="en" sz="2000" b="0" i="0" u="none" strike="noStrike" cap="none">
+              <a:rPr lang="en" sz="2000" u="none" strike="noStrike" cap="none">
                 <a:solidFill>
                   <a:srgbClr val="00F900"/>
                 </a:solidFill>
-                <a:latin typeface="Cabin"/>
-                <a:ea typeface="Cabin"/>
-                <a:cs typeface="Cabin"/>
                 <a:sym typeface="Cabin"/>
               </a:rPr>
               <a:t>politeness policy</a:t>
             </a:r>
             <a:r>
-              <a:rPr lang="en" sz="2000" b="0" i="0" u="none" strike="noStrike" cap="none">
+              <a:rPr lang="en" sz="2000" u="none" strike="noStrike" cap="none">
                 <a:solidFill>
                   <a:srgbClr val="FFFFFF"/>
                 </a:solidFill>
-                <a:latin typeface="Cabin"/>
-                <a:ea typeface="Cabin"/>
-                <a:cs typeface="Cabin"/>
                 <a:sym typeface="Cabin"/>
               </a:rPr>
               <a:t> that states how to avoid overloading Web sites, and</a:t>
@@ -13395,37 +13344,28 @@
               <a:buFont typeface="Cabin"/>
             </a:pPr>
             <a:r>
-              <a:rPr lang="en" sz="2000" b="0" i="0" u="none" strike="noStrike" cap="none">
+              <a:rPr lang="en" sz="2000" u="none" strike="noStrike" cap="none">
                 <a:solidFill>
                   <a:srgbClr val="FFFFFF"/>
                 </a:solidFill>
-                <a:latin typeface="Cabin"/>
-                <a:ea typeface="Cabin"/>
-                <a:cs typeface="Cabin"/>
                 <a:sym typeface="Cabin"/>
               </a:rPr>
               <a:t>a </a:t>
             </a:r>
             <a:r>
-              <a:rPr lang="en" sz="2000" b="0" i="0" u="none" strike="noStrike" cap="none">
+              <a:rPr lang="en" sz="2000" u="none" strike="noStrike" cap="none">
                 <a:solidFill>
                   <a:srgbClr val="00F900"/>
                 </a:solidFill>
-                <a:latin typeface="Cabin"/>
-                <a:ea typeface="Cabin"/>
-                <a:cs typeface="Cabin"/>
                 <a:sym typeface="Cabin"/>
               </a:rPr>
               <a:t>parallelization policy</a:t>
             </a:r>
             <a:r>
-              <a:rPr lang="en" sz="2000" b="0" i="0" u="none" strike="noStrike" cap="none">
+              <a:rPr lang="en" sz="2000" u="none" strike="noStrike" cap="none">
                 <a:solidFill>
                   <a:srgbClr val="FFFFFF"/>
                 </a:solidFill>
-                <a:latin typeface="Cabin"/>
-                <a:ea typeface="Cabin"/>
-                <a:cs typeface="Cabin"/>
                 <a:sym typeface="Cabin"/>
               </a:rPr>
               <a:t> that states how to coordinate distributed Web crawlers</a:t>
@@ -13466,13 +13406,13 @@
               <a:buNone/>
             </a:pPr>
             <a:r>
-              <a:rPr lang="en" sz="2000" b="0" i="0" u="none" strike="noStrike" cap="none">
+              <a:rPr lang="en" sz="2000" u="none" strike="noStrike" cap="none">
                 <a:solidFill>
                   <a:srgbClr val="FFFF00"/>
                 </a:solidFill>
-                <a:latin typeface="Cabin"/>
-                <a:ea typeface="Cabin"/>
-                <a:cs typeface="Cabin"/>
+                <a:latin typeface="Arial Regular" charset="0"/>
+                <a:ea typeface="Arial Regular" charset="0"/>
+                <a:cs typeface="Arial Regular" charset="0"/>
                 <a:sym typeface="Cabin"/>
               </a:rPr>
               <a:t>http://en.wikipedia.org/wiki/Web_crawler</a:t>
@@ -13542,13 +13482,10 @@
               <a:buNone/>
             </a:pPr>
             <a:r>
-              <a:rPr lang="en" sz="4300" b="0" i="0" u="none" strike="noStrike" cap="none">
+              <a:rPr lang="en" sz="4300" u="none" strike="noStrike" cap="none">
                 <a:solidFill>
                   <a:srgbClr val="FFD966"/>
                 </a:solidFill>
-                <a:latin typeface="Cabin"/>
-                <a:ea typeface="Cabin"/>
-                <a:cs typeface="Cabin"/>
                 <a:sym typeface="Cabin"/>
               </a:rPr>
               <a:t>robots.txt</a:t>
@@ -13596,13 +13533,10 @@
               <a:buFont typeface="Cabin"/>
             </a:pPr>
             <a:r>
-              <a:rPr lang="en" sz="2000" b="0" i="0" u="none" strike="noStrike" cap="none">
+              <a:rPr lang="en" sz="2000" u="none" strike="noStrike" cap="none">
                 <a:solidFill>
                   <a:srgbClr val="FFFFFF"/>
                 </a:solidFill>
-                <a:latin typeface="Cabin"/>
-                <a:ea typeface="Cabin"/>
-                <a:cs typeface="Cabin"/>
                 <a:sym typeface="Cabin"/>
               </a:rPr>
               <a:t>A way for a web site to communicate with web crawlers</a:t>
@@ -13620,13 +13554,10 @@
               <a:buFont typeface="Cabin"/>
             </a:pPr>
             <a:r>
-              <a:rPr lang="en" sz="2000" b="0" i="0" u="none" strike="noStrike" cap="none">
+              <a:rPr lang="en" sz="2000" u="none" strike="noStrike" cap="none">
                 <a:solidFill>
                   <a:srgbClr val="FFFFFF"/>
                 </a:solidFill>
-                <a:latin typeface="Cabin"/>
-                <a:ea typeface="Cabin"/>
-                <a:cs typeface="Cabin"/>
                 <a:sym typeface="Cabin"/>
               </a:rPr>
               <a:t>An informal and voluntary standard</a:t>
@@ -13644,13 +13575,10 @@
               <a:buFont typeface="Cabin"/>
             </a:pPr>
             <a:r>
-              <a:rPr lang="en" sz="2000" b="0" i="0" u="none" strike="noStrike" cap="none">
+              <a:rPr lang="en" sz="2000" u="none" strike="noStrike" cap="none">
                 <a:solidFill>
                   <a:srgbClr val="FFFFFF"/>
                 </a:solidFill>
-                <a:latin typeface="Cabin"/>
-                <a:ea typeface="Cabin"/>
-                <a:cs typeface="Cabin"/>
                 <a:sym typeface="Cabin"/>
               </a:rPr>
               <a:t>Sometimes folks make a “Spider Trap” to catch “bad” spiders</a:t>
@@ -13691,13 +13619,13 @@
               <a:buNone/>
             </a:pPr>
             <a:r>
-              <a:rPr lang="en" sz="2000" b="0" i="0" u="none" strike="noStrike" cap="none">
+              <a:rPr lang="en" sz="2000" u="none" strike="noStrike" cap="none">
                 <a:solidFill>
                   <a:srgbClr val="FFFB00"/>
                 </a:solidFill>
-                <a:latin typeface="Cabin"/>
-                <a:ea typeface="Cabin"/>
-                <a:cs typeface="Cabin"/>
+                <a:latin typeface="Arial Regular" charset="0"/>
+                <a:ea typeface="Arial Regular" charset="0"/>
+                <a:cs typeface="Arial Regular" charset="0"/>
                 <a:sym typeface="Cabin"/>
               </a:rPr>
               <a:t>http://en.wikipedia.org/wiki/Robots_Exclusion_Standard</a:t>
@@ -13712,13 +13640,13 @@
               <a:buNone/>
             </a:pPr>
             <a:r>
-              <a:rPr lang="en" sz="2000" b="0" i="0" u="none" strike="noStrike" cap="none">
+              <a:rPr lang="en" sz="2000" u="none" strike="noStrike" cap="none">
                 <a:solidFill>
                   <a:srgbClr val="FFFB00"/>
                 </a:solidFill>
-                <a:latin typeface="Cabin"/>
-                <a:ea typeface="Cabin"/>
-                <a:cs typeface="Cabin"/>
+                <a:latin typeface="Arial Regular" charset="0"/>
+                <a:ea typeface="Arial Regular" charset="0"/>
+                <a:cs typeface="Arial Regular" charset="0"/>
                 <a:sym typeface="Cabin"/>
               </a:rPr>
               <a:t>http://en.wikipedia.org/wiki/Spider_trap</a:t>
@@ -13759,13 +13687,13 @@
               <a:buNone/>
             </a:pPr>
             <a:r>
-              <a:rPr lang="en" sz="2000" b="0" i="0" u="none" strike="noStrike" cap="none">
+              <a:rPr lang="en" sz="2000" u="none" strike="noStrike" cap="none">
                 <a:solidFill>
                   <a:srgbClr val="00F900"/>
                 </a:solidFill>
-                <a:latin typeface="Cabin"/>
-                <a:ea typeface="Cabin"/>
-                <a:cs typeface="Cabin"/>
+                <a:latin typeface="Arial Regular" charset="0"/>
+                <a:ea typeface="Arial Regular" charset="0"/>
+                <a:cs typeface="Arial Regular" charset="0"/>
                 <a:sym typeface="Cabin"/>
               </a:rPr>
               <a:t>User-agent: *</a:t>
@@ -13780,13 +13708,13 @@
               <a:buNone/>
             </a:pPr>
             <a:r>
-              <a:rPr lang="en" sz="2000" b="0" i="0" u="none" strike="noStrike" cap="none">
+              <a:rPr lang="en" sz="2000" u="none" strike="noStrike" cap="none">
                 <a:solidFill>
                   <a:srgbClr val="00F900"/>
                 </a:solidFill>
-                <a:latin typeface="Cabin"/>
-                <a:ea typeface="Cabin"/>
-                <a:cs typeface="Cabin"/>
+                <a:latin typeface="Arial Regular" charset="0"/>
+                <a:ea typeface="Arial Regular" charset="0"/>
+                <a:cs typeface="Arial Regular" charset="0"/>
                 <a:sym typeface="Cabin"/>
               </a:rPr>
               <a:t>Disallow: /cgi-bin/</a:t>
@@ -13801,13 +13729,13 @@
               <a:buNone/>
             </a:pPr>
             <a:r>
-              <a:rPr lang="en" sz="2000" b="0" i="0" u="none" strike="noStrike" cap="none">
+              <a:rPr lang="en" sz="2000" u="none" strike="noStrike" cap="none">
                 <a:solidFill>
                   <a:srgbClr val="00F900"/>
                 </a:solidFill>
-                <a:latin typeface="Cabin"/>
-                <a:ea typeface="Cabin"/>
-                <a:cs typeface="Cabin"/>
+                <a:latin typeface="Arial Regular" charset="0"/>
+                <a:ea typeface="Arial Regular" charset="0"/>
+                <a:cs typeface="Arial Regular" charset="0"/>
                 <a:sym typeface="Cabin"/>
               </a:rPr>
               <a:t>Disallow: /images/</a:t>
@@ -13822,13 +13750,13 @@
               <a:buNone/>
             </a:pPr>
             <a:r>
-              <a:rPr lang="en" sz="2000" b="0" i="0" u="none" strike="noStrike" cap="none">
+              <a:rPr lang="en" sz="2000" u="none" strike="noStrike" cap="none">
                 <a:solidFill>
                   <a:srgbClr val="00F900"/>
                 </a:solidFill>
-                <a:latin typeface="Cabin"/>
-                <a:ea typeface="Cabin"/>
-                <a:cs typeface="Cabin"/>
+                <a:latin typeface="Arial Regular" charset="0"/>
+                <a:ea typeface="Arial Regular" charset="0"/>
+                <a:cs typeface="Arial Regular" charset="0"/>
                 <a:sym typeface="Cabin"/>
               </a:rPr>
               <a:t>Disallow: /tmp/</a:t>
@@ -13843,13 +13771,13 @@
               <a:buNone/>
             </a:pPr>
             <a:r>
-              <a:rPr lang="en" sz="2000" b="0" i="0" u="none" strike="noStrike" cap="none">
+              <a:rPr lang="en" sz="2000" u="none" strike="noStrike" cap="none">
                 <a:solidFill>
                   <a:srgbClr val="00F900"/>
                 </a:solidFill>
-                <a:latin typeface="Cabin"/>
-                <a:ea typeface="Cabin"/>
-                <a:cs typeface="Cabin"/>
+                <a:latin typeface="Arial Regular" charset="0"/>
+                <a:ea typeface="Arial Regular" charset="0"/>
+                <a:cs typeface="Arial Regular" charset="0"/>
                 <a:sym typeface="Cabin"/>
               </a:rPr>
               <a:t>Disallow: /private/</a:t>
@@ -13919,13 +13847,10 @@
               <a:buNone/>
             </a:pPr>
             <a:r>
-              <a:rPr lang="en" sz="4300" b="0" i="0" u="none" strike="noStrike" cap="none">
+              <a:rPr lang="en" sz="4300" u="none" strike="noStrike" cap="none">
                 <a:solidFill>
                   <a:srgbClr val="FFD966"/>
                 </a:solidFill>
-                <a:latin typeface="Cabin"/>
-                <a:ea typeface="Cabin"/>
-                <a:cs typeface="Cabin"/>
                 <a:sym typeface="Cabin"/>
               </a:rPr>
               <a:t>Google Architecture</a:t>
@@ -13973,13 +13898,10 @@
               <a:buFont typeface="Cabin"/>
             </a:pPr>
             <a:r>
-              <a:rPr lang="en" sz="2400" b="0" i="0" u="none" strike="noStrike" cap="none">
+              <a:rPr lang="en" sz="2400" u="none" strike="noStrike" cap="none">
                 <a:solidFill>
                   <a:srgbClr val="FFFFFF"/>
                 </a:solidFill>
-                <a:latin typeface="Cabin"/>
-                <a:ea typeface="Cabin"/>
-                <a:cs typeface="Cabin"/>
                 <a:sym typeface="Cabin"/>
               </a:rPr>
               <a:t>Web Crawling</a:t>
@@ -13997,13 +13919,10 @@
               <a:buFont typeface="Cabin"/>
             </a:pPr>
             <a:r>
-              <a:rPr lang="en" sz="2400" b="0" i="0" u="none" strike="noStrike" cap="none">
+              <a:rPr lang="en" sz="2400" u="none" strike="noStrike" cap="none">
                 <a:solidFill>
                   <a:srgbClr val="FFFB00"/>
                 </a:solidFill>
-                <a:latin typeface="Cabin"/>
-                <a:ea typeface="Cabin"/>
-                <a:cs typeface="Cabin"/>
                 <a:sym typeface="Cabin"/>
               </a:rPr>
               <a:t>Index Building</a:t>
@@ -14021,13 +13940,10 @@
               <a:buFont typeface="Cabin"/>
             </a:pPr>
             <a:r>
-              <a:rPr lang="en" sz="2400" b="0" i="0" u="none" strike="noStrike" cap="none">
+              <a:rPr lang="en" sz="2400" u="none" strike="noStrike" cap="none">
                 <a:solidFill>
                   <a:srgbClr val="FFFFFF"/>
                 </a:solidFill>
-                <a:latin typeface="Cabin"/>
-                <a:ea typeface="Cabin"/>
-                <a:cs typeface="Cabin"/>
                 <a:sym typeface="Cabin"/>
               </a:rPr>
               <a:t>Searching</a:t>
@@ -14095,13 +14011,13 @@
               <a:buNone/>
             </a:pPr>
             <a:r>
-              <a:rPr lang="en" sz="2000" b="0" i="0" u="none" strike="noStrike" cap="none">
+              <a:rPr lang="en" sz="2000" u="none" strike="noStrike" cap="none">
                 <a:solidFill>
                   <a:srgbClr val="FFFB00"/>
                 </a:solidFill>
-                <a:latin typeface="Cabin"/>
-                <a:ea typeface="Cabin"/>
-                <a:cs typeface="Cabin"/>
+                <a:latin typeface="Arial Regular" charset="0"/>
+                <a:ea typeface="Arial Regular" charset="0"/>
+                <a:cs typeface="Arial Regular" charset="0"/>
                 <a:sym typeface="Cabin"/>
               </a:rPr>
               <a:t>http://infolab.stanford.edu/~backrub/google.html</a:t>
@@ -14170,13 +14086,13 @@
               <a:buNone/>
             </a:pPr>
             <a:r>
-              <a:rPr lang="en" sz="2000" b="0" i="0" u="none" strike="noStrike" cap="none">
+              <a:rPr lang="en" sz="2000" u="none" strike="noStrike" cap="none">
                 <a:solidFill>
                   <a:srgbClr val="FFFFFF"/>
                 </a:solidFill>
-                <a:latin typeface="Cabin"/>
-                <a:ea typeface="Cabin"/>
-                <a:cs typeface="Cabin"/>
+                <a:latin typeface="Arial Regular" charset="0"/>
+                <a:ea typeface="Arial Regular" charset="0"/>
+                <a:cs typeface="Arial Regular" charset="0"/>
                 <a:sym typeface="Cabin"/>
               </a:rPr>
               <a:t>Search engine indexing collects, parses, and stores data to facilitate fast and accurate information retrieval.  The purpose of storing an index is to optimize speed and performance in finding relevant documents for a search query.   Without an index, the search engine would scan every document in the corpus, which would require considerable time and computing power. </a:t>
@@ -14221,13 +14137,10 @@
               <a:buNone/>
             </a:pPr>
             <a:r>
-              <a:rPr lang="en" sz="4300" b="0" i="0" u="none" strike="noStrike" cap="none">
+              <a:rPr lang="en" sz="4300" u="none" strike="noStrike" cap="none">
                 <a:solidFill>
                   <a:srgbClr val="FFD966"/>
                 </a:solidFill>
-                <a:latin typeface="Cabin"/>
-                <a:ea typeface="Cabin"/>
-                <a:cs typeface="Cabin"/>
                 <a:sym typeface="Cabin"/>
               </a:rPr>
               <a:t>Search Indexing</a:t>
@@ -14268,13 +14181,13 @@
               <a:buNone/>
             </a:pPr>
             <a:r>
-              <a:rPr lang="en" sz="2000" b="0" i="0" u="none" strike="noStrike" cap="none">
+              <a:rPr lang="en" sz="2000" u="none" strike="noStrike" cap="none">
                 <a:solidFill>
                   <a:srgbClr val="FFFF00"/>
                 </a:solidFill>
-                <a:latin typeface="Cabin"/>
-                <a:ea typeface="Cabin"/>
-                <a:cs typeface="Cabin"/>
+                <a:latin typeface="Arial Regular" charset="0"/>
+                <a:ea typeface="Arial Regular" charset="0"/>
+                <a:cs typeface="Arial Regular" charset="0"/>
                 <a:sym typeface="Cabin"/>
               </a:rPr>
               <a:t>http://en.wikipedia.org/wiki/Index_(search_engine)</a:t>
@@ -14357,13 +14270,13 @@
               <a:buNone/>
             </a:pPr>
             <a:r>
-              <a:rPr lang="en" sz="1500" b="0" i="0" u="none" strike="noStrike" cap="none">
+              <a:rPr lang="en" sz="1500" u="none" strike="noStrike" cap="none">
                 <a:solidFill>
                   <a:srgbClr val="660066"/>
                 </a:solidFill>
-                <a:latin typeface="Cabin"/>
-                <a:ea typeface="Cabin"/>
-                <a:cs typeface="Cabin"/>
+                <a:latin typeface="Arial Regular" charset="0"/>
+                <a:ea typeface="Arial Regular" charset="0"/>
+                <a:cs typeface="Arial Regular" charset="0"/>
                 <a:sym typeface="Cabin"/>
               </a:rPr>
               <a:t>spider.sqlite</a:t>
@@ -14860,13 +14773,13 @@
               <a:buNone/>
             </a:pPr>
             <a:r>
-              <a:rPr lang="en" sz="1500" b="0" i="0" u="none" strike="noStrike" cap="none">
+              <a:rPr lang="en" sz="1500" u="none" strike="noStrike" cap="none">
                 <a:solidFill>
                   <a:srgbClr val="660066"/>
                 </a:solidFill>
-                <a:latin typeface="Cabin"/>
-                <a:ea typeface="Cabin"/>
-                <a:cs typeface="Cabin"/>
+                <a:latin typeface="Arial Regular" charset="0"/>
+                <a:ea typeface="Arial Regular" charset="0"/>
+                <a:cs typeface="Arial Regular" charset="0"/>
                 <a:sym typeface="Cabin"/>
               </a:rPr>
               <a:t>force.js</a:t>
@@ -14921,13 +14834,13 @@
               <a:buNone/>
             </a:pPr>
             <a:r>
-              <a:rPr lang="en" sz="1500" b="0" i="0" u="none" strike="noStrike" cap="none">
+              <a:rPr lang="en" sz="1500" u="none" strike="noStrike" cap="none">
                 <a:solidFill>
                   <a:srgbClr val="660066"/>
                 </a:solidFill>
-                <a:latin typeface="Cabin"/>
-                <a:ea typeface="Cabin"/>
-                <a:cs typeface="Cabin"/>
+                <a:latin typeface="Arial Regular" charset="0"/>
+                <a:ea typeface="Arial Regular" charset="0"/>
+                <a:cs typeface="Arial Regular" charset="0"/>
                 <a:sym typeface="Cabin"/>
               </a:rPr>
               <a:t>force.html</a:t>
@@ -14952,13 +14865,13 @@
               <a:buNone/>
             </a:pPr>
             <a:r>
-              <a:rPr lang="en" sz="1500" b="0" i="0" u="none" strike="noStrike" cap="none">
+              <a:rPr lang="en" sz="1500" u="none" strike="noStrike" cap="none">
                 <a:solidFill>
                   <a:srgbClr val="660066"/>
                 </a:solidFill>
-                <a:latin typeface="Cabin"/>
-                <a:ea typeface="Cabin"/>
-                <a:cs typeface="Cabin"/>
+                <a:latin typeface="Arial Regular" charset="0"/>
+                <a:ea typeface="Arial Regular" charset="0"/>
+                <a:cs typeface="Arial Regular" charset="0"/>
                 <a:sym typeface="Cabin"/>
               </a:rPr>
               <a:t>d3.js</a:t>
@@ -15422,13 +15335,10 @@
               <a:buNone/>
             </a:pPr>
             <a:r>
-              <a:rPr lang="en" sz="4300" b="0" i="0" u="none" strike="noStrike" cap="none">
+              <a:rPr lang="en" sz="4300" u="none" strike="noStrike" cap="none">
                 <a:solidFill>
                   <a:srgbClr val="FFD966"/>
                 </a:solidFill>
-                <a:latin typeface="Cabin"/>
-                <a:ea typeface="Cabin"/>
-                <a:cs typeface="Cabin"/>
                 <a:sym typeface="Cabin"/>
               </a:rPr>
               <a:t>Mailing Lists - Gmane</a:t>
@@ -15476,13 +15386,10 @@
               <a:buFont typeface="Cabin"/>
             </a:pPr>
             <a:r>
-              <a:rPr lang="en" sz="2000" b="0" i="0" u="none" strike="noStrike" cap="none">
+              <a:rPr lang="en" sz="2000" u="none" strike="noStrike" cap="none">
                 <a:solidFill>
                   <a:srgbClr val="FFFFFF"/>
                 </a:solidFill>
-                <a:latin typeface="Cabin"/>
-                <a:ea typeface="Cabin"/>
-                <a:cs typeface="Cabin"/>
                 <a:sym typeface="Cabin"/>
               </a:rPr>
               <a:t>Crawl the archive of a mailing list</a:t>
@@ -15500,13 +15407,10 @@
               <a:buFont typeface="Cabin"/>
             </a:pPr>
             <a:r>
-              <a:rPr lang="en" sz="2000" b="0" i="0" u="none" strike="noStrike" cap="none">
+              <a:rPr lang="en" sz="2000" u="none" strike="noStrike" cap="none">
                 <a:solidFill>
                   <a:srgbClr val="FFFFFF"/>
                 </a:solidFill>
-                <a:latin typeface="Cabin"/>
-                <a:ea typeface="Cabin"/>
-                <a:cs typeface="Cabin"/>
                 <a:sym typeface="Cabin"/>
               </a:rPr>
               <a:t>Do some analysis / cleanup</a:t>
@@ -15524,13 +15428,10 @@
               <a:buFont typeface="Cabin"/>
             </a:pPr>
             <a:r>
-              <a:rPr lang="en" sz="2000" b="0" i="0" u="none" strike="noStrike" cap="none">
+              <a:rPr lang="en" sz="2000" u="none" strike="noStrike" cap="none">
                 <a:solidFill>
                   <a:srgbClr val="FFFFFF"/>
                 </a:solidFill>
-                <a:latin typeface="Cabin"/>
-                <a:ea typeface="Cabin"/>
-                <a:cs typeface="Cabin"/>
                 <a:sym typeface="Cabin"/>
               </a:rPr>
               <a:t>Visualize the data as word cloud and lines</a:t>
@@ -15674,25 +15575,19 @@
               <a:buNone/>
             </a:pPr>
             <a:r>
-              <a:rPr lang="en" sz="4300" b="0" i="0" u="none" strike="noStrike" cap="none">
+              <a:rPr lang="en" sz="4300" u="none" strike="noStrike" cap="none">
                 <a:solidFill>
                   <a:srgbClr val="FF0000"/>
                 </a:solidFill>
-                <a:latin typeface="Cabin"/>
-                <a:ea typeface="Cabin"/>
-                <a:cs typeface="Cabin"/>
                 <a:sym typeface="Cabin"/>
               </a:rPr>
               <a:t>Warning: </a:t>
             </a:r>
             <a:r>
-              <a:rPr lang="en" sz="4300" b="0" i="0" u="none" strike="noStrike" cap="none">
+              <a:rPr lang="en" sz="4300" u="none" strike="noStrike" cap="none">
                 <a:solidFill>
                   <a:srgbClr val="FFD966"/>
                 </a:solidFill>
-                <a:latin typeface="Cabin"/>
-                <a:ea typeface="Cabin"/>
-                <a:cs typeface="Cabin"/>
                 <a:sym typeface="Cabin"/>
               </a:rPr>
               <a:t>This Dataset is &gt; 1GB </a:t>
@@ -15743,13 +15638,10 @@
               <a:buFont typeface="Cabin"/>
             </a:pPr>
             <a:r>
-              <a:rPr lang="en" sz="2000" b="0" i="0" u="none" strike="noStrike" cap="none">
+              <a:rPr lang="en" sz="2000" u="none" strike="noStrike" cap="none">
                 <a:solidFill>
                   <a:srgbClr val="FFFFFF"/>
                 </a:solidFill>
-                <a:latin typeface="Cabin"/>
-                <a:ea typeface="Cabin"/>
-                <a:cs typeface="Cabin"/>
                 <a:sym typeface="Cabin"/>
               </a:rPr>
               <a:t>Do not just point this application at gmane.org and let it run all night</a:t>
@@ -15770,13 +15662,10 @@
               <a:buFont typeface="Cabin"/>
             </a:pPr>
             <a:r>
-              <a:rPr lang="en" sz="2000" b="0" i="0" u="none" strike="noStrike" cap="none">
+              <a:rPr lang="en" sz="2000" u="none" strike="noStrike" cap="none">
                 <a:solidFill>
                   <a:srgbClr val="FFFFFF"/>
                 </a:solidFill>
-                <a:latin typeface="Cabin"/>
-                <a:ea typeface="Cabin"/>
-                <a:cs typeface="Cabin"/>
                 <a:sym typeface="Cabin"/>
               </a:rPr>
               <a:t>There is no rate limits – these are cool folks</a:t>
@@ -15797,13 +15686,10 @@
               <a:buFont typeface="Cabin"/>
             </a:pPr>
             <a:r>
-              <a:rPr lang="en" sz="2000" b="0" i="0" u="none" strike="noStrike" cap="none">
+              <a:rPr lang="en" sz="2000" u="none" strike="noStrike" cap="none">
                 <a:solidFill>
                   <a:srgbClr val="FFFFFF"/>
                 </a:solidFill>
-                <a:latin typeface="Cabin"/>
-                <a:ea typeface="Cabin"/>
-                <a:cs typeface="Cabin"/>
                 <a:sym typeface="Cabin"/>
               </a:rPr>
               <a:t>Don't ruin it for the rest of us</a:t>
@@ -15828,13 +15714,10 @@
               <a:t>Please use my</a:t>
             </a:r>
             <a:r>
-              <a:rPr lang="en" sz="2000" b="0" i="0" u="none" strike="noStrike" cap="none">
+              <a:rPr lang="en" sz="2000" u="none" strike="noStrike" cap="none">
                 <a:solidFill>
                   <a:srgbClr val="FFFFFF"/>
                 </a:solidFill>
-                <a:latin typeface="Cabin"/>
-                <a:ea typeface="Cabin"/>
-                <a:cs typeface="Cabin"/>
                 <a:sym typeface="Cabin"/>
               </a:rPr>
               <a:t> non-rate-limited copy of this </a:t>
@@ -15994,13 +15877,13 @@
               <a:buNone/>
             </a:pPr>
             <a:r>
-              <a:rPr lang="en" sz="1500" b="0" i="0" u="none" strike="noStrike" cap="none">
+              <a:rPr lang="en" sz="1500" u="none" strike="noStrike" cap="none">
                 <a:solidFill>
                   <a:srgbClr val="660066"/>
                 </a:solidFill>
-                <a:latin typeface="Cabin"/>
-                <a:ea typeface="Cabin"/>
-                <a:cs typeface="Cabin"/>
+                <a:latin typeface="Arial Regular" charset="0"/>
+                <a:ea typeface="Arial Regular" charset="0"/>
+                <a:cs typeface="Arial Regular" charset="0"/>
                 <a:sym typeface="Cabin"/>
               </a:rPr>
               <a:t>content.sqlite</a:t>
@@ -16472,13 +16355,13 @@
               <a:buNone/>
             </a:pPr>
             <a:r>
-              <a:rPr lang="en" sz="1500" b="0" i="0" u="none" strike="noStrike" cap="none">
+              <a:rPr lang="en" sz="1500" u="none" strike="noStrike" cap="none">
                 <a:solidFill>
                   <a:srgbClr val="660066"/>
                 </a:solidFill>
-                <a:latin typeface="Cabin"/>
-                <a:ea typeface="Cabin"/>
-                <a:cs typeface="Cabin"/>
+                <a:latin typeface="Arial Regular" charset="0"/>
+                <a:ea typeface="Arial Regular" charset="0"/>
+                <a:cs typeface="Arial Regular" charset="0"/>
                 <a:sym typeface="Cabin"/>
               </a:rPr>
               <a:t>gword.js</a:t>
@@ -16533,13 +16416,13 @@
               <a:buNone/>
             </a:pPr>
             <a:r>
-              <a:rPr lang="en" sz="1500" b="0" i="0" u="none" strike="noStrike" cap="none">
+              <a:rPr lang="en" sz="1500" u="none" strike="noStrike" cap="none">
                 <a:solidFill>
                   <a:srgbClr val="660066"/>
                 </a:solidFill>
-                <a:latin typeface="Cabin"/>
-                <a:ea typeface="Cabin"/>
-                <a:cs typeface="Cabin"/>
+                <a:latin typeface="Arial Regular" charset="0"/>
+                <a:ea typeface="Arial Regular" charset="0"/>
+                <a:cs typeface="Arial Regular" charset="0"/>
                 <a:sym typeface="Cabin"/>
               </a:rPr>
               <a:t>gword.htm</a:t>
@@ -16564,13 +16447,13 @@
               <a:buNone/>
             </a:pPr>
             <a:r>
-              <a:rPr lang="en" sz="1500" b="0" i="0" u="none" strike="noStrike" cap="none">
+              <a:rPr lang="en" sz="1500" u="none" strike="noStrike" cap="none">
                 <a:solidFill>
                   <a:srgbClr val="660066"/>
                 </a:solidFill>
-                <a:latin typeface="Cabin"/>
-                <a:ea typeface="Cabin"/>
-                <a:cs typeface="Cabin"/>
+                <a:latin typeface="Arial Regular" charset="0"/>
+                <a:ea typeface="Arial Regular" charset="0"/>
+                <a:cs typeface="Arial Regular" charset="0"/>
                 <a:sym typeface="Cabin"/>
               </a:rPr>
               <a:t>d3.js</a:t>
@@ -16873,13 +16756,13 @@
               <a:buNone/>
             </a:pPr>
             <a:r>
-              <a:rPr lang="en" sz="1500" b="0" i="0" u="none" strike="noStrike" cap="none">
+              <a:rPr lang="en" sz="1500" u="none" strike="noStrike" cap="none">
                 <a:solidFill>
                   <a:srgbClr val="660066"/>
                 </a:solidFill>
-                <a:latin typeface="Cabin"/>
-                <a:ea typeface="Cabin"/>
-                <a:cs typeface="Cabin"/>
+                <a:latin typeface="Arial Regular" charset="0"/>
+                <a:ea typeface="Arial Regular" charset="0"/>
+                <a:cs typeface="Arial Regular" charset="0"/>
                 <a:sym typeface="Cabin"/>
               </a:rPr>
               <a:t>content.sqlite</a:t>
@@ -17049,13 +16932,13 @@
               <a:buNone/>
             </a:pPr>
             <a:r>
-              <a:rPr lang="en" sz="1500" b="0" i="0" u="none" strike="noStrike" cap="none">
+              <a:rPr lang="en" sz="1500" u="none" strike="noStrike" cap="none">
                 <a:solidFill>
                   <a:srgbClr val="660066"/>
                 </a:solidFill>
-                <a:latin typeface="Cabin"/>
-                <a:ea typeface="Cabin"/>
-                <a:cs typeface="Cabin"/>
+                <a:latin typeface="Arial Regular" charset="0"/>
+                <a:ea typeface="Arial Regular" charset="0"/>
+                <a:cs typeface="Arial Regular" charset="0"/>
                 <a:sym typeface="Cabin"/>
               </a:rPr>
               <a:t>gline.js</a:t>
@@ -17110,13 +16993,13 @@
               <a:buNone/>
             </a:pPr>
             <a:r>
-              <a:rPr lang="en" sz="1500" b="0" i="0" u="none" strike="noStrike" cap="none">
+              <a:rPr lang="en" sz="1500" u="none" strike="noStrike" cap="none">
                 <a:solidFill>
                   <a:srgbClr val="660066"/>
                 </a:solidFill>
-                <a:latin typeface="Cabin"/>
-                <a:ea typeface="Cabin"/>
-                <a:cs typeface="Cabin"/>
+                <a:latin typeface="Arial Regular" charset="0"/>
+                <a:ea typeface="Arial Regular" charset="0"/>
+                <a:cs typeface="Arial Regular" charset="0"/>
                 <a:sym typeface="Cabin"/>
               </a:rPr>
               <a:t>gline.htm</a:t>
@@ -17141,13 +17024,13 @@
               <a:buNone/>
             </a:pPr>
             <a:r>
-              <a:rPr lang="en" sz="1500" b="0" i="0" u="none" strike="noStrike" cap="none">
+              <a:rPr lang="en" sz="1500" u="none" strike="noStrike" cap="none">
                 <a:solidFill>
                   <a:srgbClr val="660066"/>
                 </a:solidFill>
-                <a:latin typeface="Cabin"/>
-                <a:ea typeface="Cabin"/>
-                <a:cs typeface="Cabin"/>
+                <a:latin typeface="Arial Regular" charset="0"/>
+                <a:ea typeface="Arial Regular" charset="0"/>
+                <a:cs typeface="Arial Regular" charset="0"/>
                 <a:sym typeface="Cabin"/>
               </a:rPr>
               <a:t>d3.js</a:t>
@@ -17375,13 +17258,10 @@
               <a:buNone/>
             </a:pPr>
             <a:r>
-              <a:rPr lang="en" sz="2000" b="0" i="0" u="none" strike="noStrike" cap="none">
+              <a:rPr lang="en" sz="2000" u="none" strike="noStrike" cap="none">
                 <a:solidFill>
                   <a:srgbClr val="FFFF00"/>
                 </a:solidFill>
-                <a:latin typeface="Cabin"/>
-                <a:ea typeface="Cabin"/>
-                <a:cs typeface="Cabin"/>
                 <a:sym typeface="Cabin"/>
               </a:rPr>
               <a:t>Acknowledgements / Contributions</a:t>
@@ -17769,13 +17649,10 @@
               <a:buNone/>
             </a:pPr>
             <a:r>
-              <a:rPr lang="en" sz="4300" b="0" i="0" u="none" strike="noStrike" cap="none">
+              <a:rPr lang="en" sz="4300" u="none" strike="noStrike" cap="none">
                 <a:solidFill>
                   <a:srgbClr val="FFD966"/>
                 </a:solidFill>
-                <a:latin typeface="Cabin"/>
-                <a:ea typeface="Cabin"/>
-                <a:cs typeface="Cabin"/>
                 <a:sym typeface="Cabin"/>
               </a:rPr>
               <a:t>Multi-Step Data Analysis</a:t>
@@ -17855,13 +17732,13 @@
               <a:buFont typeface="Helvetica Neue"/>
               <a:buNone/>
             </a:pPr>
-            <a:endParaRPr sz="1500" b="0" i="0" u="none" strike="noStrike" cap="none">
+            <a:endParaRPr sz="1500" u="none" strike="noStrike" cap="none">
               <a:solidFill>
                 <a:srgbClr val="FFFFFF"/>
               </a:solidFill>
-              <a:latin typeface="Cabin"/>
-              <a:ea typeface="Cabin"/>
-              <a:cs typeface="Cabin"/>
+              <a:latin typeface="Arial Regular" charset="0"/>
+              <a:ea typeface="Arial Regular" charset="0"/>
+              <a:cs typeface="Arial Regular" charset="0"/>
               <a:sym typeface="Cabin"/>
             </a:endParaRPr>
           </a:p>
@@ -17939,13 +17816,13 @@
               <a:buFont typeface="Helvetica Neue"/>
               <a:buNone/>
             </a:pPr>
-            <a:endParaRPr sz="1500" b="0" i="0" u="none" strike="noStrike" cap="none">
+            <a:endParaRPr sz="1500" u="none" strike="noStrike" cap="none">
               <a:solidFill>
                 <a:srgbClr val="FFFFFF"/>
               </a:solidFill>
-              <a:latin typeface="Cabin"/>
-              <a:ea typeface="Cabin"/>
-              <a:cs typeface="Cabin"/>
+              <a:latin typeface="Arial Regular" charset="0"/>
+              <a:ea typeface="Arial Regular" charset="0"/>
+              <a:cs typeface="Arial Regular" charset="0"/>
               <a:sym typeface="Cabin"/>
             </a:endParaRPr>
           </a:p>
@@ -18560,13 +18437,10 @@
               <a:buNone/>
             </a:pPr>
             <a:r>
-              <a:rPr lang="en" sz="4300" b="0" i="0" u="none" strike="noStrike" cap="none">
+              <a:rPr lang="en" sz="4300" u="none" strike="noStrike" cap="none">
                 <a:solidFill>
                   <a:srgbClr val="FFD966"/>
                 </a:solidFill>
-                <a:latin typeface="Cabin"/>
-                <a:ea typeface="Cabin"/>
-                <a:cs typeface="Cabin"/>
                 <a:sym typeface="Cabin"/>
               </a:rPr>
               <a:t>Many Data Mining Technologies</a:t>
@@ -18614,13 +18488,10 @@
               <a:buFont typeface="Cabin"/>
             </a:pPr>
             <a:r>
-              <a:rPr lang="en" sz="3200" b="0" i="0" u="none" strike="noStrike" cap="none" baseline="30000">
+              <a:rPr lang="en" sz="3200" u="none" strike="noStrike" cap="none" baseline="30000">
                 <a:solidFill>
                   <a:srgbClr val="FFFFFF"/>
                 </a:solidFill>
-                <a:latin typeface="Cabin"/>
-                <a:ea typeface="Cabin"/>
-                <a:cs typeface="Cabin"/>
                 <a:sym typeface="Cabin"/>
               </a:rPr>
               <a:t>https://hadoop.apache.org/</a:t>
@@ -18638,13 +18509,10 @@
               <a:buFont typeface="Cabin"/>
             </a:pPr>
             <a:r>
-              <a:rPr lang="en" sz="3200" b="0" i="0" u="none" strike="noStrike" cap="none" baseline="30000">
+              <a:rPr lang="en" sz="3200" u="none" strike="noStrike" cap="none" baseline="30000">
                 <a:solidFill>
                   <a:srgbClr val="FFFFFF"/>
                 </a:solidFill>
-                <a:latin typeface="Cabin"/>
-                <a:ea typeface="Cabin"/>
-                <a:cs typeface="Cabin"/>
                 <a:sym typeface="Cabin"/>
               </a:rPr>
               <a:t>http://spark.apache.org/</a:t>
@@ -18662,13 +18530,10 @@
               <a:buFont typeface="Cabin"/>
             </a:pPr>
             <a:r>
-              <a:rPr lang="en" sz="3200" b="0" i="0" u="none" strike="noStrike" cap="none" baseline="30000">
+              <a:rPr lang="en" sz="3200" u="none" strike="noStrike" cap="none" baseline="30000">
                 <a:solidFill>
                   <a:srgbClr val="FFFFFF"/>
                 </a:solidFill>
-                <a:latin typeface="Cabin"/>
-                <a:ea typeface="Cabin"/>
-                <a:cs typeface="Cabin"/>
                 <a:sym typeface="Cabin"/>
               </a:rPr>
               <a:t>https://aws.amazon.com/redshift/</a:t>
@@ -18686,13 +18551,10 @@
               <a:buFont typeface="Cabin"/>
             </a:pPr>
             <a:r>
-              <a:rPr lang="en" sz="3200" b="0" i="0" u="none" strike="noStrike" cap="none" baseline="30000">
+              <a:rPr lang="en" sz="3200" u="none" strike="noStrike" cap="none" baseline="30000">
                 <a:solidFill>
                   <a:srgbClr val="FFFFFF"/>
                 </a:solidFill>
-                <a:latin typeface="Cabin"/>
-                <a:ea typeface="Cabin"/>
-                <a:cs typeface="Cabin"/>
                 <a:sym typeface="Cabin"/>
               </a:rPr>
               <a:t>http://community.pentaho.com/</a:t>
@@ -18710,13 +18572,10 @@
               <a:buFont typeface="Cabin"/>
             </a:pPr>
             <a:r>
-              <a:rPr lang="en" sz="3200" b="0" i="0" u="none" strike="noStrike" cap="none" baseline="30000">
+              <a:rPr lang="en" sz="3200" u="none" strike="noStrike" cap="none" baseline="30000">
                 <a:solidFill>
                   <a:srgbClr val="FFFFFF"/>
                 </a:solidFill>
-                <a:latin typeface="Cabin"/>
-                <a:ea typeface="Cabin"/>
-                <a:cs typeface="Cabin"/>
                 <a:sym typeface="Cabin"/>
               </a:rPr>
               <a:t>....</a:t>
@@ -18786,13 +18645,10 @@
               <a:buNone/>
             </a:pPr>
             <a:r>
-              <a:rPr lang="en" sz="4300" b="0" i="0" u="none" strike="noStrike" cap="none">
+              <a:rPr lang="en" sz="4300" u="none" strike="noStrike" cap="none">
                 <a:solidFill>
                   <a:srgbClr val="FFD966"/>
                 </a:solidFill>
-                <a:latin typeface="Cabin"/>
-                <a:ea typeface="Cabin"/>
-                <a:cs typeface="Cabin"/>
                 <a:sym typeface="Cabin"/>
               </a:rPr>
               <a:t>"Personal Data Mining"</a:t>
@@ -18840,13 +18696,10 @@
               <a:buFont typeface="Cabin"/>
             </a:pPr>
             <a:r>
-              <a:rPr lang="en" sz="2000" b="0" i="0" u="none" strike="noStrike" cap="none">
+              <a:rPr lang="en" sz="2000" u="none" strike="noStrike" cap="none">
                 <a:solidFill>
                   <a:srgbClr val="FFFFFF"/>
                 </a:solidFill>
-                <a:latin typeface="Cabin"/>
-                <a:ea typeface="Cabin"/>
-                <a:cs typeface="Cabin"/>
                 <a:sym typeface="Cabin"/>
               </a:rPr>
               <a:t>Our goal is to make you better programmers – not to make you data mining experts</a:t>
@@ -18916,13 +18769,10 @@
               <a:buNone/>
             </a:pPr>
             <a:r>
-              <a:rPr lang="en" sz="4300" b="0" i="0" u="none" strike="noStrike" cap="none">
+              <a:rPr lang="en" sz="4300" u="none" strike="noStrike" cap="none">
                 <a:solidFill>
                   <a:srgbClr val="FFD966"/>
                 </a:solidFill>
-                <a:latin typeface="Cabin"/>
-                <a:ea typeface="Cabin"/>
-                <a:cs typeface="Cabin"/>
                 <a:sym typeface="Cabin"/>
               </a:rPr>
               <a:t>GeoData</a:t>
@@ -18970,13 +18820,10 @@
               <a:buFont typeface="Cabin"/>
             </a:pPr>
             <a:r>
-              <a:rPr lang="en" sz="2000" b="0" i="0" u="none" strike="noStrike" cap="none">
+              <a:rPr lang="en" sz="2000" u="none" strike="noStrike" cap="none">
                 <a:solidFill>
                   <a:srgbClr val="FFFFFF"/>
                 </a:solidFill>
-                <a:latin typeface="Cabin"/>
-                <a:ea typeface="Cabin"/>
-                <a:cs typeface="Cabin"/>
                 <a:sym typeface="Cabin"/>
               </a:rPr>
               <a:t>Makes a Google Map from user entered data</a:t>
@@ -18994,13 +18841,10 @@
               <a:buFont typeface="Cabin"/>
             </a:pPr>
             <a:r>
-              <a:rPr lang="en" sz="2000" b="0" i="0" u="none" strike="noStrike" cap="none">
+              <a:rPr lang="en" sz="2000" u="none" strike="noStrike" cap="none">
                 <a:solidFill>
                   <a:srgbClr val="FFFFFF"/>
                 </a:solidFill>
-                <a:latin typeface="Cabin"/>
-                <a:ea typeface="Cabin"/>
-                <a:cs typeface="Cabin"/>
                 <a:sym typeface="Cabin"/>
               </a:rPr>
               <a:t>Uses the Google Geodata API</a:t>
@@ -19018,13 +18862,10 @@
               <a:buFont typeface="Cabin"/>
             </a:pPr>
             <a:r>
-              <a:rPr lang="en" sz="2000" b="0" i="0" u="none" strike="noStrike" cap="none">
+              <a:rPr lang="en" sz="2000" u="none" strike="noStrike" cap="none">
                 <a:solidFill>
                   <a:srgbClr val="FFFFFF"/>
                 </a:solidFill>
-                <a:latin typeface="Cabin"/>
-                <a:ea typeface="Cabin"/>
-                <a:cs typeface="Cabin"/>
                 <a:sym typeface="Cabin"/>
               </a:rPr>
               <a:t>Caches data in a database to avoid rate limiting and allow restarting</a:t>
@@ -19042,13 +18883,10 @@
               <a:buFont typeface="Cabin"/>
             </a:pPr>
             <a:r>
-              <a:rPr lang="en" sz="2000" b="0" i="0" u="none" strike="noStrike" cap="none">
+              <a:rPr lang="en" sz="2000" u="none" strike="noStrike" cap="none">
                 <a:solidFill>
                   <a:srgbClr val="FFFFFF"/>
                 </a:solidFill>
-                <a:latin typeface="Cabin"/>
-                <a:ea typeface="Cabin"/>
-                <a:cs typeface="Cabin"/>
                 <a:sym typeface="Cabin"/>
               </a:rPr>
               <a:t> Visualized in a browser using the Google Maps API</a:t>
@@ -19205,13 +19043,13 @@
               <a:buNone/>
             </a:pPr>
             <a:r>
-              <a:rPr lang="en" sz="1500" b="0" i="0" u="none" strike="noStrike" cap="none">
+              <a:rPr lang="en" sz="1500" u="none" strike="noStrike" cap="none">
                 <a:solidFill>
                   <a:srgbClr val="660066"/>
                 </a:solidFill>
-                <a:latin typeface="Cabin"/>
-                <a:ea typeface="Cabin"/>
-                <a:cs typeface="Cabin"/>
+                <a:latin typeface="Arial Regular" charset="0"/>
+                <a:ea typeface="Arial Regular" charset="0"/>
+                <a:cs typeface="Arial Regular" charset="0"/>
                 <a:sym typeface="Cabin"/>
               </a:rPr>
               <a:t>geodata.sqlite</a:t>
@@ -19844,13 +19682,13 @@
               <a:buNone/>
             </a:pPr>
             <a:r>
-              <a:rPr lang="en" sz="1500" b="0" i="0" u="none" strike="noStrike" cap="none">
+              <a:rPr lang="en" sz="1500" u="none" strike="noStrike" cap="none">
                 <a:solidFill>
                   <a:srgbClr val="660066"/>
                 </a:solidFill>
-                <a:latin typeface="Cabin"/>
-                <a:ea typeface="Cabin"/>
-                <a:cs typeface="Cabin"/>
+                <a:latin typeface="Arial Regular" charset="0"/>
+                <a:ea typeface="Arial Regular" charset="0"/>
+                <a:cs typeface="Arial Regular" charset="0"/>
                 <a:sym typeface="Cabin"/>
               </a:rPr>
               <a:t>where.data</a:t>
@@ -19934,13 +19772,13 @@
               <a:buNone/>
             </a:pPr>
             <a:r>
-              <a:rPr lang="en" sz="1500" b="0" i="0" u="none" strike="noStrike" cap="none">
+              <a:rPr lang="en" sz="1500" u="none" strike="noStrike" cap="none">
                 <a:solidFill>
                   <a:srgbClr val="660066"/>
                 </a:solidFill>
-                <a:latin typeface="Cabin"/>
-                <a:ea typeface="Cabin"/>
-                <a:cs typeface="Cabin"/>
+                <a:latin typeface="Arial Regular" charset="0"/>
+                <a:ea typeface="Arial Regular" charset="0"/>
+                <a:cs typeface="Arial Regular" charset="0"/>
                 <a:sym typeface="Cabin"/>
               </a:rPr>
               <a:t>where.js</a:t>
@@ -19995,13 +19833,13 @@
               <a:buNone/>
             </a:pPr>
             <a:r>
-              <a:rPr lang="en" sz="1500" b="0" i="0" u="none" strike="noStrike" cap="none">
+              <a:rPr lang="en" sz="1500" u="none" strike="noStrike" cap="none">
                 <a:solidFill>
                   <a:srgbClr val="660066"/>
                 </a:solidFill>
-                <a:latin typeface="Cabin"/>
-                <a:ea typeface="Cabin"/>
-                <a:cs typeface="Cabin"/>
+                <a:latin typeface="Arial Regular" charset="0"/>
+                <a:ea typeface="Arial Regular" charset="0"/>
+                <a:cs typeface="Arial Regular" charset="0"/>
                 <a:sym typeface="Cabin"/>
               </a:rPr>
               <a:t>where.html</a:t>
@@ -20205,13 +20043,10 @@
               <a:buNone/>
             </a:pPr>
             <a:r>
-              <a:rPr lang="en" sz="4300" b="0" i="0" u="none" strike="noStrike" cap="none">
+              <a:rPr lang="en" sz="4300" u="none" strike="noStrike" cap="none">
                 <a:solidFill>
                   <a:srgbClr val="FFD966"/>
                 </a:solidFill>
-                <a:latin typeface="Cabin"/>
-                <a:ea typeface="Cabin"/>
-                <a:cs typeface="Cabin"/>
                 <a:sym typeface="Cabin"/>
               </a:rPr>
               <a:t>Page Rank</a:t>
@@ -20262,13 +20097,10 @@
               <a:buFont typeface="Cabin"/>
             </a:pPr>
             <a:r>
-              <a:rPr lang="en" sz="2000" b="0" i="0" u="none" strike="noStrike" cap="none">
+              <a:rPr lang="en" sz="2000" u="none" strike="noStrike" cap="none">
                 <a:solidFill>
                   <a:srgbClr val="FFFFFF"/>
                 </a:solidFill>
-                <a:latin typeface="Cabin"/>
-                <a:ea typeface="Cabin"/>
-                <a:cs typeface="Cabin"/>
                 <a:sym typeface="Cabin"/>
               </a:rPr>
               <a:t>Write a simple web page crawler</a:t>
@@ -20289,13 +20121,10 @@
               <a:buFont typeface="Cabin"/>
             </a:pPr>
             <a:r>
-              <a:rPr lang="en" sz="2000" b="0" i="0" u="none" strike="noStrike" cap="none">
+              <a:rPr lang="en" sz="2000" u="none" strike="noStrike" cap="none">
                 <a:solidFill>
                   <a:srgbClr val="FFFFFF"/>
                 </a:solidFill>
-                <a:latin typeface="Cabin"/>
-                <a:ea typeface="Cabin"/>
-                <a:cs typeface="Cabin"/>
                 <a:sym typeface="Cabin"/>
               </a:rPr>
               <a:t>Compute a simple version of Google's Page Rank algorithm</a:t>
@@ -20316,13 +20145,10 @@
               <a:buFont typeface="Cabin"/>
             </a:pPr>
             <a:r>
-              <a:rPr lang="en" sz="2000" b="0" i="0" u="none" strike="noStrike" cap="none">
+              <a:rPr lang="en" sz="2000" u="none" strike="noStrike" cap="none">
                 <a:solidFill>
                   <a:srgbClr val="FFFFFF"/>
                 </a:solidFill>
-                <a:latin typeface="Cabin"/>
-                <a:ea typeface="Cabin"/>
-                <a:cs typeface="Cabin"/>
                 <a:sym typeface="Cabin"/>
               </a:rPr>
               <a:t>Visualize the resulting network</a:t>
@@ -20466,13 +20292,10 @@
               <a:buNone/>
             </a:pPr>
             <a:r>
-              <a:rPr lang="en" sz="4300" b="0" i="0" u="none" strike="noStrike" cap="none">
+              <a:rPr lang="en" sz="4300" u="none" strike="noStrike" cap="none">
                 <a:solidFill>
                   <a:srgbClr val="FFD966"/>
                 </a:solidFill>
-                <a:latin typeface="Cabin"/>
-                <a:ea typeface="Cabin"/>
-                <a:cs typeface="Cabin"/>
                 <a:sym typeface="Cabin"/>
               </a:rPr>
               <a:t>Search Engine Architecture</a:t>
@@ -20520,13 +20343,10 @@
               <a:buFont typeface="Cabin"/>
             </a:pPr>
             <a:r>
-              <a:rPr lang="en" sz="2900" b="0" i="0" u="none" strike="noStrike" cap="none">
+              <a:rPr lang="en" sz="2900" u="none" strike="noStrike" cap="none">
                 <a:solidFill>
                   <a:srgbClr val="FFFB00"/>
                 </a:solidFill>
-                <a:latin typeface="Cabin"/>
-                <a:ea typeface="Cabin"/>
-                <a:cs typeface="Cabin"/>
                 <a:sym typeface="Cabin"/>
               </a:rPr>
               <a:t>Web Crawling</a:t>
@@ -20544,13 +20364,10 @@
               <a:buFont typeface="Cabin"/>
             </a:pPr>
             <a:r>
-              <a:rPr lang="en" sz="2900" b="0" i="0" u="none" strike="noStrike" cap="none">
+              <a:rPr lang="en" sz="2900" u="none" strike="noStrike" cap="none">
                 <a:solidFill>
                   <a:srgbClr val="FFFFFF"/>
                 </a:solidFill>
-                <a:latin typeface="Cabin"/>
-                <a:ea typeface="Cabin"/>
-                <a:cs typeface="Cabin"/>
                 <a:sym typeface="Cabin"/>
               </a:rPr>
               <a:t>Index Building</a:t>
@@ -20568,13 +20385,10 @@
               <a:buFont typeface="Cabin"/>
             </a:pPr>
             <a:r>
-              <a:rPr lang="en" sz="2900" b="0" i="0" u="none" strike="noStrike" cap="none">
+              <a:rPr lang="en" sz="2900" u="none" strike="noStrike" cap="none">
                 <a:solidFill>
                   <a:srgbClr val="FFFFFF"/>
                 </a:solidFill>
-                <a:latin typeface="Cabin"/>
-                <a:ea typeface="Cabin"/>
-                <a:cs typeface="Cabin"/>
                 <a:sym typeface="Cabin"/>
               </a:rPr>
               <a:t>Searching</a:t>
@@ -20642,13 +20456,13 @@
               <a:buNone/>
             </a:pPr>
             <a:r>
-              <a:rPr lang="en" sz="2000" b="0" i="0" u="none" strike="noStrike" cap="none">
+              <a:rPr lang="en" sz="2000" u="none" strike="noStrike" cap="none">
                 <a:solidFill>
                   <a:srgbClr val="FFFB00"/>
                 </a:solidFill>
-                <a:latin typeface="Cabin"/>
-                <a:ea typeface="Cabin"/>
-                <a:cs typeface="Cabin"/>
+                <a:latin typeface="Arial Regular" charset="0"/>
+                <a:ea typeface="Arial Regular" charset="0"/>
+                <a:cs typeface="Arial Regular" charset="0"/>
                 <a:sym typeface="Cabin"/>
               </a:rPr>
               <a:t>http://infolab.stanford.edu/~backrub/google.html</a:t>
@@ -20717,13 +20531,13 @@
               <a:buNone/>
             </a:pPr>
             <a:r>
-              <a:rPr lang="en" sz="2000" b="0" i="0" u="none" strike="noStrike" cap="none">
+              <a:rPr lang="en" sz="2000" u="none" strike="noStrike" cap="none">
                 <a:solidFill>
                   <a:srgbClr val="FFFFFF"/>
                 </a:solidFill>
-                <a:latin typeface="Cabin"/>
-                <a:ea typeface="Cabin"/>
-                <a:cs typeface="Cabin"/>
+                <a:latin typeface="Arial Regular" charset="0"/>
+                <a:ea typeface="Arial Regular" charset="0"/>
+                <a:cs typeface="Arial Regular" charset="0"/>
                 <a:sym typeface="Cabin"/>
               </a:rPr>
               <a:t>A Web crawler is a computer program that browses the World Wide Web in a methodical, automated manner. Web crawlers are mainly used to create a copy of all the visited pages for later processing by a search engine that will index the downloaded pages to provide fast searches.</a:t>
@@ -20768,13 +20582,10 @@
               <a:buNone/>
             </a:pPr>
             <a:r>
-              <a:rPr lang="en" sz="4300" b="0" i="0" u="none" strike="noStrike" cap="none">
+              <a:rPr lang="en" sz="4300" u="none" strike="noStrike" cap="none">
                 <a:solidFill>
                   <a:srgbClr val="FFD966"/>
                 </a:solidFill>
-                <a:latin typeface="Cabin"/>
-                <a:ea typeface="Cabin"/>
-                <a:cs typeface="Cabin"/>
                 <a:sym typeface="Cabin"/>
               </a:rPr>
               <a:t>Web Crawler</a:t>
@@ -20815,13 +20626,13 @@
               <a:buNone/>
             </a:pPr>
             <a:r>
-              <a:rPr lang="en" sz="2000" b="0" i="0" u="none" strike="noStrike" cap="none">
+              <a:rPr lang="en" sz="2000" u="none" strike="noStrike" cap="none">
                 <a:solidFill>
                   <a:srgbClr val="FFFF00"/>
                 </a:solidFill>
-                <a:latin typeface="Cabin"/>
-                <a:ea typeface="Cabin"/>
-                <a:cs typeface="Cabin"/>
+                <a:latin typeface="Arial Regular" charset="0"/>
+                <a:ea typeface="Arial Regular" charset="0"/>
+                <a:cs typeface="Arial Regular" charset="0"/>
                 <a:sym typeface="Cabin"/>
               </a:rPr>
               <a:t>http://en.wikipedia.org/wiki/Web_crawler</a:t>

--- a/lectures3/Pythonlearn-16-Data-Viz.pptx
+++ b/lectures3/Pythonlearn-16-Data-Viz.pptx
@@ -2610,7 +2610,7 @@
 
 <file path=ppt/slideLayouts/slideLayout1.xml><?xml version="1.0" encoding="utf-8"?>
 <p:sldLayout xmlns:a="http://schemas.openxmlformats.org/drawingml/2006/main" xmlns:r="http://schemas.openxmlformats.org/officeDocument/2006/relationships" xmlns:p="http://schemas.openxmlformats.org/presentationml/2006/main" type="obj" preserve="1">
-  <p:cSld name="Title and Content">
+  <p:cSld name="Title Open">
     <p:spTree>
       <p:nvGrpSpPr>
         <p:cNvPr id="1" name="Shape 38"/>
@@ -2866,7 +2866,7 @@
 
 <file path=ppt/slideLayouts/slideLayout2.xml><?xml version="1.0" encoding="utf-8"?>
 <p:sldLayout xmlns:a="http://schemas.openxmlformats.org/drawingml/2006/main" xmlns:r="http://schemas.openxmlformats.org/officeDocument/2006/relationships" xmlns:p="http://schemas.openxmlformats.org/presentationml/2006/main" type="obj" preserve="1">
-  <p:cSld name="1_Title and Content">
+  <p:cSld name="Title and Content">
     <p:spTree>
       <p:nvGrpSpPr>
         <p:cNvPr id="1" name="Shape 194"/>
@@ -2893,8 +2893,8 @@
         </p:nvSpPr>
         <p:spPr>
           <a:xfrm>
-            <a:off x="650081" y="428625"/>
-            <a:ext cx="7836750" cy="1000069"/>
+            <a:off x="650081" y="464695"/>
+            <a:ext cx="7836750" cy="963999"/>
           </a:xfrm>
           <a:prstGeom prst="rect">
             <a:avLst/>
@@ -3018,7 +3018,7 @@
           </a:ln>
         </p:spPr>
         <p:txBody>
-          <a:bodyPr lIns="91425" tIns="91425" rIns="91425" bIns="91425" anchor="ctr" anchorCtr="0"/>
+          <a:bodyPr lIns="91425" tIns="91425" rIns="91425" bIns="91425" anchor="t" anchorCtr="0"/>
           <a:lstStyle>
             <a:lvl1pPr marL="400050" lvl="0" indent="-80153" algn="l" rtl="0">
               <a:spcBef>
@@ -3032,7 +3032,7 @@
               </a:buClr>
               <a:buFont typeface="Cabin"/>
               <a:buChar char="•"/>
-              <a:defRPr/>
+              <a:defRPr sz="2800"/>
             </a:lvl1pPr>
             <a:lvl2pPr marL="564356" lvl="1" indent="-80153" algn="l" rtl="0">
               <a:spcBef>
@@ -3148,7 +3148,7 @@
             </a:lvl9pPr>
           </a:lstStyle>
           <a:p>
-            <a:endParaRPr/>
+            <a:endParaRPr dirty="0"/>
           </a:p>
         </p:txBody>
       </p:sp>
@@ -3156,6 +3156,179 @@
     <p:extLst>
       <p:ext uri="{BB962C8B-B14F-4D97-AF65-F5344CB8AC3E}">
         <p14:creationId xmlns:p14="http://schemas.microsoft.com/office/powerpoint/2010/main" val="250407163"/>
+      </p:ext>
+    </p:extLst>
+  </p:cSld>
+  <p:clrMapOvr>
+    <a:masterClrMapping/>
+  </p:clrMapOvr>
+</p:sldLayout>
+</file>
+
+<file path=ppt/slideLayouts/slideLayout3.xml><?xml version="1.0" encoding="utf-8"?>
+<p:sldLayout xmlns:a="http://schemas.openxmlformats.org/drawingml/2006/main" xmlns:r="http://schemas.openxmlformats.org/officeDocument/2006/relationships" xmlns:p="http://schemas.openxmlformats.org/presentationml/2006/main" preserve="1" userDrawn="1">
+  <p:cSld name="Title Only">
+    <p:spTree>
+      <p:nvGrpSpPr>
+        <p:cNvPr id="1" name="Shape 194"/>
+        <p:cNvGrpSpPr/>
+        <p:nvPr/>
+      </p:nvGrpSpPr>
+      <p:grpSpPr>
+        <a:xfrm>
+          <a:off x="0" y="0"/>
+          <a:ext cx="0" cy="0"/>
+          <a:chOff x="0" y="0"/>
+          <a:chExt cx="0" cy="0"/>
+        </a:xfrm>
+      </p:grpSpPr>
+      <p:sp>
+        <p:nvSpPr>
+          <p:cNvPr id="195" name="Shape 195"/>
+          <p:cNvSpPr txBox="1">
+            <a:spLocks noGrp="1"/>
+          </p:cNvSpPr>
+          <p:nvPr>
+            <p:ph type="title"/>
+          </p:nvPr>
+        </p:nvSpPr>
+        <p:spPr>
+          <a:xfrm>
+            <a:off x="650081" y="464695"/>
+            <a:ext cx="7836750" cy="963999"/>
+          </a:xfrm>
+          <a:prstGeom prst="rect">
+            <a:avLst/>
+          </a:prstGeom>
+          <a:noFill/>
+          <a:ln>
+            <a:noFill/>
+          </a:ln>
+        </p:spPr>
+        <p:txBody>
+          <a:bodyPr lIns="91425" tIns="91425" rIns="91425" bIns="91425" anchor="ctr" anchorCtr="0"/>
+          <a:lstStyle>
+            <a:lvl1pPr lvl="0" algn="ctr" rtl="0">
+              <a:spcBef>
+                <a:spcPts val="0"/>
+              </a:spcBef>
+              <a:spcAft>
+                <a:spcPts val="0"/>
+              </a:spcAft>
+              <a:defRPr/>
+            </a:lvl1pPr>
+            <a:lvl2pPr lvl="1" algn="ctr" rtl="0">
+              <a:spcBef>
+                <a:spcPts val="0"/>
+              </a:spcBef>
+              <a:spcAft>
+                <a:spcPts val="0"/>
+              </a:spcAft>
+              <a:defRPr/>
+            </a:lvl2pPr>
+            <a:lvl3pPr lvl="2" algn="ctr" rtl="0">
+              <a:spcBef>
+                <a:spcPts val="0"/>
+              </a:spcBef>
+              <a:spcAft>
+                <a:spcPts val="0"/>
+              </a:spcAft>
+              <a:defRPr/>
+            </a:lvl3pPr>
+            <a:lvl4pPr lvl="3" algn="ctr" rtl="0">
+              <a:spcBef>
+                <a:spcPts val="0"/>
+              </a:spcBef>
+              <a:spcAft>
+                <a:spcPts val="0"/>
+              </a:spcAft>
+              <a:defRPr/>
+            </a:lvl4pPr>
+            <a:lvl5pPr lvl="4" algn="ctr" rtl="0">
+              <a:spcBef>
+                <a:spcPts val="0"/>
+              </a:spcBef>
+              <a:spcAft>
+                <a:spcPts val="0"/>
+              </a:spcAft>
+              <a:defRPr/>
+            </a:lvl5pPr>
+            <a:lvl6pPr marL="257175" lvl="5" algn="ctr" rtl="0">
+              <a:spcBef>
+                <a:spcPts val="0"/>
+              </a:spcBef>
+              <a:spcAft>
+                <a:spcPts val="0"/>
+              </a:spcAft>
+              <a:defRPr/>
+            </a:lvl6pPr>
+            <a:lvl7pPr marL="514350" lvl="6" algn="ctr" rtl="0">
+              <a:spcBef>
+                <a:spcPts val="0"/>
+              </a:spcBef>
+              <a:spcAft>
+                <a:spcPts val="0"/>
+              </a:spcAft>
+              <a:defRPr/>
+            </a:lvl7pPr>
+            <a:lvl8pPr marL="771525" lvl="7" algn="ctr" rtl="0">
+              <a:spcBef>
+                <a:spcPts val="0"/>
+              </a:spcBef>
+              <a:spcAft>
+                <a:spcPts val="0"/>
+              </a:spcAft>
+              <a:defRPr/>
+            </a:lvl8pPr>
+            <a:lvl9pPr marL="1028700" lvl="8" algn="ctr" rtl="0">
+              <a:spcBef>
+                <a:spcPts val="0"/>
+              </a:spcBef>
+              <a:spcAft>
+                <a:spcPts val="0"/>
+              </a:spcAft>
+              <a:defRPr/>
+            </a:lvl9pPr>
+          </a:lstStyle>
+          <a:p>
+            <a:endParaRPr/>
+          </a:p>
+        </p:txBody>
+      </p:sp>
+    </p:spTree>
+    <p:extLst>
+      <p:ext uri="{BB962C8B-B14F-4D97-AF65-F5344CB8AC3E}">
+        <p14:creationId xmlns:p14="http://schemas.microsoft.com/office/powerpoint/2010/main" val="361194378"/>
+      </p:ext>
+    </p:extLst>
+  </p:cSld>
+  <p:clrMapOvr>
+    <a:masterClrMapping/>
+  </p:clrMapOvr>
+</p:sldLayout>
+</file>
+
+<file path=ppt/slideLayouts/slideLayout4.xml><?xml version="1.0" encoding="utf-8"?>
+<p:sldLayout xmlns:a="http://schemas.openxmlformats.org/drawingml/2006/main" xmlns:r="http://schemas.openxmlformats.org/officeDocument/2006/relationships" xmlns:p="http://schemas.openxmlformats.org/presentationml/2006/main" preserve="1" userDrawn="1">
+  <p:cSld name="Blank">
+    <p:spTree>
+      <p:nvGrpSpPr>
+        <p:cNvPr id="1" name="Shape 194"/>
+        <p:cNvGrpSpPr/>
+        <p:nvPr/>
+      </p:nvGrpSpPr>
+      <p:grpSpPr>
+        <a:xfrm>
+          <a:off x="0" y="0"/>
+          <a:ext cx="0" cy="0"/>
+          <a:chOff x="0" y="0"/>
+          <a:chExt cx="0" cy="0"/>
+        </a:xfrm>
+      </p:grpSpPr>
+    </p:spTree>
+    <p:extLst>
+      <p:ext uri="{BB962C8B-B14F-4D97-AF65-F5344CB8AC3E}">
+        <p14:creationId xmlns:p14="http://schemas.microsoft.com/office/powerpoint/2010/main" val="257071421"/>
       </p:ext>
     </p:extLst>
   </p:cSld>
@@ -3731,6 +3904,8 @@
   <p:sldLayoutIdLst>
     <p:sldLayoutId id="2147483684" r:id="rId1"/>
     <p:sldLayoutId id="2147483686" r:id="rId2"/>
+    <p:sldLayoutId id="2147483687" r:id="rId3"/>
+    <p:sldLayoutId id="2147483688" r:id="rId4"/>
   </p:sldLayoutIdLst>
   <p:hf sldNum="0" hdr="0" ftr="0" dt="0"/>
   <p:txStyles>
@@ -4285,9 +4460,106 @@
           </a:p>
         </p:txBody>
       </p:sp>
+      <p:sp>
+        <p:nvSpPr>
+          <p:cNvPr id="5" name="Shape 206"/>
+          <p:cNvSpPr txBox="1"/>
+          <p:nvPr/>
+        </p:nvSpPr>
+        <p:spPr>
+          <a:xfrm>
+            <a:off x="1692633" y="3878497"/>
+            <a:ext cx="5915813" cy="601961"/>
+          </a:xfrm>
+          <a:prstGeom prst="rect">
+            <a:avLst/>
+          </a:prstGeom>
+          <a:noFill/>
+          <a:ln>
+            <a:noFill/>
+          </a:ln>
+        </p:spPr>
+        <p:txBody>
+          <a:bodyPr lIns="0" tIns="0" rIns="0" bIns="0" anchor="ctr" anchorCtr="0">
+            <a:noAutofit/>
+          </a:bodyPr>
+          <a:lstStyle/>
+          <a:p>
+            <a:pPr marL="0" marR="0" lvl="0" indent="0" algn="ctr" rtl="0">
+              <a:lnSpc>
+                <a:spcPct val="100000"/>
+              </a:lnSpc>
+              <a:spcBef>
+                <a:spcPts val="0"/>
+              </a:spcBef>
+              <a:spcAft>
+                <a:spcPts val="0"/>
+              </a:spcAft>
+              <a:buClr>
+                <a:srgbClr val="FFFF00"/>
+              </a:buClr>
+              <a:buSzPct val="25000"/>
+              <a:buFont typeface="Cabin"/>
+              <a:buNone/>
+            </a:pPr>
+            <a:r>
+              <a:rPr lang="en-US" sz="1800" u="none" strike="noStrike" cap="none" dirty="0" smtClean="0">
+                <a:solidFill>
+                  <a:srgbClr val="FFFF00"/>
+                </a:solidFill>
+                <a:latin typeface="Arial Regular" charset="0"/>
+                <a:ea typeface="Arial Regular" charset="0"/>
+                <a:cs typeface="Arial Regular" charset="0"/>
+                <a:sym typeface="Cabin"/>
+              </a:rPr>
+              <a:t>Python for Everybody</a:t>
+            </a:r>
+          </a:p>
+          <a:p>
+            <a:pPr marL="0" marR="0" lvl="0" indent="0" algn="ctr" rtl="0">
+              <a:lnSpc>
+                <a:spcPct val="100000"/>
+              </a:lnSpc>
+              <a:spcBef>
+                <a:spcPts val="0"/>
+              </a:spcBef>
+              <a:spcAft>
+                <a:spcPts val="0"/>
+              </a:spcAft>
+              <a:buClr>
+                <a:srgbClr val="FFFF00"/>
+              </a:buClr>
+              <a:buSzPct val="25000"/>
+              <a:buFont typeface="Cabin"/>
+              <a:buNone/>
+            </a:pPr>
+            <a:r>
+              <a:rPr lang="en-US" sz="1800" dirty="0" smtClean="0">
+                <a:solidFill>
+                  <a:srgbClr val="FFFF00"/>
+                </a:solidFill>
+                <a:latin typeface="Arial Regular" charset="0"/>
+                <a:ea typeface="Arial Regular" charset="0"/>
+                <a:cs typeface="Arial Regular" charset="0"/>
+                <a:sym typeface="Cabin"/>
+              </a:rPr>
+              <a:t>www.py4e.com</a:t>
+            </a:r>
+            <a:endParaRPr lang="en-US" sz="1800" u="none" strike="noStrike" cap="none" dirty="0">
+              <a:solidFill>
+                <a:srgbClr val="FFFF00"/>
+              </a:solidFill>
+              <a:latin typeface="Arial Regular" charset="0"/>
+              <a:ea typeface="Arial Regular" charset="0"/>
+              <a:cs typeface="Arial Regular" charset="0"/>
+              <a:sym typeface="Cabin"/>
+            </a:endParaRPr>
+          </a:p>
+        </p:txBody>
+      </p:sp>
       <p:pic>
         <p:nvPicPr>
-          <p:cNvPr id="121" name="Shape 121"/>
+          <p:cNvPr id="6" name="Shape 207"/>
           <p:cNvPicPr preferRelativeResize="0"/>
           <p:nvPr/>
         </p:nvPicPr>
@@ -4300,8 +4572,35 @@
         </p:blipFill>
         <p:spPr>
           <a:xfrm>
-            <a:off x="7635478" y="4546996"/>
-            <a:ext cx="1173957" cy="407194"/>
+            <a:off x="7699909" y="4091044"/>
+            <a:ext cx="1166184" cy="395938"/>
+          </a:xfrm>
+          <a:prstGeom prst="rect">
+            <a:avLst/>
+          </a:prstGeom>
+          <a:noFill/>
+          <a:ln>
+            <a:noFill/>
+          </a:ln>
+        </p:spPr>
+      </p:pic>
+      <p:pic>
+        <p:nvPicPr>
+          <p:cNvPr id="7" name="Shape 208"/>
+          <p:cNvPicPr preferRelativeResize="0"/>
+          <p:nvPr/>
+        </p:nvPicPr>
+        <p:blipFill rotWithShape="1">
+          <a:blip r:embed="rId4">
+            <a:alphaModFix/>
+          </a:blip>
+          <a:srcRect/>
+          <a:stretch/>
+        </p:blipFill>
+        <p:spPr>
+          <a:xfrm>
+            <a:off x="233081" y="3689514"/>
+            <a:ext cx="797460" cy="797461"/>
           </a:xfrm>
           <a:prstGeom prst="rect">
             <a:avLst/>
@@ -4348,6 +4647,10 @@
           </p:nvPr>
         </p:nvSpPr>
         <p:spPr>
+          <a:xfrm>
+            <a:off x="650081" y="464695"/>
+            <a:ext cx="3743325" cy="963999"/>
+          </a:xfrm>
           <a:prstGeom prst="rect">
             <a:avLst/>
           </a:prstGeom>
@@ -4392,6 +4695,10 @@
           </p:nvPr>
         </p:nvSpPr>
         <p:spPr>
+          <a:xfrm>
+            <a:off x="650081" y="1464469"/>
+            <a:ext cx="3743325" cy="3207599"/>
+          </a:xfrm>
           <a:prstGeom prst="rect">
             <a:avLst/>
           </a:prstGeom>
@@ -4417,7 +4724,7 @@
               <a:buFont typeface="Cabin"/>
             </a:pPr>
             <a:r>
-              <a:rPr lang="en" sz="2000" u="none" strike="noStrike" cap="none">
+              <a:rPr lang="en" sz="2000" u="none" strike="noStrike" cap="none" dirty="0">
                 <a:solidFill>
                   <a:srgbClr val="FFFFFF"/>
                 </a:solidFill>
@@ -4438,7 +4745,7 @@
               <a:buFont typeface="Cabin"/>
             </a:pPr>
             <a:r>
-              <a:rPr lang="en" sz="2000" u="none" strike="noStrike" cap="none">
+              <a:rPr lang="en" sz="2000" u="none" strike="noStrike" cap="none" dirty="0">
                 <a:solidFill>
                   <a:srgbClr val="FFFFFF"/>
                 </a:solidFill>
@@ -4459,7 +4766,7 @@
               <a:buFont typeface="Cabin"/>
             </a:pPr>
             <a:r>
-              <a:rPr lang="en" sz="2000" u="none" strike="noStrike" cap="none">
+              <a:rPr lang="en" sz="2000" u="none" strike="noStrike" cap="none" dirty="0">
                 <a:solidFill>
                   <a:srgbClr val="FFFFFF"/>
                 </a:solidFill>
@@ -4480,7 +4787,7 @@
               <a:buFont typeface="Cabin"/>
             </a:pPr>
             <a:r>
-              <a:rPr lang="en" sz="2000" u="none" strike="noStrike" cap="none">
+              <a:rPr lang="en" sz="2000" u="none" strike="noStrike" cap="none" dirty="0">
                 <a:solidFill>
                   <a:srgbClr val="FFFFFF"/>
                 </a:solidFill>
@@ -4533,7 +4840,7 @@
         </p:blipFill>
         <p:spPr>
           <a:xfrm>
-            <a:off x="4614862" y="1364456"/>
+            <a:off x="4672012" y="640556"/>
             <a:ext cx="4050506" cy="3029968"/>
           </a:xfrm>
           <a:prstGeom prst="rect">
@@ -4553,7 +4860,7 @@
         </p:nvSpPr>
         <p:spPr>
           <a:xfrm>
-            <a:off x="1928826" y="4631525"/>
+            <a:off x="3891825" y="4076499"/>
             <a:ext cx="4994999" cy="350100"/>
           </a:xfrm>
           <a:prstGeom prst="rect">
@@ -4578,7 +4885,7 @@
               <a:buNone/>
             </a:pPr>
             <a:r>
-              <a:rPr lang="en" sz="2000" u="none" strike="noStrike" cap="none">
+              <a:rPr lang="en" sz="2000" u="none" strike="noStrike" cap="none" dirty="0">
                 <a:solidFill>
                   <a:srgbClr val="FFFF00"/>
                 </a:solidFill>
@@ -4587,8 +4894,53 @@
                 <a:cs typeface="Arial Regular" charset="0"/>
                 <a:sym typeface="Cabin"/>
               </a:rPr>
-              <a:t>http://en.wikipedia.org/wiki/Web_crawler</a:t>
-            </a:r>
+              <a:t>http://</a:t>
+            </a:r>
+            <a:r>
+              <a:rPr lang="en" sz="2000" u="none" strike="noStrike" cap="none" dirty="0" err="1">
+                <a:solidFill>
+                  <a:srgbClr val="FFFF00"/>
+                </a:solidFill>
+                <a:latin typeface="Arial Regular" charset="0"/>
+                <a:ea typeface="Arial Regular" charset="0"/>
+                <a:cs typeface="Arial Regular" charset="0"/>
+                <a:sym typeface="Cabin"/>
+              </a:rPr>
+              <a:t>en.wikipedia.org</a:t>
+            </a:r>
+            <a:r>
+              <a:rPr lang="en" sz="2000" u="none" strike="noStrike" cap="none" dirty="0">
+                <a:solidFill>
+                  <a:srgbClr val="FFFF00"/>
+                </a:solidFill>
+                <a:latin typeface="Arial Regular" charset="0"/>
+                <a:ea typeface="Arial Regular" charset="0"/>
+                <a:cs typeface="Arial Regular" charset="0"/>
+                <a:sym typeface="Cabin"/>
+              </a:rPr>
+              <a:t>/wiki/</a:t>
+            </a:r>
+            <a:r>
+              <a:rPr lang="en" sz="2000" u="none" strike="noStrike" cap="none" dirty="0" err="1">
+                <a:solidFill>
+                  <a:srgbClr val="FFFF00"/>
+                </a:solidFill>
+                <a:latin typeface="Arial Regular" charset="0"/>
+                <a:ea typeface="Arial Regular" charset="0"/>
+                <a:cs typeface="Arial Regular" charset="0"/>
+                <a:sym typeface="Cabin"/>
+              </a:rPr>
+              <a:t>Web_crawler</a:t>
+            </a:r>
+            <a:endParaRPr lang="en" sz="2000" u="none" strike="noStrike" cap="none" dirty="0">
+              <a:solidFill>
+                <a:srgbClr val="FFFF00"/>
+              </a:solidFill>
+              <a:latin typeface="Arial Regular" charset="0"/>
+              <a:ea typeface="Arial Regular" charset="0"/>
+              <a:cs typeface="Arial Regular" charset="0"/>
+              <a:sym typeface="Cabin"/>
+            </a:endParaRPr>
           </a:p>
         </p:txBody>
       </p:sp>
@@ -4694,7 +5046,7 @@
               <a:buFont typeface="Cabin"/>
             </a:pPr>
             <a:r>
-              <a:rPr lang="en" sz="2000" u="none" strike="noStrike" cap="none">
+              <a:rPr lang="en" sz="2000" u="none" strike="noStrike" cap="none" dirty="0">
                 <a:solidFill>
                   <a:srgbClr val="FFFFFF"/>
                 </a:solidFill>
@@ -4703,7 +5055,7 @@
               <a:t>a</a:t>
             </a:r>
             <a:r>
-              <a:rPr lang="en" sz="2000" u="none" strike="noStrike" cap="none">
+              <a:rPr lang="en" sz="2000" u="none" strike="noStrike" cap="none" dirty="0">
                 <a:solidFill>
                   <a:srgbClr val="00F900"/>
                 </a:solidFill>
@@ -4712,7 +5064,7 @@
               <a:t> selection policy</a:t>
             </a:r>
             <a:r>
-              <a:rPr lang="en" sz="2000" u="none" strike="noStrike" cap="none">
+              <a:rPr lang="en" sz="2000" u="none" strike="noStrike" cap="none" dirty="0">
                 <a:solidFill>
                   <a:srgbClr val="FFFFFF"/>
                 </a:solidFill>
@@ -4730,7 +5082,7 @@
               <a:buFont typeface="Cabin"/>
             </a:pPr>
             <a:r>
-              <a:rPr lang="en" sz="2000" u="none" strike="noStrike" cap="none">
+              <a:rPr lang="en" sz="2000" u="none" strike="noStrike" cap="none" dirty="0">
                 <a:solidFill>
                   <a:srgbClr val="FFFFFF"/>
                 </a:solidFill>
@@ -4739,7 +5091,7 @@
               <a:t>a</a:t>
             </a:r>
             <a:r>
-              <a:rPr lang="en" sz="2000" u="none" strike="noStrike" cap="none">
+              <a:rPr lang="en" sz="2000" u="none" strike="noStrike" cap="none" dirty="0">
                 <a:solidFill>
                   <a:srgbClr val="00F900"/>
                 </a:solidFill>
@@ -4748,7 +5100,7 @@
               <a:t> re-visit policy</a:t>
             </a:r>
             <a:r>
-              <a:rPr lang="en" sz="2000" u="none" strike="noStrike" cap="none">
+              <a:rPr lang="en" sz="2000" u="none" strike="noStrike" cap="none" dirty="0">
                 <a:solidFill>
                   <a:srgbClr val="FFFFFF"/>
                 </a:solidFill>
@@ -4766,7 +5118,7 @@
               <a:buFont typeface="Cabin"/>
             </a:pPr>
             <a:r>
-              <a:rPr lang="en" sz="2000" u="none" strike="noStrike" cap="none">
+              <a:rPr lang="en" sz="2000" u="none" strike="noStrike" cap="none" dirty="0">
                 <a:solidFill>
                   <a:srgbClr val="FFFFFF"/>
                 </a:solidFill>
@@ -4775,7 +5127,7 @@
               <a:t>a </a:t>
             </a:r>
             <a:r>
-              <a:rPr lang="en" sz="2000" u="none" strike="noStrike" cap="none">
+              <a:rPr lang="en" sz="2000" u="none" strike="noStrike" cap="none" dirty="0">
                 <a:solidFill>
                   <a:srgbClr val="00F900"/>
                 </a:solidFill>
@@ -4784,7 +5136,7 @@
               <a:t>politeness policy</a:t>
             </a:r>
             <a:r>
-              <a:rPr lang="en" sz="2000" u="none" strike="noStrike" cap="none">
+              <a:rPr lang="en" sz="2000" u="none" strike="noStrike" cap="none" dirty="0">
                 <a:solidFill>
                   <a:srgbClr val="FFFFFF"/>
                 </a:solidFill>
@@ -4802,7 +5154,7 @@
               <a:buFont typeface="Cabin"/>
             </a:pPr>
             <a:r>
-              <a:rPr lang="en" sz="2000" u="none" strike="noStrike" cap="none">
+              <a:rPr lang="en" sz="2000" u="none" strike="noStrike" cap="none" dirty="0">
                 <a:solidFill>
                   <a:srgbClr val="FFFFFF"/>
                 </a:solidFill>
@@ -4811,7 +5163,7 @@
               <a:t>a </a:t>
             </a:r>
             <a:r>
-              <a:rPr lang="en" sz="2000" u="none" strike="noStrike" cap="none">
+              <a:rPr lang="en" sz="2000" u="none" strike="noStrike" cap="none" dirty="0">
                 <a:solidFill>
                   <a:srgbClr val="00F900"/>
                 </a:solidFill>
@@ -4820,60 +5172,13 @@
               <a:t>parallelization policy</a:t>
             </a:r>
             <a:r>
-              <a:rPr lang="en" sz="2000" u="none" strike="noStrike" cap="none">
+              <a:rPr lang="en" sz="2000" u="none" strike="noStrike" cap="none" dirty="0">
                 <a:solidFill>
                   <a:srgbClr val="FFFFFF"/>
                 </a:solidFill>
                 <a:sym typeface="Cabin"/>
               </a:rPr>
               <a:t> that states how to coordinate distributed Web crawlers</a:t>
-            </a:r>
-          </a:p>
-        </p:txBody>
-      </p:sp>
-      <p:sp>
-        <p:nvSpPr>
-          <p:cNvPr id="222" name="Shape 222"/>
-          <p:cNvSpPr/>
-          <p:nvPr/>
-        </p:nvSpPr>
-        <p:spPr>
-          <a:xfrm>
-            <a:off x="1647274" y="4631525"/>
-            <a:ext cx="5779199" cy="350100"/>
-          </a:xfrm>
-          <a:prstGeom prst="rect">
-            <a:avLst/>
-          </a:prstGeom>
-          <a:noFill/>
-          <a:ln>
-            <a:noFill/>
-          </a:ln>
-        </p:spPr>
-        <p:txBody>
-          <a:bodyPr lIns="28575" tIns="28575" rIns="28575" bIns="28575" anchor="ctr" anchorCtr="0">
-            <a:noAutofit/>
-          </a:bodyPr>
-          <a:lstStyle/>
-          <a:p>
-            <a:pPr marL="0" marR="0" lvl="0" indent="0" algn="ctr" rtl="0">
-              <a:spcBef>
-                <a:spcPts val="0"/>
-              </a:spcBef>
-              <a:buSzPct val="25000"/>
-              <a:buNone/>
-            </a:pPr>
-            <a:r>
-              <a:rPr lang="en" sz="2000" u="none" strike="noStrike" cap="none">
-                <a:solidFill>
-                  <a:srgbClr val="FFFF00"/>
-                </a:solidFill>
-                <a:latin typeface="Arial Regular" charset="0"/>
-                <a:ea typeface="Arial Regular" charset="0"/>
-                <a:cs typeface="Arial Regular" charset="0"/>
-                <a:sym typeface="Cabin"/>
-              </a:rPr>
-              <a:t>http://en.wikipedia.org/wiki/Web_crawler</a:t>
             </a:r>
           </a:p>
         </p:txBody>
@@ -4958,6 +5263,10 @@
           </p:nvPr>
         </p:nvSpPr>
         <p:spPr>
+          <a:xfrm>
+            <a:off x="650081" y="1464469"/>
+            <a:ext cx="4636294" cy="3207599"/>
+          </a:xfrm>
           <a:prstGeom prst="rect">
             <a:avLst/>
           </a:prstGeom>
@@ -4967,7 +5276,7 @@
           </a:ln>
         </p:spPr>
         <p:txBody>
-          <a:bodyPr lIns="21425" tIns="21425" rIns="21425" bIns="21425" anchor="ctr" anchorCtr="0">
+          <a:bodyPr lIns="21425" tIns="21425" rIns="21425" bIns="21425" anchor="t" anchorCtr="0">
             <a:noAutofit/>
           </a:bodyPr>
           <a:lstStyle/>
@@ -4983,7 +5292,7 @@
               <a:buFont typeface="Cabin"/>
             </a:pPr>
             <a:r>
-              <a:rPr lang="en" sz="2000" u="none" strike="noStrike" cap="none">
+              <a:rPr lang="en" sz="2000" u="none" strike="noStrike" cap="none" dirty="0">
                 <a:solidFill>
                   <a:srgbClr val="FFFFFF"/>
                 </a:solidFill>
@@ -5004,7 +5313,7 @@
               <a:buFont typeface="Cabin"/>
             </a:pPr>
             <a:r>
-              <a:rPr lang="en" sz="2000" u="none" strike="noStrike" cap="none">
+              <a:rPr lang="en" sz="2000" u="none" strike="noStrike" cap="none" dirty="0">
                 <a:solidFill>
                   <a:srgbClr val="FFFFFF"/>
                 </a:solidFill>
@@ -5025,7 +5334,7 @@
               <a:buFont typeface="Cabin"/>
             </a:pPr>
             <a:r>
-              <a:rPr lang="en" sz="2000" u="none" strike="noStrike" cap="none">
+              <a:rPr lang="en" sz="2000" u="none" strike="noStrike" cap="none" dirty="0">
                 <a:solidFill>
                   <a:srgbClr val="FFFFFF"/>
                 </a:solidFill>
@@ -5044,7 +5353,7 @@
         </p:nvSpPr>
         <p:spPr>
           <a:xfrm>
-            <a:off x="1371600" y="4211250"/>
+            <a:off x="1381125" y="3811200"/>
             <a:ext cx="6625200" cy="642900"/>
           </a:xfrm>
           <a:prstGeom prst="rect">
@@ -5069,7 +5378,7 @@
               <a:buNone/>
             </a:pPr>
             <a:r>
-              <a:rPr lang="en" sz="2000" u="none" strike="noStrike" cap="none">
+              <a:rPr lang="en" sz="2000" u="none" strike="noStrike" cap="none" dirty="0">
                 <a:solidFill>
                   <a:srgbClr val="FFFB00"/>
                 </a:solidFill>
@@ -5078,19 +5387,10 @@
                 <a:cs typeface="Arial Regular" charset="0"/>
                 <a:sym typeface="Cabin"/>
               </a:rPr>
-              <a:t>http://en.wikipedia.org/wiki/Robots_Exclusion_Standard</a:t>
-            </a:r>
-          </a:p>
-          <a:p>
-            <a:pPr marL="0" marR="0" lvl="0" indent="0" algn="ctr" rtl="0">
-              <a:spcBef>
-                <a:spcPts val="0"/>
-              </a:spcBef>
-              <a:buSzPct val="25000"/>
-              <a:buNone/>
-            </a:pPr>
-            <a:r>
-              <a:rPr lang="en" sz="2000" u="none" strike="noStrike" cap="none">
+              <a:t>http://</a:t>
+            </a:r>
+            <a:r>
+              <a:rPr lang="en" sz="2000" u="none" strike="noStrike" cap="none" dirty="0" err="1">
                 <a:solidFill>
                   <a:srgbClr val="FFFB00"/>
                 </a:solidFill>
@@ -5099,8 +5399,107 @@
                 <a:cs typeface="Arial Regular" charset="0"/>
                 <a:sym typeface="Cabin"/>
               </a:rPr>
-              <a:t>http://en.wikipedia.org/wiki/Spider_trap</a:t>
-            </a:r>
+              <a:t>en.wikipedia.org</a:t>
+            </a:r>
+            <a:r>
+              <a:rPr lang="en" sz="2000" u="none" strike="noStrike" cap="none" dirty="0">
+                <a:solidFill>
+                  <a:srgbClr val="FFFB00"/>
+                </a:solidFill>
+                <a:latin typeface="Arial Regular" charset="0"/>
+                <a:ea typeface="Arial Regular" charset="0"/>
+                <a:cs typeface="Arial Regular" charset="0"/>
+                <a:sym typeface="Cabin"/>
+              </a:rPr>
+              <a:t>/wiki/</a:t>
+            </a:r>
+            <a:r>
+              <a:rPr lang="en" sz="2000" u="none" strike="noStrike" cap="none" dirty="0" err="1">
+                <a:solidFill>
+                  <a:srgbClr val="FFFB00"/>
+                </a:solidFill>
+                <a:latin typeface="Arial Regular" charset="0"/>
+                <a:ea typeface="Arial Regular" charset="0"/>
+                <a:cs typeface="Arial Regular" charset="0"/>
+                <a:sym typeface="Cabin"/>
+              </a:rPr>
+              <a:t>Robots_Exclusion_Standard</a:t>
+            </a:r>
+            <a:endParaRPr lang="en" sz="2000" u="none" strike="noStrike" cap="none" dirty="0">
+              <a:solidFill>
+                <a:srgbClr val="FFFB00"/>
+              </a:solidFill>
+              <a:latin typeface="Arial Regular" charset="0"/>
+              <a:ea typeface="Arial Regular" charset="0"/>
+              <a:cs typeface="Arial Regular" charset="0"/>
+              <a:sym typeface="Cabin"/>
+            </a:endParaRPr>
+          </a:p>
+          <a:p>
+            <a:pPr marL="0" marR="0" lvl="0" indent="0" algn="ctr" rtl="0">
+              <a:spcBef>
+                <a:spcPts val="0"/>
+              </a:spcBef>
+              <a:buSzPct val="25000"/>
+              <a:buNone/>
+            </a:pPr>
+            <a:r>
+              <a:rPr lang="en" sz="2000" u="none" strike="noStrike" cap="none" dirty="0">
+                <a:solidFill>
+                  <a:srgbClr val="FFFB00"/>
+                </a:solidFill>
+                <a:latin typeface="Arial Regular" charset="0"/>
+                <a:ea typeface="Arial Regular" charset="0"/>
+                <a:cs typeface="Arial Regular" charset="0"/>
+                <a:sym typeface="Cabin"/>
+              </a:rPr>
+              <a:t>http://</a:t>
+            </a:r>
+            <a:r>
+              <a:rPr lang="en" sz="2000" u="none" strike="noStrike" cap="none" dirty="0" err="1">
+                <a:solidFill>
+                  <a:srgbClr val="FFFB00"/>
+                </a:solidFill>
+                <a:latin typeface="Arial Regular" charset="0"/>
+                <a:ea typeface="Arial Regular" charset="0"/>
+                <a:cs typeface="Arial Regular" charset="0"/>
+                <a:sym typeface="Cabin"/>
+              </a:rPr>
+              <a:t>en.wikipedia.org</a:t>
+            </a:r>
+            <a:r>
+              <a:rPr lang="en" sz="2000" u="none" strike="noStrike" cap="none" dirty="0">
+                <a:solidFill>
+                  <a:srgbClr val="FFFB00"/>
+                </a:solidFill>
+                <a:latin typeface="Arial Regular" charset="0"/>
+                <a:ea typeface="Arial Regular" charset="0"/>
+                <a:cs typeface="Arial Regular" charset="0"/>
+                <a:sym typeface="Cabin"/>
+              </a:rPr>
+              <a:t>/wiki/</a:t>
+            </a:r>
+            <a:r>
+              <a:rPr lang="en" sz="2000" u="none" strike="noStrike" cap="none" dirty="0" err="1">
+                <a:solidFill>
+                  <a:srgbClr val="FFFB00"/>
+                </a:solidFill>
+                <a:latin typeface="Arial Regular" charset="0"/>
+                <a:ea typeface="Arial Regular" charset="0"/>
+                <a:cs typeface="Arial Regular" charset="0"/>
+                <a:sym typeface="Cabin"/>
+              </a:rPr>
+              <a:t>Spider_trap</a:t>
+            </a:r>
+            <a:endParaRPr lang="en" sz="2000" u="none" strike="noStrike" cap="none" dirty="0">
+              <a:solidFill>
+                <a:srgbClr val="FFFB00"/>
+              </a:solidFill>
+              <a:latin typeface="Arial Regular" charset="0"/>
+              <a:ea typeface="Arial Regular" charset="0"/>
+              <a:cs typeface="Arial Regular" charset="0"/>
+              <a:sym typeface="Cabin"/>
+            </a:endParaRPr>
           </a:p>
         </p:txBody>
       </p:sp>
@@ -5112,7 +5511,7 @@
         </p:nvSpPr>
         <p:spPr>
           <a:xfrm>
-            <a:off x="5983854" y="1907375"/>
+            <a:off x="5983854" y="1659725"/>
             <a:ext cx="2821200" cy="1521600"/>
           </a:xfrm>
           <a:prstGeom prst="rect">
@@ -5137,7 +5536,7 @@
               <a:buNone/>
             </a:pPr>
             <a:r>
-              <a:rPr lang="en" sz="2000" u="none" strike="noStrike" cap="none">
+              <a:rPr lang="en" sz="2000" u="none" strike="noStrike" cap="none" dirty="0">
                 <a:solidFill>
                   <a:srgbClr val="00F900"/>
                 </a:solidFill>
@@ -5158,7 +5557,7 @@
               <a:buNone/>
             </a:pPr>
             <a:r>
-              <a:rPr lang="en" sz="2000" u="none" strike="noStrike" cap="none">
+              <a:rPr lang="en" sz="2000" u="none" strike="noStrike" cap="none" dirty="0">
                 <a:solidFill>
                   <a:srgbClr val="00F900"/>
                 </a:solidFill>
@@ -5167,19 +5566,10 @@
                 <a:cs typeface="Arial Regular" charset="0"/>
                 <a:sym typeface="Cabin"/>
               </a:rPr>
-              <a:t>Disallow: /cgi-bin/</a:t>
-            </a:r>
-          </a:p>
-          <a:p>
-            <a:pPr marL="0" marR="0" lvl="0" indent="0" algn="l" rtl="0">
-              <a:spcBef>
-                <a:spcPts val="0"/>
-              </a:spcBef>
-              <a:buSzPct val="25000"/>
-              <a:buNone/>
-            </a:pPr>
-            <a:r>
-              <a:rPr lang="en" sz="2000" u="none" strike="noStrike" cap="none">
+              <a:t>Disallow: /</a:t>
+            </a:r>
+            <a:r>
+              <a:rPr lang="en" sz="2000" u="none" strike="noStrike" cap="none" dirty="0" err="1">
                 <a:solidFill>
                   <a:srgbClr val="00F900"/>
                 </a:solidFill>
@@ -5188,19 +5578,10 @@
                 <a:cs typeface="Arial Regular" charset="0"/>
                 <a:sym typeface="Cabin"/>
               </a:rPr>
-              <a:t>Disallow: /images/</a:t>
-            </a:r>
-          </a:p>
-          <a:p>
-            <a:pPr marL="0" marR="0" lvl="0" indent="0" algn="l" rtl="0">
-              <a:spcBef>
-                <a:spcPts val="0"/>
-              </a:spcBef>
-              <a:buSzPct val="25000"/>
-              <a:buNone/>
-            </a:pPr>
-            <a:r>
-              <a:rPr lang="en" sz="2000" u="none" strike="noStrike" cap="none">
+              <a:t>cgi</a:t>
+            </a:r>
+            <a:r>
+              <a:rPr lang="en" sz="2000" u="none" strike="noStrike" cap="none" dirty="0">
                 <a:solidFill>
                   <a:srgbClr val="00F900"/>
                 </a:solidFill>
@@ -5209,7 +5590,7 @@
                 <a:cs typeface="Arial Regular" charset="0"/>
                 <a:sym typeface="Cabin"/>
               </a:rPr>
-              <a:t>Disallow: /tmp/</a:t>
+              <a:t>-bin/</a:t>
             </a:r>
           </a:p>
           <a:p>
@@ -5221,7 +5602,73 @@
               <a:buNone/>
             </a:pPr>
             <a:r>
-              <a:rPr lang="en" sz="2000" u="none" strike="noStrike" cap="none">
+              <a:rPr lang="en" sz="2000" u="none" strike="noStrike" cap="none" dirty="0">
+                <a:solidFill>
+                  <a:srgbClr val="00F900"/>
+                </a:solidFill>
+                <a:latin typeface="Arial Regular" charset="0"/>
+                <a:ea typeface="Arial Regular" charset="0"/>
+                <a:cs typeface="Arial Regular" charset="0"/>
+                <a:sym typeface="Cabin"/>
+              </a:rPr>
+              <a:t>Disallow: /images/</a:t>
+            </a:r>
+          </a:p>
+          <a:p>
+            <a:pPr marL="0" marR="0" lvl="0" indent="0" algn="l" rtl="0">
+              <a:spcBef>
+                <a:spcPts val="0"/>
+              </a:spcBef>
+              <a:buSzPct val="25000"/>
+              <a:buNone/>
+            </a:pPr>
+            <a:r>
+              <a:rPr lang="en" sz="2000" u="none" strike="noStrike" cap="none" dirty="0">
+                <a:solidFill>
+                  <a:srgbClr val="00F900"/>
+                </a:solidFill>
+                <a:latin typeface="Arial Regular" charset="0"/>
+                <a:ea typeface="Arial Regular" charset="0"/>
+                <a:cs typeface="Arial Regular" charset="0"/>
+                <a:sym typeface="Cabin"/>
+              </a:rPr>
+              <a:t>Disallow: /</a:t>
+            </a:r>
+            <a:r>
+              <a:rPr lang="en" sz="2000" u="none" strike="noStrike" cap="none" dirty="0" err="1">
+                <a:solidFill>
+                  <a:srgbClr val="00F900"/>
+                </a:solidFill>
+                <a:latin typeface="Arial Regular" charset="0"/>
+                <a:ea typeface="Arial Regular" charset="0"/>
+                <a:cs typeface="Arial Regular" charset="0"/>
+                <a:sym typeface="Cabin"/>
+              </a:rPr>
+              <a:t>tmp</a:t>
+            </a:r>
+            <a:r>
+              <a:rPr lang="en" sz="2000" u="none" strike="noStrike" cap="none" dirty="0">
+                <a:solidFill>
+                  <a:srgbClr val="00F900"/>
+                </a:solidFill>
+                <a:latin typeface="Arial Regular" charset="0"/>
+                <a:ea typeface="Arial Regular" charset="0"/>
+                <a:cs typeface="Arial Regular" charset="0"/>
+                <a:sym typeface="Cabin"/>
+              </a:rPr>
+              <a:t>/</a:t>
+            </a:r>
+          </a:p>
+          <a:p>
+            <a:pPr marL="0" marR="0" lvl="0" indent="0" algn="l" rtl="0">
+              <a:spcBef>
+                <a:spcPts val="0"/>
+              </a:spcBef>
+              <a:buSzPct val="25000"/>
+              <a:buNone/>
+            </a:pPr>
+            <a:r>
+              <a:rPr lang="en" sz="2000" u="none" strike="noStrike" cap="none" dirty="0">
                 <a:solidFill>
                   <a:srgbClr val="00F900"/>
                 </a:solidFill>
@@ -5271,6 +5718,10 @@
           </p:nvPr>
         </p:nvSpPr>
         <p:spPr>
+          <a:xfrm>
+            <a:off x="650081" y="464695"/>
+            <a:ext cx="4912519" cy="963999"/>
+          </a:xfrm>
           <a:prstGeom prst="rect">
             <a:avLst/>
           </a:prstGeom>
@@ -5408,7 +5859,7 @@
         </p:blipFill>
         <p:spPr>
           <a:xfrm>
-            <a:off x="5743575" y="1521213"/>
+            <a:off x="6010275" y="806838"/>
             <a:ext cx="2686049" cy="2986493"/>
           </a:xfrm>
           <a:prstGeom prst="rect">
@@ -5428,7 +5879,7 @@
         </p:nvSpPr>
         <p:spPr>
           <a:xfrm>
-            <a:off x="1647650" y="4622000"/>
+            <a:off x="3253275" y="4057649"/>
             <a:ext cx="5514000" cy="350100"/>
           </a:xfrm>
           <a:prstGeom prst="rect">
@@ -5453,7 +5904,7 @@
               <a:buNone/>
             </a:pPr>
             <a:r>
-              <a:rPr lang="en" sz="2000" u="none" strike="noStrike" cap="none">
+              <a:rPr lang="en" sz="2000" u="none" strike="noStrike" cap="none" dirty="0">
                 <a:solidFill>
                   <a:srgbClr val="FFFB00"/>
                 </a:solidFill>
@@ -5462,8 +5913,53 @@
                 <a:cs typeface="Arial Regular" charset="0"/>
                 <a:sym typeface="Cabin"/>
               </a:rPr>
-              <a:t>http://infolab.stanford.edu/~backrub/google.html</a:t>
-            </a:r>
+              <a:t>http://</a:t>
+            </a:r>
+            <a:r>
+              <a:rPr lang="en" sz="2000" u="none" strike="noStrike" cap="none" dirty="0" err="1">
+                <a:solidFill>
+                  <a:srgbClr val="FFFB00"/>
+                </a:solidFill>
+                <a:latin typeface="Arial Regular" charset="0"/>
+                <a:ea typeface="Arial Regular" charset="0"/>
+                <a:cs typeface="Arial Regular" charset="0"/>
+                <a:sym typeface="Cabin"/>
+              </a:rPr>
+              <a:t>infolab.stanford.edu</a:t>
+            </a:r>
+            <a:r>
+              <a:rPr lang="en" sz="2000" u="none" strike="noStrike" cap="none" dirty="0">
+                <a:solidFill>
+                  <a:srgbClr val="FFFB00"/>
+                </a:solidFill>
+                <a:latin typeface="Arial Regular" charset="0"/>
+                <a:ea typeface="Arial Regular" charset="0"/>
+                <a:cs typeface="Arial Regular" charset="0"/>
+                <a:sym typeface="Cabin"/>
+              </a:rPr>
+              <a:t>/~backrub/</a:t>
+            </a:r>
+            <a:r>
+              <a:rPr lang="en" sz="2000" u="none" strike="noStrike" cap="none" dirty="0" err="1">
+                <a:solidFill>
+                  <a:srgbClr val="FFFB00"/>
+                </a:solidFill>
+                <a:latin typeface="Arial Regular" charset="0"/>
+                <a:ea typeface="Arial Regular" charset="0"/>
+                <a:cs typeface="Arial Regular" charset="0"/>
+                <a:sym typeface="Cabin"/>
+              </a:rPr>
+              <a:t>google.html</a:t>
+            </a:r>
+            <a:endParaRPr lang="en" sz="2000" u="none" strike="noStrike" cap="none" dirty="0">
+              <a:solidFill>
+                <a:srgbClr val="FFFB00"/>
+              </a:solidFill>
+              <a:latin typeface="Arial Regular" charset="0"/>
+              <a:ea typeface="Arial Regular" charset="0"/>
+              <a:cs typeface="Arial Regular" charset="0"/>
+              <a:sym typeface="Cabin"/>
+            </a:endParaRPr>
           </a:p>
         </p:txBody>
       </p:sp>
@@ -5575,7 +6071,7 @@
               <a:buNone/>
             </a:pPr>
             <a:r>
-              <a:rPr lang="en" sz="4300" u="none" strike="noStrike" cap="none">
+              <a:rPr lang="en" sz="4300" u="none" strike="noStrike" cap="none" dirty="0">
                 <a:solidFill>
                   <a:srgbClr val="FFD966"/>
                 </a:solidFill>
@@ -5583,25 +6079,6 @@
               </a:rPr>
               <a:t>Search Indexing</a:t>
             </a:r>
-          </a:p>
-        </p:txBody>
-      </p:sp>
-      <p:sp>
-        <p:nvSpPr>
-          <p:cNvPr id="4" name="Text Placeholder 3"/>
-          <p:cNvSpPr>
-            <a:spLocks noGrp="1"/>
-          </p:cNvSpPr>
-          <p:nvPr>
-            <p:ph type="body" idx="1"/>
-          </p:nvPr>
-        </p:nvSpPr>
-        <p:spPr/>
-        <p:txBody>
-          <a:bodyPr/>
-          <a:lstStyle/>
-          <a:p>
-            <a:endParaRPr lang="en-US"/>
           </a:p>
         </p:txBody>
       </p:sp>
@@ -5613,8 +6090,8 @@
         </p:nvSpPr>
         <p:spPr>
           <a:xfrm>
-            <a:off x="1566425" y="4643450"/>
-            <a:ext cx="5684399" cy="350100"/>
+            <a:off x="1548425" y="4148150"/>
+            <a:ext cx="6044050" cy="350100"/>
           </a:xfrm>
           <a:prstGeom prst="rect">
             <a:avLst/>
@@ -5638,7 +6115,7 @@
               <a:buNone/>
             </a:pPr>
             <a:r>
-              <a:rPr lang="en" sz="2000" u="none" strike="noStrike" cap="none">
+              <a:rPr lang="en" sz="2000" u="none" strike="noStrike" cap="none" dirty="0">
                 <a:solidFill>
                   <a:srgbClr val="FFFF00"/>
                 </a:solidFill>
@@ -5647,7 +6124,55 @@
                 <a:cs typeface="Arial Regular" charset="0"/>
                 <a:sym typeface="Cabin"/>
               </a:rPr>
-              <a:t>http://en.wikipedia.org/wiki/Index_(search_engine)</a:t>
+              <a:t>http://</a:t>
+            </a:r>
+            <a:r>
+              <a:rPr lang="en" sz="2000" u="none" strike="noStrike" cap="none" dirty="0" err="1">
+                <a:solidFill>
+                  <a:srgbClr val="FFFF00"/>
+                </a:solidFill>
+                <a:latin typeface="Arial Regular" charset="0"/>
+                <a:ea typeface="Arial Regular" charset="0"/>
+                <a:cs typeface="Arial Regular" charset="0"/>
+                <a:sym typeface="Cabin"/>
+              </a:rPr>
+              <a:t>en.wikipedia.org</a:t>
+            </a:r>
+            <a:r>
+              <a:rPr lang="en" sz="2000" u="none" strike="noStrike" cap="none" dirty="0">
+                <a:solidFill>
+                  <a:srgbClr val="FFFF00"/>
+                </a:solidFill>
+                <a:latin typeface="Arial Regular" charset="0"/>
+                <a:ea typeface="Arial Regular" charset="0"/>
+                <a:cs typeface="Arial Regular" charset="0"/>
+                <a:sym typeface="Cabin"/>
+              </a:rPr>
+              <a:t>/wiki/Index_(</a:t>
+            </a:r>
+            <a:r>
+              <a:rPr lang="en" sz="2000" u="none" strike="noStrike" cap="none" dirty="0" err="1">
+                <a:solidFill>
+                  <a:srgbClr val="FFFF00"/>
+                </a:solidFill>
+                <a:latin typeface="Arial Regular" charset="0"/>
+                <a:ea typeface="Arial Regular" charset="0"/>
+                <a:cs typeface="Arial Regular" charset="0"/>
+                <a:sym typeface="Cabin"/>
+              </a:rPr>
+              <a:t>search_engine</a:t>
+            </a:r>
+            <a:r>
+              <a:rPr lang="en" sz="2000" u="none" strike="noStrike" cap="none" dirty="0">
+                <a:solidFill>
+                  <a:srgbClr val="FFFF00"/>
+                </a:solidFill>
+                <a:latin typeface="Arial Regular" charset="0"/>
+                <a:ea typeface="Arial Regular" charset="0"/>
+                <a:cs typeface="Arial Regular" charset="0"/>
+                <a:sym typeface="Cabin"/>
+              </a:rPr>
+              <a:t>)</a:t>
             </a:r>
           </a:p>
         </p:txBody>
@@ -5821,7 +6346,7 @@
               <a:buNone/>
             </a:pPr>
             <a:r>
-              <a:rPr lang="en" sz="1800" b="0" i="0" u="none" strike="noStrike" cap="none">
+              <a:rPr lang="en" sz="1600" b="0" i="0" u="none" strike="noStrike" cap="none" dirty="0" err="1">
                 <a:solidFill>
                   <a:srgbClr val="FFFFFF"/>
                 </a:solidFill>
@@ -5832,6 +6357,15 @@
               </a:rPr>
               <a:t>spider.py</a:t>
             </a:r>
+            <a:endParaRPr lang="en" sz="1600" b="0" i="0" u="none" strike="noStrike" cap="none" dirty="0">
+              <a:solidFill>
+                <a:srgbClr val="FFFFFF"/>
+              </a:solidFill>
+              <a:latin typeface="Helvetica Neue"/>
+              <a:ea typeface="Helvetica Neue"/>
+              <a:cs typeface="Helvetica Neue"/>
+              <a:sym typeface="Helvetica Neue"/>
+            </a:endParaRPr>
           </a:p>
         </p:txBody>
       </p:sp>
@@ -6252,7 +6786,7 @@
         </p:nvSpPr>
         <p:spPr>
           <a:xfrm>
-            <a:off x="7350706" y="344657"/>
+            <a:off x="7350706" y="516107"/>
             <a:ext cx="1245599" cy="807300"/>
           </a:xfrm>
           <a:prstGeom prst="can">
@@ -6261,7 +6795,7 @@
             </a:avLst>
           </a:prstGeom>
           <a:solidFill>
-            <a:schemeClr val="lt2"/>
+            <a:srgbClr val="92D050"/>
           </a:solidFill>
           <a:ln>
             <a:noFill/>
@@ -6398,13 +6932,14 @@
           <p:cNvPr id="263" name="Shape 263"/>
           <p:cNvCxnSpPr>
             <a:stCxn id="260" idx="3"/>
+            <a:endCxn id="270" idx="0"/>
           </p:cNvCxnSpPr>
           <p:nvPr/>
         </p:nvCxnSpPr>
         <p:spPr>
           <a:xfrm>
-            <a:off x="7973506" y="1151957"/>
-            <a:ext cx="0" cy="767700"/>
+            <a:off x="7973506" y="1323407"/>
+            <a:ext cx="5" cy="596196"/>
           </a:xfrm>
           <a:prstGeom prst="straightConnector1">
             <a:avLst/>
@@ -6429,8 +6964,8 @@
         </p:nvSpPr>
         <p:spPr>
           <a:xfrm>
-            <a:off x="4961099" y="4672012"/>
-            <a:ext cx="4102862" cy="282769"/>
+            <a:off x="4728017" y="4338134"/>
+            <a:ext cx="4342875" cy="282769"/>
           </a:xfrm>
           <a:prstGeom prst="rect">
             <a:avLst/>
@@ -6454,7 +6989,7 @@
               <a:buNone/>
             </a:pPr>
             <a:r>
-              <a:rPr lang="en" sz="2300" b="0" i="0" u="none" strike="noStrike" cap="none" baseline="30000">
+              <a:rPr lang="en" sz="2300" b="0" i="0" u="none" strike="noStrike" cap="none" baseline="30000" dirty="0">
                 <a:solidFill>
                   <a:srgbClr val="FFFF00"/>
                 </a:solidFill>
@@ -6463,8 +6998,53 @@
                 <a:cs typeface="Helvetica Neue"/>
                 <a:sym typeface="Helvetica Neue"/>
               </a:rPr>
-              <a:t>http://www.pythonlearn.com/code/pagerank.zip</a:t>
-            </a:r>
+              <a:t>http://</a:t>
+            </a:r>
+            <a:r>
+              <a:rPr lang="en" sz="2300" b="0" i="0" u="none" strike="noStrike" cap="none" baseline="30000" dirty="0" err="1">
+                <a:solidFill>
+                  <a:srgbClr val="FFFF00"/>
+                </a:solidFill>
+                <a:latin typeface="Helvetica Neue"/>
+                <a:ea typeface="Helvetica Neue"/>
+                <a:cs typeface="Helvetica Neue"/>
+                <a:sym typeface="Helvetica Neue"/>
+              </a:rPr>
+              <a:t>www.pythonlearn.com</a:t>
+            </a:r>
+            <a:r>
+              <a:rPr lang="en" sz="2300" b="0" i="0" u="none" strike="noStrike" cap="none" baseline="30000" dirty="0">
+                <a:solidFill>
+                  <a:srgbClr val="FFFF00"/>
+                </a:solidFill>
+                <a:latin typeface="Helvetica Neue"/>
+                <a:ea typeface="Helvetica Neue"/>
+                <a:cs typeface="Helvetica Neue"/>
+                <a:sym typeface="Helvetica Neue"/>
+              </a:rPr>
+              <a:t>/code/</a:t>
+            </a:r>
+            <a:r>
+              <a:rPr lang="en" sz="2300" b="0" i="0" u="none" strike="noStrike" cap="none" baseline="30000" dirty="0" err="1">
+                <a:solidFill>
+                  <a:srgbClr val="FFFF00"/>
+                </a:solidFill>
+                <a:latin typeface="Helvetica Neue"/>
+                <a:ea typeface="Helvetica Neue"/>
+                <a:cs typeface="Helvetica Neue"/>
+                <a:sym typeface="Helvetica Neue"/>
+              </a:rPr>
+              <a:t>pagerank.zip</a:t>
+            </a:r>
+            <a:endParaRPr lang="en" sz="2300" b="0" i="0" u="none" strike="noStrike" cap="none" baseline="30000" dirty="0">
+              <a:solidFill>
+                <a:srgbClr val="FFFF00"/>
+              </a:solidFill>
+              <a:latin typeface="Helvetica Neue"/>
+              <a:ea typeface="Helvetica Neue"/>
+              <a:cs typeface="Helvetica Neue"/>
+              <a:sym typeface="Helvetica Neue"/>
+            </a:endParaRPr>
           </a:p>
         </p:txBody>
       </p:sp>
@@ -6730,44 +7310,6 @@
           </a:ln>
         </p:spPr>
       </p:pic>
-      <p:sp>
-        <p:nvSpPr>
-          <p:cNvPr id="6" name="Title 5"/>
-          <p:cNvSpPr>
-            <a:spLocks noGrp="1"/>
-          </p:cNvSpPr>
-          <p:nvPr>
-            <p:ph type="title"/>
-          </p:nvPr>
-        </p:nvSpPr>
-        <p:spPr/>
-        <p:txBody>
-          <a:bodyPr/>
-          <a:lstStyle/>
-          <a:p>
-            <a:endParaRPr lang="en-US"/>
-          </a:p>
-        </p:txBody>
-      </p:sp>
-      <p:sp>
-        <p:nvSpPr>
-          <p:cNvPr id="7" name="Text Placeholder 6"/>
-          <p:cNvSpPr>
-            <a:spLocks noGrp="1"/>
-          </p:cNvSpPr>
-          <p:nvPr>
-            <p:ph type="body" idx="1"/>
-          </p:nvPr>
-        </p:nvSpPr>
-        <p:spPr/>
-        <p:txBody>
-          <a:bodyPr/>
-          <a:lstStyle/>
-          <a:p>
-            <a:endParaRPr lang="en-US"/>
-          </a:p>
-        </p:txBody>
-      </p:sp>
     </p:spTree>
   </p:cSld>
   <p:clrMapOvr>
@@ -6804,6 +7346,10 @@
           </p:nvPr>
         </p:nvSpPr>
         <p:spPr>
+          <a:xfrm>
+            <a:off x="650081" y="464695"/>
+            <a:ext cx="4664869" cy="963999"/>
+          </a:xfrm>
           <a:prstGeom prst="rect">
             <a:avLst/>
           </a:prstGeom>
@@ -6826,14 +7372,29 @@
               <a:buNone/>
             </a:pPr>
             <a:r>
-              <a:rPr lang="en" sz="4300" u="none" strike="noStrike" cap="none">
+              <a:rPr lang="en" sz="3200" u="none" strike="noStrike" cap="none">
                 <a:solidFill>
                   <a:srgbClr val="FFD966"/>
                 </a:solidFill>
                 <a:sym typeface="Cabin"/>
               </a:rPr>
-              <a:t>Mailing Lists - Gmane</a:t>
-            </a:r>
+              <a:t>Mailing Lists - </a:t>
+            </a:r>
+            <a:r>
+              <a:rPr lang="en" sz="3200" u="none" strike="noStrike" cap="none" dirty="0" err="1">
+                <a:solidFill>
+                  <a:srgbClr val="FFD966"/>
+                </a:solidFill>
+                <a:sym typeface="Cabin"/>
+              </a:rPr>
+              <a:t>Gmane</a:t>
+            </a:r>
+            <a:endParaRPr lang="en" sz="3200" u="none" strike="noStrike" cap="none" dirty="0">
+              <a:solidFill>
+                <a:srgbClr val="FFD966"/>
+              </a:solidFill>
+              <a:sym typeface="Cabin"/>
+            </a:endParaRPr>
           </a:p>
         </p:txBody>
       </p:sp>
@@ -6848,6 +7409,10 @@
           </p:nvPr>
         </p:nvSpPr>
         <p:spPr>
+          <a:xfrm>
+            <a:off x="650081" y="1464469"/>
+            <a:ext cx="4521994" cy="3207599"/>
+          </a:xfrm>
           <a:prstGeom prst="rect">
             <a:avLst/>
           </a:prstGeom>
@@ -6873,7 +7438,7 @@
               <a:buFont typeface="Cabin"/>
             </a:pPr>
             <a:r>
-              <a:rPr lang="en" sz="2000" u="none" strike="noStrike" cap="none">
+              <a:rPr lang="en" sz="2000" u="none" strike="noStrike" cap="none" dirty="0">
                 <a:solidFill>
                   <a:srgbClr val="FFFFFF"/>
                 </a:solidFill>
@@ -6894,7 +7459,7 @@
               <a:buFont typeface="Cabin"/>
             </a:pPr>
             <a:r>
-              <a:rPr lang="en" sz="2000" u="none" strike="noStrike" cap="none">
+              <a:rPr lang="en" sz="2000" u="none" strike="noStrike" cap="none" dirty="0">
                 <a:solidFill>
                   <a:srgbClr val="FFFFFF"/>
                 </a:solidFill>
@@ -6915,7 +7480,7 @@
               <a:buFont typeface="Cabin"/>
             </a:pPr>
             <a:r>
-              <a:rPr lang="en" sz="2000" u="none" strike="noStrike" cap="none">
+              <a:rPr lang="en" sz="2000" u="none" strike="noStrike" cap="none" dirty="0">
                 <a:solidFill>
                   <a:srgbClr val="FFFFFF"/>
                 </a:solidFill>
@@ -6934,8 +7499,8 @@
         </p:nvSpPr>
         <p:spPr>
           <a:xfrm>
-            <a:off x="4961099" y="4672012"/>
-            <a:ext cx="3888899" cy="282769"/>
+            <a:off x="4857750" y="4176712"/>
+            <a:ext cx="4097735" cy="282769"/>
           </a:xfrm>
           <a:prstGeom prst="rect">
             <a:avLst/>
@@ -6946,12 +7511,12 @@
           </a:ln>
         </p:spPr>
         <p:txBody>
-          <a:bodyPr lIns="51425" tIns="25700" rIns="51425" bIns="25700" anchor="t" anchorCtr="0">
+          <a:bodyPr lIns="51425" tIns="25700" rIns="51425" bIns="25700" anchor="ctr" anchorCtr="0">
             <a:noAutofit/>
           </a:bodyPr>
           <a:lstStyle/>
           <a:p>
-            <a:pPr marL="0" marR="0" lvl="0" indent="0" algn="l" rtl="0">
+            <a:pPr marL="0" marR="0" lvl="0" indent="0" algn="ctr" rtl="0">
               <a:spcBef>
                 <a:spcPts val="0"/>
               </a:spcBef>
@@ -6959,7 +7524,7 @@
               <a:buNone/>
             </a:pPr>
             <a:r>
-              <a:rPr lang="en" sz="2300" b="0" i="0" u="none" strike="noStrike" cap="none" baseline="30000">
+              <a:rPr lang="en" sz="2300" b="0" i="0" u="none" strike="noStrike" cap="none" baseline="30000" dirty="0">
                 <a:solidFill>
                   <a:srgbClr val="FFFF00"/>
                 </a:solidFill>
@@ -6968,8 +7533,53 @@
                 <a:cs typeface="Helvetica Neue"/>
                 <a:sym typeface="Helvetica Neue"/>
               </a:rPr>
-              <a:t>http://www.pythonlearn.com/code/gmane.zip</a:t>
-            </a:r>
+              <a:t>http://</a:t>
+            </a:r>
+            <a:r>
+              <a:rPr lang="en" sz="2300" b="0" i="0" u="none" strike="noStrike" cap="none" baseline="30000" dirty="0" err="1">
+                <a:solidFill>
+                  <a:srgbClr val="FFFF00"/>
+                </a:solidFill>
+                <a:latin typeface="Helvetica Neue"/>
+                <a:ea typeface="Helvetica Neue"/>
+                <a:cs typeface="Helvetica Neue"/>
+                <a:sym typeface="Helvetica Neue"/>
+              </a:rPr>
+              <a:t>www.pythonlearn.com</a:t>
+            </a:r>
+            <a:r>
+              <a:rPr lang="en" sz="2300" b="0" i="0" u="none" strike="noStrike" cap="none" baseline="30000" dirty="0">
+                <a:solidFill>
+                  <a:srgbClr val="FFFF00"/>
+                </a:solidFill>
+                <a:latin typeface="Helvetica Neue"/>
+                <a:ea typeface="Helvetica Neue"/>
+                <a:cs typeface="Helvetica Neue"/>
+                <a:sym typeface="Helvetica Neue"/>
+              </a:rPr>
+              <a:t>/code/</a:t>
+            </a:r>
+            <a:r>
+              <a:rPr lang="en" sz="2300" b="0" i="0" u="none" strike="noStrike" cap="none" baseline="30000" dirty="0" err="1">
+                <a:solidFill>
+                  <a:srgbClr val="FFFF00"/>
+                </a:solidFill>
+                <a:latin typeface="Helvetica Neue"/>
+                <a:ea typeface="Helvetica Neue"/>
+                <a:cs typeface="Helvetica Neue"/>
+                <a:sym typeface="Helvetica Neue"/>
+              </a:rPr>
+              <a:t>gmane.zip</a:t>
+            </a:r>
+            <a:endParaRPr lang="en" sz="2300" b="0" i="0" u="none" strike="noStrike" cap="none" baseline="30000" dirty="0">
+              <a:solidFill>
+                <a:srgbClr val="FFFF00"/>
+              </a:solidFill>
+              <a:latin typeface="Helvetica Neue"/>
+              <a:ea typeface="Helvetica Neue"/>
+              <a:cs typeface="Helvetica Neue"/>
+              <a:sym typeface="Helvetica Neue"/>
+            </a:endParaRPr>
           </a:p>
         </p:txBody>
       </p:sp>
@@ -6988,7 +7598,7 @@
         </p:blipFill>
         <p:spPr>
           <a:xfrm>
-            <a:off x="5760705" y="1464468"/>
+            <a:off x="5700745" y="826293"/>
             <a:ext cx="2726069" cy="2915564"/>
           </a:xfrm>
           <a:prstGeom prst="rect">
@@ -7089,6 +7699,10 @@
           </p:nvPr>
         </p:nvSpPr>
         <p:spPr>
+          <a:xfrm>
+            <a:off x="650081" y="1464470"/>
+            <a:ext cx="7836750" cy="1326355"/>
+          </a:xfrm>
           <a:prstGeom prst="rect">
             <a:avLst/>
           </a:prstGeom>
@@ -7098,7 +7712,7 @@
           </a:ln>
         </p:spPr>
         <p:txBody>
-          <a:bodyPr lIns="21425" tIns="21425" rIns="21425" bIns="21425" anchor="ctr" anchorCtr="0">
+          <a:bodyPr lIns="21425" tIns="21425" rIns="21425" bIns="21425" anchor="t" anchorCtr="0">
             <a:noAutofit/>
           </a:bodyPr>
           <a:lstStyle/>
@@ -7117,14 +7731,47 @@
               <a:buFont typeface="Cabin"/>
             </a:pPr>
             <a:r>
-              <a:rPr lang="en" sz="2000" u="none" strike="noStrike" cap="none">
+              <a:rPr lang="en" sz="2000" u="none" strike="noStrike" cap="none" dirty="0">
                 <a:solidFill>
                   <a:srgbClr val="FFFFFF"/>
                 </a:solidFill>
                 <a:sym typeface="Cabin"/>
               </a:rPr>
-              <a:t>Do not just point this application at gmane.org and let it run all night</a:t>
-            </a:r>
+              <a:t>Do not just point this application at </a:t>
+            </a:r>
+            <a:r>
+              <a:rPr lang="en" sz="2000" u="none" strike="noStrike" cap="none" dirty="0" err="1">
+                <a:solidFill>
+                  <a:srgbClr val="FFFF00"/>
+                </a:solidFill>
+                <a:sym typeface="Cabin"/>
+              </a:rPr>
+              <a:t>gmane.org</a:t>
+            </a:r>
+            <a:r>
+              <a:rPr lang="en" sz="2000" u="none" strike="noStrike" cap="none" dirty="0">
+                <a:solidFill>
+                  <a:srgbClr val="FFFFFF"/>
+                </a:solidFill>
+                <a:sym typeface="Cabin"/>
+              </a:rPr>
+              <a:t> and let it </a:t>
+            </a:r>
+            <a:r>
+              <a:rPr lang="en" sz="2000" u="none" strike="noStrike" cap="none" dirty="0" smtClean="0">
+                <a:solidFill>
+                  <a:srgbClr val="FFFFFF"/>
+                </a:solidFill>
+                <a:sym typeface="Cabin"/>
+              </a:rPr>
+              <a:t>run</a:t>
+            </a:r>
+            <a:endParaRPr lang="en-US" sz="2000" u="none" strike="noStrike" cap="none" dirty="0" smtClean="0">
+              <a:solidFill>
+                <a:srgbClr val="FFFFFF"/>
+              </a:solidFill>
+              <a:sym typeface="Cabin"/>
+            </a:endParaRPr>
           </a:p>
           <a:p>
             <a:pPr marL="457200" marR="0" lvl="0" indent="-355600" algn="l" rtl="0">
@@ -7132,7 +7779,7 @@
                 <a:spcPct val="115000"/>
               </a:lnSpc>
               <a:spcBef>
-                <a:spcPts val="2000"/>
+                <a:spcPts val="0"/>
               </a:spcBef>
               <a:buClr>
                 <a:srgbClr val="FFFFFF"/>
@@ -7141,70 +7788,42 @@
               <a:buFont typeface="Cabin"/>
             </a:pPr>
             <a:r>
-              <a:rPr lang="en" sz="2000" u="none" strike="noStrike" cap="none">
+              <a:rPr lang="en" sz="2000" u="none" strike="noStrike" cap="none" dirty="0" smtClean="0">
                 <a:solidFill>
                   <a:srgbClr val="FFFFFF"/>
                 </a:solidFill>
                 <a:sym typeface="Cabin"/>
               </a:rPr>
-              <a:t>There is no rate limits – these are cool folks</a:t>
-            </a:r>
-          </a:p>
-          <a:p>
-            <a:pPr marL="457200" marR="0" lvl="0" indent="-355600" algn="l" rtl="0">
-              <a:lnSpc>
-                <a:spcPct val="115000"/>
-              </a:lnSpc>
-              <a:spcBef>
-                <a:spcPts val="2000"/>
-              </a:spcBef>
-              <a:buClr>
-                <a:srgbClr val="FFFFFF"/>
-              </a:buClr>
-              <a:buSzPct val="100000"/>
-              <a:buFont typeface="Cabin"/>
-            </a:pPr>
-            <a:r>
-              <a:rPr lang="en" sz="2000" u="none" strike="noStrike" cap="none">
+              <a:t>There </a:t>
+            </a:r>
+            <a:r>
+              <a:rPr lang="en" sz="2000" u="none" strike="noStrike" cap="none" dirty="0">
                 <a:solidFill>
                   <a:srgbClr val="FFFFFF"/>
                 </a:solidFill>
                 <a:sym typeface="Cabin"/>
               </a:rPr>
-              <a:t>Don't ruin it for the rest of us</a:t>
-            </a:r>
-          </a:p>
-          <a:p>
-            <a:pPr marL="457200" marR="0" lvl="0" indent="-355600" algn="l" rtl="0">
-              <a:lnSpc>
-                <a:spcPct val="115000"/>
-              </a:lnSpc>
-              <a:spcBef>
-                <a:spcPts val="2000"/>
-              </a:spcBef>
-              <a:buClr>
-                <a:srgbClr val="FFFFFF"/>
-              </a:buClr>
-              <a:buSzPct val="100000"/>
-              <a:buFont typeface="Cabin"/>
-            </a:pPr>
-            <a:r>
-              <a:rPr lang="en"/>
-              <a:t>Please use my</a:t>
-            </a:r>
-            <a:r>
-              <a:rPr lang="en" sz="2000" u="none" strike="noStrike" cap="none">
+              <a:t>is no rate limits – these are cool </a:t>
+            </a:r>
+            <a:r>
+              <a:rPr lang="en" sz="2000" u="none" strike="noStrike" cap="none" dirty="0" smtClean="0">
                 <a:solidFill>
                   <a:srgbClr val="FFFFFF"/>
                 </a:solidFill>
                 <a:sym typeface="Cabin"/>
               </a:rPr>
-              <a:t> non-rate-limited copy of this </a:t>
-            </a:r>
-            <a:r>
-              <a:rPr lang="en"/>
-              <a:t>data for your testing</a:t>
-            </a:r>
+              <a:t>folk</a:t>
+            </a:r>
+            <a:r>
+              <a:rPr lang="en-US" sz="2000" dirty="0" smtClean="0">
+                <a:solidFill>
+                  <a:srgbClr val="FFFFFF"/>
+                </a:solidFill>
+                <a:sym typeface="Cabin"/>
+              </a:rPr>
+              <a:t>s</a:t>
+            </a:r>
+            <a:endParaRPr lang="en" dirty="0"/>
           </a:p>
         </p:txBody>
       </p:sp>
@@ -7216,8 +7835,8 @@
         </p:nvSpPr>
         <p:spPr>
           <a:xfrm>
-            <a:off x="650075" y="3994025"/>
-            <a:ext cx="8031899" cy="444900"/>
+            <a:off x="650081" y="2790825"/>
+            <a:ext cx="8031899" cy="1028418"/>
           </a:xfrm>
           <a:prstGeom prst="rect">
             <a:avLst/>
@@ -7240,7 +7859,7 @@
               <a:buNone/>
             </a:pPr>
             <a:r>
-              <a:rPr lang="en" sz="1800">
+              <a:rPr lang="en-US" sz="1800" dirty="0" smtClean="0">
                 <a:solidFill>
                   <a:srgbClr val="FFFF00"/>
                 </a:solidFill>
@@ -7249,7 +7868,116 @@
                 <a:cs typeface="Courier New"/>
                 <a:sym typeface="Courier New"/>
               </a:rPr>
-              <a:t>http://mbox.dr-chuck.net/sakai.devel/4/5</a:t>
+              <a:t>Use this for </a:t>
+            </a:r>
+            <a:r>
+              <a:rPr lang="en-US" sz="1800" smtClean="0">
+                <a:solidFill>
+                  <a:srgbClr val="FFFF00"/>
+                </a:solidFill>
+                <a:latin typeface="Courier New"/>
+                <a:ea typeface="Courier New"/>
+                <a:cs typeface="Courier New"/>
+                <a:sym typeface="Courier New"/>
+              </a:rPr>
+              <a:t>your testing:</a:t>
+            </a:r>
+          </a:p>
+          <a:p>
+            <a:pPr lvl="0" algn="ctr">
+              <a:spcBef>
+                <a:spcPts val="0"/>
+              </a:spcBef>
+              <a:buNone/>
+            </a:pPr>
+            <a:endParaRPr lang="en-US" sz="1800" dirty="0" smtClean="0">
+              <a:solidFill>
+                <a:srgbClr val="FFFF00"/>
+              </a:solidFill>
+              <a:latin typeface="Courier New"/>
+              <a:ea typeface="Courier New"/>
+              <a:cs typeface="Courier New"/>
+              <a:sym typeface="Courier New"/>
+            </a:endParaRPr>
+          </a:p>
+          <a:p>
+            <a:pPr lvl="0" algn="ctr">
+              <a:spcBef>
+                <a:spcPts val="0"/>
+              </a:spcBef>
+              <a:buNone/>
+            </a:pPr>
+            <a:r>
+              <a:rPr lang="en" sz="1800" dirty="0" smtClean="0">
+                <a:solidFill>
+                  <a:srgbClr val="FFFF00"/>
+                </a:solidFill>
+                <a:latin typeface="Courier New"/>
+                <a:ea typeface="Courier New"/>
+                <a:cs typeface="Courier New"/>
+                <a:sym typeface="Courier New"/>
+              </a:rPr>
+              <a:t>http</a:t>
+            </a:r>
+            <a:r>
+              <a:rPr lang="en" sz="1800" dirty="0">
+                <a:solidFill>
+                  <a:srgbClr val="FFFF00"/>
+                </a:solidFill>
+                <a:latin typeface="Courier New"/>
+                <a:ea typeface="Courier New"/>
+                <a:cs typeface="Courier New"/>
+                <a:sym typeface="Courier New"/>
+              </a:rPr>
+              <a:t>://</a:t>
+            </a:r>
+            <a:r>
+              <a:rPr lang="en" sz="1800" dirty="0" err="1">
+                <a:solidFill>
+                  <a:srgbClr val="FFFF00"/>
+                </a:solidFill>
+                <a:latin typeface="Courier New"/>
+                <a:ea typeface="Courier New"/>
+                <a:cs typeface="Courier New"/>
+                <a:sym typeface="Courier New"/>
+              </a:rPr>
+              <a:t>mbox.dr-chuck.net</a:t>
+            </a:r>
+            <a:r>
+              <a:rPr lang="en" sz="1800" dirty="0">
+                <a:solidFill>
+                  <a:srgbClr val="FFFF00"/>
+                </a:solidFill>
+                <a:latin typeface="Courier New"/>
+                <a:ea typeface="Courier New"/>
+                <a:cs typeface="Courier New"/>
+                <a:sym typeface="Courier New"/>
+              </a:rPr>
+              <a:t>/</a:t>
+            </a:r>
+            <a:r>
+              <a:rPr lang="en" sz="1800" dirty="0" err="1">
+                <a:solidFill>
+                  <a:srgbClr val="FFFF00"/>
+                </a:solidFill>
+                <a:latin typeface="Courier New"/>
+                <a:ea typeface="Courier New"/>
+                <a:cs typeface="Courier New"/>
+                <a:sym typeface="Courier New"/>
+              </a:rPr>
+              <a:t>sakai.devel</a:t>
+            </a:r>
+            <a:r>
+              <a:rPr lang="en" sz="1800" dirty="0">
+                <a:solidFill>
+                  <a:srgbClr val="FFFF00"/>
+                </a:solidFill>
+                <a:latin typeface="Courier New"/>
+                <a:ea typeface="Courier New"/>
+                <a:cs typeface="Courier New"/>
+                <a:sym typeface="Courier New"/>
+              </a:rPr>
+              <a:t>/4/5</a:t>
             </a:r>
           </a:p>
         </p:txBody>
@@ -7719,8 +8447,8 @@
         </p:blipFill>
         <p:spPr>
           <a:xfrm rot="10800000" flipH="1">
-            <a:off x="195125" y="202730"/>
-            <a:ext cx="2033828" cy="1314560"/>
+            <a:off x="112646" y="510329"/>
+            <a:ext cx="2033828" cy="657117"/>
           </a:xfrm>
           <a:prstGeom prst="rect">
             <a:avLst/>
@@ -7773,7 +8501,7 @@
               <a:buNone/>
             </a:pPr>
             <a:r>
-              <a:rPr lang="en">
+              <a:rPr lang="en" dirty="0" err="1">
                 <a:solidFill>
                   <a:srgbClr val="660066"/>
                 </a:solidFill>
@@ -7784,6 +8512,15 @@
               </a:rPr>
               <a:t>mbox.dr-chuck.net</a:t>
             </a:r>
+            <a:endParaRPr lang="en" dirty="0">
+              <a:solidFill>
+                <a:srgbClr val="660066"/>
+              </a:solidFill>
+              <a:latin typeface="Helvetica Neue"/>
+              <a:ea typeface="Helvetica Neue"/>
+              <a:cs typeface="Helvetica Neue"/>
+              <a:sym typeface="Helvetica Neue"/>
+            </a:endParaRPr>
           </a:p>
         </p:txBody>
       </p:sp>
@@ -7865,7 +8602,7 @@
             </a:avLst>
           </a:prstGeom>
           <a:solidFill>
-            <a:schemeClr val="lt2"/>
+            <a:srgbClr val="92D050"/>
           </a:solidFill>
           <a:ln>
             <a:noFill/>
@@ -8003,7 +8740,7 @@
         <p:spPr>
           <a:xfrm>
             <a:off x="7973510" y="969279"/>
-            <a:ext cx="9000" cy="843900"/>
+            <a:ext cx="43212" cy="630921"/>
           </a:xfrm>
           <a:prstGeom prst="straightConnector1">
             <a:avLst/>
@@ -8028,8 +8765,8 @@
         </p:nvSpPr>
         <p:spPr>
           <a:xfrm>
-            <a:off x="2753835" y="4523483"/>
-            <a:ext cx="3888899" cy="282769"/>
+            <a:off x="2766624" y="4160801"/>
+            <a:ext cx="4142265" cy="282769"/>
           </a:xfrm>
           <a:prstGeom prst="rect">
             <a:avLst/>
@@ -8181,70 +8918,6 @@
                 <a:sym typeface="Helvetica Neue"/>
               </a:rPr>
               <a:t>gmodel.py</a:t>
-            </a:r>
-          </a:p>
-        </p:txBody>
-      </p:sp>
-      <p:sp>
-        <p:nvSpPr>
-          <p:cNvPr id="306" name="Shape 306"/>
-          <p:cNvSpPr/>
-          <p:nvPr/>
-        </p:nvSpPr>
-        <p:spPr>
-          <a:xfrm>
-            <a:off x="3847034" y="1919603"/>
-            <a:ext cx="1476374" cy="449587"/>
-          </a:xfrm>
-          <a:prstGeom prst="can">
-            <a:avLst>
-              <a:gd name="adj" fmla="val 25000"/>
-            </a:avLst>
-          </a:prstGeom>
-          <a:blipFill rotWithShape="1">
-            <a:blip r:embed="rId4">
-              <a:alphaModFix/>
-            </a:blip>
-            <a:tile tx="0" ty="0" sx="100000" sy="100000" flip="none" algn="tl"/>
-          </a:blipFill>
-          <a:ln>
-            <a:noFill/>
-          </a:ln>
-        </p:spPr>
-        <p:txBody>
-          <a:bodyPr lIns="28575" tIns="28575" rIns="28575" bIns="28575" anchor="ctr" anchorCtr="0">
-            <a:noAutofit/>
-          </a:bodyPr>
-          <a:lstStyle/>
-          <a:p>
-            <a:pPr marL="0" marR="0" lvl="0" indent="0" algn="ctr" rtl="0">
-              <a:lnSpc>
-                <a:spcPct val="100000"/>
-              </a:lnSpc>
-              <a:spcBef>
-                <a:spcPts val="0"/>
-              </a:spcBef>
-              <a:spcAft>
-                <a:spcPts val="0"/>
-              </a:spcAft>
-              <a:buClr>
-                <a:srgbClr val="660066"/>
-              </a:buClr>
-              <a:buSzPct val="25000"/>
-              <a:buFont typeface="Cabin"/>
-              <a:buNone/>
-            </a:pPr>
-            <a:r>
-              <a:rPr lang="en" sz="1500" u="none" strike="noStrike" cap="none">
-                <a:solidFill>
-                  <a:srgbClr val="660066"/>
-                </a:solidFill>
-                <a:latin typeface="Arial Regular" charset="0"/>
-                <a:ea typeface="Arial Regular" charset="0"/>
-                <a:cs typeface="Arial Regular" charset="0"/>
-                <a:sym typeface="Cabin"/>
-              </a:rPr>
-              <a:t>content.sqlite</a:t>
             </a:r>
           </a:p>
         </p:txBody>
@@ -8352,7 +9025,7 @@
         </p:blipFill>
         <p:spPr>
           <a:xfrm>
-            <a:off x="7073125" y="2861827"/>
+            <a:off x="7073125" y="2795152"/>
             <a:ext cx="1800771" cy="1005492"/>
           </a:xfrm>
           <a:prstGeom prst="rect">
@@ -8433,7 +9106,7 @@
         </p:nvSpPr>
         <p:spPr>
           <a:xfrm>
-            <a:off x="7350706" y="4140216"/>
+            <a:off x="7355205" y="3944313"/>
             <a:ext cx="1245610" cy="807422"/>
           </a:xfrm>
           <a:prstGeom prst="can">
@@ -8442,7 +9115,7 @@
             </a:avLst>
           </a:prstGeom>
           <a:solidFill>
-            <a:schemeClr val="lt2"/>
+            <a:srgbClr val="92D050"/>
           </a:solidFill>
           <a:ln>
             <a:noFill/>
@@ -8524,9 +9197,9 @@
           <p:nvPr/>
         </p:nvCxnSpPr>
         <p:spPr>
-          <a:xfrm rot="10800000">
-            <a:off x="7969310" y="3534215"/>
-            <a:ext cx="4199" cy="606000"/>
+          <a:xfrm flipV="1">
+            <a:off x="7973510" y="3569479"/>
+            <a:ext cx="9000" cy="504061"/>
           </a:xfrm>
           <a:prstGeom prst="straightConnector1">
             <a:avLst/>
@@ -8653,7 +9326,7 @@
         </p:nvCxnSpPr>
         <p:spPr>
           <a:xfrm rot="10800000" flipH="1">
-            <a:off x="6226825" y="3364574"/>
+            <a:off x="6226825" y="3297899"/>
             <a:ext cx="846300" cy="100200"/>
           </a:xfrm>
           <a:prstGeom prst="straightConnector1">
@@ -8673,39 +9346,74 @@
       </p:cxnSp>
       <p:sp>
         <p:nvSpPr>
-          <p:cNvPr id="6" name="Title 5"/>
-          <p:cNvSpPr>
-            <a:spLocks noGrp="1"/>
-          </p:cNvSpPr>
-          <p:nvPr>
-            <p:ph type="title"/>
-          </p:nvPr>
+          <p:cNvPr id="306" name="Shape 306"/>
+          <p:cNvSpPr/>
+          <p:nvPr/>
         </p:nvSpPr>
-        <p:spPr/>
+        <p:spPr>
+          <a:xfrm>
+            <a:off x="3847034" y="1919603"/>
+            <a:ext cx="1476374" cy="449587"/>
+          </a:xfrm>
+          <a:prstGeom prst="can">
+            <a:avLst>
+              <a:gd name="adj" fmla="val 25000"/>
+            </a:avLst>
+          </a:prstGeom>
+          <a:blipFill rotWithShape="1">
+            <a:blip r:embed="rId4">
+              <a:alphaModFix/>
+            </a:blip>
+            <a:tile tx="0" ty="0" sx="100000" sy="100000" flip="none" algn="tl"/>
+          </a:blipFill>
+          <a:ln>
+            <a:noFill/>
+          </a:ln>
+        </p:spPr>
         <p:txBody>
-          <a:bodyPr/>
+          <a:bodyPr lIns="28575" tIns="28575" rIns="28575" bIns="28575" anchor="ctr" anchorCtr="0">
+            <a:noAutofit/>
+          </a:bodyPr>
           <a:lstStyle/>
           <a:p>
-            <a:endParaRPr lang="en-US"/>
-          </a:p>
-        </p:txBody>
-      </p:sp>
-      <p:sp>
-        <p:nvSpPr>
-          <p:cNvPr id="7" name="Text Placeholder 6"/>
-          <p:cNvSpPr>
-            <a:spLocks noGrp="1"/>
-          </p:cNvSpPr>
-          <p:nvPr>
-            <p:ph type="body" idx="1"/>
-          </p:nvPr>
-        </p:nvSpPr>
-        <p:spPr/>
-        <p:txBody>
-          <a:bodyPr/>
-          <a:lstStyle/>
-          <a:p>
-            <a:endParaRPr lang="en-US"/>
+            <a:pPr marL="0" marR="0" lvl="0" indent="0" algn="ctr" rtl="0">
+              <a:lnSpc>
+                <a:spcPct val="100000"/>
+              </a:lnSpc>
+              <a:spcBef>
+                <a:spcPts val="0"/>
+              </a:spcBef>
+              <a:spcAft>
+                <a:spcPts val="0"/>
+              </a:spcAft>
+              <a:buClr>
+                <a:srgbClr val="660066"/>
+              </a:buClr>
+              <a:buSzPct val="25000"/>
+              <a:buFont typeface="Cabin"/>
+              <a:buNone/>
+            </a:pPr>
+            <a:r>
+              <a:rPr lang="en" sz="1500" u="none" strike="noStrike" cap="none" dirty="0" err="1">
+                <a:solidFill>
+                  <a:srgbClr val="660066"/>
+                </a:solidFill>
+                <a:latin typeface="Arial Regular" charset="0"/>
+                <a:ea typeface="Arial Regular" charset="0"/>
+                <a:cs typeface="Arial Regular" charset="0"/>
+                <a:sym typeface="Cabin"/>
+              </a:rPr>
+              <a:t>content.sqlite</a:t>
+            </a:r>
+            <a:endParaRPr lang="en" sz="1500" u="none" strike="noStrike" cap="none" dirty="0">
+              <a:solidFill>
+                <a:srgbClr val="660066"/>
+              </a:solidFill>
+              <a:latin typeface="Arial Regular" charset="0"/>
+              <a:ea typeface="Arial Regular" charset="0"/>
+              <a:cs typeface="Arial Regular" charset="0"/>
+              <a:sym typeface="Cabin"/>
+            </a:endParaRPr>
           </a:p>
         </p:txBody>
       </p:sp>
@@ -8741,10 +9449,14 @@
             <a:spLocks noGrp="1"/>
           </p:cNvSpPr>
           <p:nvPr>
-            <p:ph type="title"/>
+            <p:ph type="title" idx="4294967295"/>
           </p:nvPr>
         </p:nvSpPr>
         <p:spPr>
+          <a:xfrm>
+            <a:off x="822766" y="599008"/>
+            <a:ext cx="7129021" cy="381569"/>
+          </a:xfrm>
           <a:prstGeom prst="rect">
             <a:avLst/>
           </a:prstGeom>
@@ -8779,25 +9491,6 @@
               </a:rPr>
               <a:t>Acknowledgements / Contributions</a:t>
             </a:r>
-          </a:p>
-        </p:txBody>
-      </p:sp>
-      <p:sp>
-        <p:nvSpPr>
-          <p:cNvPr id="4" name="Text Placeholder 3"/>
-          <p:cNvSpPr>
-            <a:spLocks noGrp="1"/>
-          </p:cNvSpPr>
-          <p:nvPr>
-            <p:ph type="body" idx="1"/>
-          </p:nvPr>
-        </p:nvSpPr>
-        <p:spPr/>
-        <p:txBody>
-          <a:bodyPr/>
-          <a:lstStyle/>
-          <a:p>
-            <a:endParaRPr lang="en-US"/>
           </a:p>
         </p:txBody>
       </p:sp>
@@ -8809,8 +9502,8 @@
         </p:nvSpPr>
         <p:spPr>
           <a:xfrm>
-            <a:off x="678431" y="777220"/>
-            <a:ext cx="3823705" cy="3984018"/>
+            <a:off x="678431" y="1205845"/>
+            <a:ext cx="3823705" cy="3299480"/>
           </a:xfrm>
           <a:prstGeom prst="rect">
             <a:avLst/>
@@ -8838,7 +9531,7 @@
               <a:buNone/>
             </a:pPr>
             <a:r>
-              <a:rPr lang="en" sz="1000" b="0" i="0" u="none" strike="noStrike" cap="none">
+              <a:rPr lang="en" sz="1000" b="0" i="0" u="none" strike="noStrike" cap="none" dirty="0" err="1">
                 <a:solidFill>
                   <a:srgbClr val="FFFFFF"/>
                 </a:solidFill>
@@ -8847,10 +9540,22 @@
                 <a:cs typeface="Helvetica Neue"/>
                 <a:sym typeface="Helvetica Neue"/>
               </a:rPr>
-              <a:t>Thes slide are Copyright 2010-  Charles R. Severance (</a:t>
-            </a:r>
-            <a:r>
-              <a:rPr lang="en" sz="1000" b="0" i="0" u="sng" strike="noStrike" cap="none">
+              <a:t>Thes</a:t>
+            </a:r>
+            <a:r>
+              <a:rPr lang="en" sz="1000" b="0" i="0" u="none" strike="noStrike" cap="none" dirty="0">
+                <a:solidFill>
+                  <a:srgbClr val="FFFFFF"/>
+                </a:solidFill>
+                <a:latin typeface="Helvetica Neue"/>
+                <a:ea typeface="Helvetica Neue"/>
+                <a:cs typeface="Helvetica Neue"/>
+                <a:sym typeface="Helvetica Neue"/>
+              </a:rPr>
+              <a:t> slide are Copyright 2010-  Charles R. Severance (</a:t>
+            </a:r>
+            <a:r>
+              <a:rPr lang="en" sz="1000" b="0" i="0" u="sng" strike="noStrike" cap="none" dirty="0">
                 <a:solidFill>
                   <a:srgbClr val="FFFF00"/>
                 </a:solidFill>
@@ -8863,7 +9568,7 @@
               <a:t>www.dr-chuck.com</a:t>
             </a:r>
             <a:r>
-              <a:rPr lang="en" sz="1000" b="0" i="0" u="none" strike="noStrike" cap="none">
+              <a:rPr lang="en" sz="1000" b="0" i="0" u="none" strike="noStrike" cap="none" dirty="0">
                 <a:solidFill>
                   <a:srgbClr val="FFFFFF"/>
                 </a:solidFill>
@@ -8875,7 +9580,7 @@
               <a:t>) of the University of Michigan School of Information and </a:t>
             </a:r>
             <a:r>
-              <a:rPr lang="en" sz="1000" b="0" i="0" u="sng" strike="noStrike" cap="none">
+              <a:rPr lang="en" sz="1000" b="0" i="0" u="sng" strike="noStrike" cap="none" dirty="0">
                 <a:solidFill>
                   <a:srgbClr val="FFFF00"/>
                 </a:solidFill>
@@ -8888,7 +9593,7 @@
               <a:t>open.umich.edu</a:t>
             </a:r>
             <a:r>
-              <a:rPr lang="en" sz="1000" b="0" i="0" u="none" strike="noStrike" cap="none">
+              <a:rPr lang="en" sz="1000" b="0" i="0" u="none" strike="noStrike" cap="none" dirty="0">
                 <a:solidFill>
                   <a:srgbClr val="FFFFFF"/>
                 </a:solidFill>
@@ -8908,7 +9613,7 @@
               <a:buFont typeface="Helvetica Neue"/>
               <a:buNone/>
             </a:pPr>
-            <a:endParaRPr sz="1000" b="0" i="0" u="none" strike="noStrike" cap="none">
+            <a:endParaRPr sz="1000" b="0" i="0" u="none" strike="noStrike" cap="none" dirty="0">
               <a:solidFill>
                 <a:srgbClr val="FFFFFF"/>
               </a:solidFill>
@@ -8931,7 +9636,7 @@
               <a:buNone/>
             </a:pPr>
             <a:r>
-              <a:rPr lang="en" sz="1000" b="0" i="0" u="none" strike="noStrike" cap="none">
+              <a:rPr lang="en" sz="1000" b="0" i="0" u="none" strike="noStrike" cap="none" dirty="0">
                 <a:solidFill>
                   <a:srgbClr val="FFFFFF"/>
                 </a:solidFill>
@@ -8951,7 +9656,7 @@
               <a:buFont typeface="Helvetica Neue"/>
               <a:buNone/>
             </a:pPr>
-            <a:endParaRPr sz="1000" b="0" i="0" u="none" strike="noStrike" cap="none">
+            <a:endParaRPr sz="1000" b="0" i="0" u="none" strike="noStrike" cap="none" dirty="0">
               <a:solidFill>
                 <a:srgbClr val="FFFFFF"/>
               </a:solidFill>
@@ -8974,7 +9679,7 @@
               <a:buNone/>
             </a:pPr>
             <a:r>
-              <a:rPr lang="en" sz="1000" b="0" i="0" u="none" strike="noStrike" cap="none">
+              <a:rPr lang="en" sz="1000" b="0" i="0" u="none" strike="noStrike" cap="none" dirty="0">
                 <a:solidFill>
                   <a:srgbClr val="FFFFFF"/>
                 </a:solidFill>
@@ -9003,7 +9708,7 @@
         </p:blipFill>
         <p:spPr>
           <a:xfrm>
-            <a:off x="246318" y="75740"/>
+            <a:off x="246318" y="504365"/>
             <a:ext cx="576449" cy="576449"/>
           </a:xfrm>
           <a:prstGeom prst="rect">
@@ -9030,7 +9735,7 @@
         </p:blipFill>
         <p:spPr>
           <a:xfrm>
-            <a:off x="7817449" y="175978"/>
+            <a:off x="7817449" y="604603"/>
             <a:ext cx="1107336" cy="375974"/>
           </a:xfrm>
           <a:prstGeom prst="rect">
@@ -9050,8 +9755,8 @@
         </p:nvSpPr>
         <p:spPr>
           <a:xfrm>
-            <a:off x="4896225" y="850612"/>
-            <a:ext cx="3823705" cy="3984018"/>
+            <a:off x="4896225" y="1279237"/>
+            <a:ext cx="3823705" cy="3226088"/>
           </a:xfrm>
           <a:prstGeom prst="rect">
             <a:avLst/>
@@ -9185,25 +9890,6 @@
               </a:rPr>
               <a:t>Multi-Step Data Analysis</a:t>
             </a:r>
-          </a:p>
-        </p:txBody>
-      </p:sp>
-      <p:sp>
-        <p:nvSpPr>
-          <p:cNvPr id="4" name="Text Placeholder 3"/>
-          <p:cNvSpPr>
-            <a:spLocks noGrp="1"/>
-          </p:cNvSpPr>
-          <p:nvPr>
-            <p:ph type="body" idx="1"/>
-          </p:nvPr>
-        </p:nvSpPr>
-        <p:spPr/>
-        <p:txBody>
-          <a:bodyPr/>
-          <a:lstStyle/>
-          <a:p>
-            <a:endParaRPr lang="en-US"/>
           </a:p>
         </p:txBody>
       </p:sp>
@@ -9980,7 +10666,7 @@
               <a:buNone/>
             </a:pPr>
             <a:r>
-              <a:rPr lang="en" sz="4300" u="none" strike="noStrike" cap="none">
+              <a:rPr lang="en" sz="3600" u="none" strike="noStrike" cap="none" dirty="0">
                 <a:solidFill>
                   <a:srgbClr val="FFD966"/>
                 </a:solidFill>
@@ -10211,7 +10897,7 @@
           </a:ln>
         </p:spPr>
         <p:txBody>
-          <a:bodyPr lIns="21425" tIns="21425" rIns="21425" bIns="21425" anchor="ctr" anchorCtr="0">
+          <a:bodyPr lIns="21425" tIns="21425" rIns="21425" bIns="21425" anchor="t" anchorCtr="0">
             <a:noAutofit/>
           </a:bodyPr>
           <a:lstStyle/>
@@ -10227,7 +10913,7 @@
               <a:buFont typeface="Cabin"/>
             </a:pPr>
             <a:r>
-              <a:rPr lang="en" sz="2000" u="none" strike="noStrike" cap="none">
+              <a:rPr lang="en" sz="2000" u="none" strike="noStrike" cap="none" dirty="0">
                 <a:solidFill>
                   <a:srgbClr val="FFFFFF"/>
                 </a:solidFill>
@@ -10318,6 +11004,10 @@
           </p:nvPr>
         </p:nvSpPr>
         <p:spPr>
+          <a:xfrm>
+            <a:off x="650081" y="1464469"/>
+            <a:ext cx="4218698" cy="3207599"/>
+          </a:xfrm>
           <a:prstGeom prst="rect">
             <a:avLst/>
           </a:prstGeom>
@@ -10343,7 +11033,7 @@
               <a:buFont typeface="Cabin"/>
             </a:pPr>
             <a:r>
-              <a:rPr lang="en" sz="2000" u="none" strike="noStrike" cap="none">
+              <a:rPr lang="en" sz="2000" u="none" strike="noStrike" cap="none" dirty="0">
                 <a:solidFill>
                   <a:srgbClr val="FFFFFF"/>
                 </a:solidFill>
@@ -10364,13 +11054,31 @@
               <a:buFont typeface="Cabin"/>
             </a:pPr>
             <a:r>
-              <a:rPr lang="en" sz="2000" u="none" strike="noStrike" cap="none">
+              <a:rPr lang="en" sz="2000" u="none" strike="noStrike" cap="none" dirty="0">
                 <a:solidFill>
                   <a:srgbClr val="FFFFFF"/>
                 </a:solidFill>
                 <a:sym typeface="Cabin"/>
               </a:rPr>
-              <a:t>Uses the Google Geodata API</a:t>
+              <a:t>Uses the Google </a:t>
+            </a:r>
+            <a:r>
+              <a:rPr lang="en" sz="2000" u="none" strike="noStrike" cap="none" dirty="0" err="1">
+                <a:solidFill>
+                  <a:srgbClr val="FFFFFF"/>
+                </a:solidFill>
+                <a:sym typeface="Cabin"/>
+              </a:rPr>
+              <a:t>Geodata</a:t>
+            </a:r>
+            <a:r>
+              <a:rPr lang="en" sz="2000" u="none" strike="noStrike" cap="none" dirty="0">
+                <a:solidFill>
+                  <a:srgbClr val="FFFFFF"/>
+                </a:solidFill>
+                <a:sym typeface="Cabin"/>
+              </a:rPr>
+              <a:t> API</a:t>
             </a:r>
           </a:p>
           <a:p>
@@ -10385,7 +11093,7 @@
               <a:buFont typeface="Cabin"/>
             </a:pPr>
             <a:r>
-              <a:rPr lang="en" sz="2000" u="none" strike="noStrike" cap="none">
+              <a:rPr lang="en" sz="2000" u="none" strike="noStrike" cap="none" dirty="0">
                 <a:solidFill>
                   <a:srgbClr val="FFFFFF"/>
                 </a:solidFill>
@@ -10406,7 +11114,7 @@
               <a:buFont typeface="Cabin"/>
             </a:pPr>
             <a:r>
-              <a:rPr lang="en" sz="2000" u="none" strike="noStrike" cap="none">
+              <a:rPr lang="en" sz="2000" u="none" strike="noStrike" cap="none" dirty="0">
                 <a:solidFill>
                   <a:srgbClr val="FFFFFF"/>
                 </a:solidFill>
@@ -10432,7 +11140,7 @@
         </p:blipFill>
         <p:spPr>
           <a:xfrm>
-            <a:off x="5243105" y="1627615"/>
+            <a:off x="5251127" y="1338857"/>
             <a:ext cx="3598415" cy="2587196"/>
           </a:xfrm>
           <a:prstGeom prst="rect">
@@ -10452,8 +11160,8 @@
         </p:nvSpPr>
         <p:spPr>
           <a:xfrm>
-            <a:off x="4961099" y="4672012"/>
-            <a:ext cx="3996069" cy="282769"/>
+            <a:off x="4930810" y="4262938"/>
+            <a:ext cx="4239048" cy="282769"/>
           </a:xfrm>
           <a:prstGeom prst="rect">
             <a:avLst/>
@@ -11175,7 +11883,7 @@
             </a:avLst>
           </a:prstGeom>
           <a:solidFill>
-            <a:schemeClr val="lt2"/>
+            <a:srgbClr val="92D050"/>
           </a:solidFill>
           <a:ln>
             <a:noFill/>
@@ -11326,7 +12034,7 @@
             </a:avLst>
           </a:prstGeom>
           <a:solidFill>
-            <a:schemeClr val="lt2"/>
+            <a:srgbClr val="92D050"/>
           </a:solidFill>
           <a:ln>
             <a:noFill/>
@@ -11465,8 +12173,8 @@
         </p:nvSpPr>
         <p:spPr>
           <a:xfrm>
-            <a:off x="4961099" y="4672012"/>
-            <a:ext cx="3996069" cy="282769"/>
+            <a:off x="4714661" y="4447422"/>
+            <a:ext cx="4271133" cy="282769"/>
           </a:xfrm>
           <a:prstGeom prst="rect">
             <a:avLst/>
@@ -11490,7 +12198,7 @@
               <a:buNone/>
             </a:pPr>
             <a:r>
-              <a:rPr lang="en" sz="2300" b="0" i="0" u="none" strike="noStrike" cap="none" baseline="30000">
+              <a:rPr lang="en" sz="2300" b="0" i="0" u="none" strike="noStrike" cap="none" baseline="30000" dirty="0">
                 <a:solidFill>
                   <a:srgbClr val="FFFF00"/>
                 </a:solidFill>
@@ -11499,46 +12207,53 @@
                 <a:cs typeface="Helvetica Neue"/>
                 <a:sym typeface="Helvetica Neue"/>
               </a:rPr>
-              <a:t>http://www.pythonlearn.com/code/geodata.zip</a:t>
-            </a:r>
-          </a:p>
-        </p:txBody>
-      </p:sp>
-      <p:sp>
-        <p:nvSpPr>
-          <p:cNvPr id="6" name="Title 5"/>
-          <p:cNvSpPr>
-            <a:spLocks noGrp="1"/>
-          </p:cNvSpPr>
-          <p:nvPr>
-            <p:ph type="title"/>
-          </p:nvPr>
-        </p:nvSpPr>
-        <p:spPr/>
-        <p:txBody>
-          <a:bodyPr/>
-          <a:lstStyle/>
-          <a:p>
-            <a:endParaRPr lang="en-US"/>
-          </a:p>
-        </p:txBody>
-      </p:sp>
-      <p:sp>
-        <p:nvSpPr>
-          <p:cNvPr id="7" name="Text Placeholder 6"/>
-          <p:cNvSpPr>
-            <a:spLocks noGrp="1"/>
-          </p:cNvSpPr>
-          <p:nvPr>
-            <p:ph type="body" idx="1"/>
-          </p:nvPr>
-        </p:nvSpPr>
-        <p:spPr/>
-        <p:txBody>
-          <a:bodyPr/>
-          <a:lstStyle/>
-          <a:p>
-            <a:endParaRPr lang="en-US"/>
+              <a:t>http://</a:t>
+            </a:r>
+            <a:r>
+              <a:rPr lang="en" sz="2300" b="0" i="0" u="none" strike="noStrike" cap="none" baseline="30000" dirty="0" err="1">
+                <a:solidFill>
+                  <a:srgbClr val="FFFF00"/>
+                </a:solidFill>
+                <a:latin typeface="Helvetica Neue"/>
+                <a:ea typeface="Helvetica Neue"/>
+                <a:cs typeface="Helvetica Neue"/>
+                <a:sym typeface="Helvetica Neue"/>
+              </a:rPr>
+              <a:t>www.pythonlearn.com</a:t>
+            </a:r>
+            <a:r>
+              <a:rPr lang="en" sz="2300" b="0" i="0" u="none" strike="noStrike" cap="none" baseline="30000" dirty="0">
+                <a:solidFill>
+                  <a:srgbClr val="FFFF00"/>
+                </a:solidFill>
+                <a:latin typeface="Helvetica Neue"/>
+                <a:ea typeface="Helvetica Neue"/>
+                <a:cs typeface="Helvetica Neue"/>
+                <a:sym typeface="Helvetica Neue"/>
+              </a:rPr>
+              <a:t>/code/</a:t>
+            </a:r>
+            <a:r>
+              <a:rPr lang="en" sz="2300" b="0" i="0" u="none" strike="noStrike" cap="none" baseline="30000" dirty="0" err="1">
+                <a:solidFill>
+                  <a:srgbClr val="FFFF00"/>
+                </a:solidFill>
+                <a:latin typeface="Helvetica Neue"/>
+                <a:ea typeface="Helvetica Neue"/>
+                <a:cs typeface="Helvetica Neue"/>
+                <a:sym typeface="Helvetica Neue"/>
+              </a:rPr>
+              <a:t>geodata.zip</a:t>
+            </a:r>
+            <a:endParaRPr lang="en" sz="2300" b="0" i="0" u="none" strike="noStrike" cap="none" baseline="30000" dirty="0">
+              <a:solidFill>
+                <a:srgbClr val="FFFF00"/>
+              </a:solidFill>
+              <a:latin typeface="Helvetica Neue"/>
+              <a:ea typeface="Helvetica Neue"/>
+              <a:cs typeface="Helvetica Neue"/>
+              <a:sym typeface="Helvetica Neue"/>
+            </a:endParaRPr>
           </a:p>
         </p:txBody>
       </p:sp>
@@ -11578,6 +12293,10 @@
           </p:nvPr>
         </p:nvSpPr>
         <p:spPr>
+          <a:xfrm>
+            <a:off x="650081" y="464695"/>
+            <a:ext cx="4093369" cy="963999"/>
+          </a:xfrm>
           <a:prstGeom prst="rect">
             <a:avLst/>
           </a:prstGeom>
@@ -11622,6 +12341,10 @@
           </p:nvPr>
         </p:nvSpPr>
         <p:spPr>
+          <a:xfrm>
+            <a:off x="650081" y="1464469"/>
+            <a:ext cx="4093369" cy="3207599"/>
+          </a:xfrm>
           <a:prstGeom prst="rect">
             <a:avLst/>
           </a:prstGeom>
@@ -11674,7 +12397,7 @@
               <a:buFont typeface="Cabin"/>
             </a:pPr>
             <a:r>
-              <a:rPr lang="en" sz="2000" u="none" strike="noStrike" cap="none">
+              <a:rPr lang="en" sz="2000" u="none" strike="noStrike" cap="none" dirty="0">
                 <a:solidFill>
                   <a:srgbClr val="FFFFFF"/>
                 </a:solidFill>
@@ -11698,7 +12421,7 @@
               <a:buFont typeface="Cabin"/>
             </a:pPr>
             <a:r>
-              <a:rPr lang="en" sz="2000" u="none" strike="noStrike" cap="none">
+              <a:rPr lang="en" sz="2000" u="none" strike="noStrike" cap="none" dirty="0">
                 <a:solidFill>
                   <a:srgbClr val="FFFFFF"/>
                 </a:solidFill>
@@ -11717,8 +12440,8 @@
         </p:nvSpPr>
         <p:spPr>
           <a:xfrm>
-            <a:off x="4961099" y="4672012"/>
-            <a:ext cx="4102862" cy="282769"/>
+            <a:off x="4719386" y="4375067"/>
+            <a:ext cx="4354351" cy="282769"/>
           </a:xfrm>
           <a:prstGeom prst="rect">
             <a:avLst/>
@@ -11742,7 +12465,7 @@
               <a:buNone/>
             </a:pPr>
             <a:r>
-              <a:rPr lang="en" sz="2300" b="0" i="0" u="none" strike="noStrike" cap="none" baseline="30000">
+              <a:rPr lang="en" sz="2300" b="0" i="0" u="none" strike="noStrike" cap="none" baseline="30000" dirty="0">
                 <a:solidFill>
                   <a:srgbClr val="FFFF00"/>
                 </a:solidFill>
@@ -11751,8 +12474,53 @@
                 <a:cs typeface="Helvetica Neue"/>
                 <a:sym typeface="Helvetica Neue"/>
               </a:rPr>
-              <a:t>http://www.pythonlearn.com/code/pagerank.zip</a:t>
-            </a:r>
+              <a:t>http://</a:t>
+            </a:r>
+            <a:r>
+              <a:rPr lang="en" sz="2300" b="0" i="0" u="none" strike="noStrike" cap="none" baseline="30000" dirty="0" err="1">
+                <a:solidFill>
+                  <a:srgbClr val="FFFF00"/>
+                </a:solidFill>
+                <a:latin typeface="Helvetica Neue"/>
+                <a:ea typeface="Helvetica Neue"/>
+                <a:cs typeface="Helvetica Neue"/>
+                <a:sym typeface="Helvetica Neue"/>
+              </a:rPr>
+              <a:t>www.pythonlearn.com</a:t>
+            </a:r>
+            <a:r>
+              <a:rPr lang="en" sz="2300" b="0" i="0" u="none" strike="noStrike" cap="none" baseline="30000" dirty="0">
+                <a:solidFill>
+                  <a:srgbClr val="FFFF00"/>
+                </a:solidFill>
+                <a:latin typeface="Helvetica Neue"/>
+                <a:ea typeface="Helvetica Neue"/>
+                <a:cs typeface="Helvetica Neue"/>
+                <a:sym typeface="Helvetica Neue"/>
+              </a:rPr>
+              <a:t>/code/</a:t>
+            </a:r>
+            <a:r>
+              <a:rPr lang="en" sz="2300" b="0" i="0" u="none" strike="noStrike" cap="none" baseline="30000" dirty="0" err="1">
+                <a:solidFill>
+                  <a:srgbClr val="FFFF00"/>
+                </a:solidFill>
+                <a:latin typeface="Helvetica Neue"/>
+                <a:ea typeface="Helvetica Neue"/>
+                <a:cs typeface="Helvetica Neue"/>
+                <a:sym typeface="Helvetica Neue"/>
+              </a:rPr>
+              <a:t>pagerank.zip</a:t>
+            </a:r>
+            <a:endParaRPr lang="en" sz="2300" b="0" i="0" u="none" strike="noStrike" cap="none" baseline="30000" dirty="0">
+              <a:solidFill>
+                <a:srgbClr val="FFFF00"/>
+              </a:solidFill>
+              <a:latin typeface="Helvetica Neue"/>
+              <a:ea typeface="Helvetica Neue"/>
+              <a:cs typeface="Helvetica Neue"/>
+              <a:sym typeface="Helvetica Neue"/>
+            </a:endParaRPr>
           </a:p>
         </p:txBody>
       </p:sp>
@@ -11771,7 +12539,7 @@
         </p:blipFill>
         <p:spPr>
           <a:xfrm>
-            <a:off x="5103019" y="1464468"/>
+            <a:off x="5200399" y="711993"/>
             <a:ext cx="3624262" cy="2817608"/>
           </a:xfrm>
           <a:prstGeom prst="rect">
@@ -11956,8 +12724,8 @@
         </p:blipFill>
         <p:spPr>
           <a:xfrm>
-            <a:off x="5743575" y="1521213"/>
-            <a:ext cx="2686049" cy="2986493"/>
+            <a:off x="6334125" y="1521214"/>
+            <a:ext cx="2095499" cy="2329888"/>
           </a:xfrm>
           <a:prstGeom prst="rect">
             <a:avLst/>
@@ -11976,8 +12744,8 @@
         </p:nvSpPr>
         <p:spPr>
           <a:xfrm>
-            <a:off x="1721650" y="4622000"/>
-            <a:ext cx="5682299" cy="350100"/>
+            <a:off x="3886200" y="4086535"/>
+            <a:ext cx="5022699" cy="350100"/>
           </a:xfrm>
           <a:prstGeom prst="rect">
             <a:avLst/>
@@ -12001,7 +12769,7 @@
               <a:buNone/>
             </a:pPr>
             <a:r>
-              <a:rPr lang="en" sz="2000" u="none" strike="noStrike" cap="none">
+              <a:rPr lang="en" sz="1800" u="none" strike="noStrike" cap="none" dirty="0">
                 <a:solidFill>
                   <a:srgbClr val="FFFB00"/>
                 </a:solidFill>
@@ -12010,8 +12778,53 @@
                 <a:cs typeface="Arial Regular" charset="0"/>
                 <a:sym typeface="Cabin"/>
               </a:rPr>
-              <a:t>http://infolab.stanford.edu/~backrub/google.html</a:t>
-            </a:r>
+              <a:t>http://</a:t>
+            </a:r>
+            <a:r>
+              <a:rPr lang="en" sz="1800" u="none" strike="noStrike" cap="none" dirty="0" err="1">
+                <a:solidFill>
+                  <a:srgbClr val="FFFB00"/>
+                </a:solidFill>
+                <a:latin typeface="Arial Regular" charset="0"/>
+                <a:ea typeface="Arial Regular" charset="0"/>
+                <a:cs typeface="Arial Regular" charset="0"/>
+                <a:sym typeface="Cabin"/>
+              </a:rPr>
+              <a:t>infolab.stanford.edu</a:t>
+            </a:r>
+            <a:r>
+              <a:rPr lang="en" sz="1800" u="none" strike="noStrike" cap="none" dirty="0">
+                <a:solidFill>
+                  <a:srgbClr val="FFFB00"/>
+                </a:solidFill>
+                <a:latin typeface="Arial Regular" charset="0"/>
+                <a:ea typeface="Arial Regular" charset="0"/>
+                <a:cs typeface="Arial Regular" charset="0"/>
+                <a:sym typeface="Cabin"/>
+              </a:rPr>
+              <a:t>/~backrub/</a:t>
+            </a:r>
+            <a:r>
+              <a:rPr lang="en" sz="1800" u="none" strike="noStrike" cap="none" dirty="0" err="1">
+                <a:solidFill>
+                  <a:srgbClr val="FFFB00"/>
+                </a:solidFill>
+                <a:latin typeface="Arial Regular" charset="0"/>
+                <a:ea typeface="Arial Regular" charset="0"/>
+                <a:cs typeface="Arial Regular" charset="0"/>
+                <a:sym typeface="Cabin"/>
+              </a:rPr>
+              <a:t>google.html</a:t>
+            </a:r>
+            <a:endParaRPr lang="en" sz="1800" u="none" strike="noStrike" cap="none" dirty="0">
+              <a:solidFill>
+                <a:srgbClr val="FFFB00"/>
+              </a:solidFill>
+              <a:latin typeface="Arial Regular" charset="0"/>
+              <a:ea typeface="Arial Regular" charset="0"/>
+              <a:cs typeface="Arial Regular" charset="0"/>
+              <a:sym typeface="Cabin"/>
+            </a:endParaRPr>
           </a:p>
         </p:txBody>
       </p:sp>
@@ -12048,8 +12861,8 @@
         </p:nvSpPr>
         <p:spPr>
           <a:xfrm>
-            <a:off x="1355812" y="1807368"/>
-            <a:ext cx="6429375" cy="1521619"/>
+            <a:off x="1133475" y="1807368"/>
+            <a:ext cx="6791325" cy="1521619"/>
           </a:xfrm>
           <a:prstGeom prst="rect">
             <a:avLst/>
@@ -12076,7 +12889,7 @@
               <a:buNone/>
             </a:pPr>
             <a:r>
-              <a:rPr lang="en" sz="2000" u="none" strike="noStrike" cap="none">
+              <a:rPr lang="en" sz="2000" u="none" strike="noStrike" cap="none" dirty="0">
                 <a:solidFill>
                   <a:srgbClr val="FFFFFF"/>
                 </a:solidFill>
@@ -12136,32 +12949,13 @@
       </p:sp>
       <p:sp>
         <p:nvSpPr>
-          <p:cNvPr id="4" name="Text Placeholder 3"/>
-          <p:cNvSpPr>
-            <a:spLocks noGrp="1"/>
-          </p:cNvSpPr>
-          <p:nvPr>
-            <p:ph type="body" idx="1"/>
-          </p:nvPr>
-        </p:nvSpPr>
-        <p:spPr/>
-        <p:txBody>
-          <a:bodyPr/>
-          <a:lstStyle/>
-          <a:p>
-            <a:endParaRPr lang="en-US"/>
-          </a:p>
-        </p:txBody>
-      </p:sp>
-      <p:sp>
-        <p:nvSpPr>
           <p:cNvPr id="206" name="Shape 206"/>
           <p:cNvSpPr/>
           <p:nvPr/>
         </p:nvSpPr>
         <p:spPr>
           <a:xfrm>
-            <a:off x="1610949" y="4631525"/>
+            <a:off x="1610949" y="4241000"/>
             <a:ext cx="5666700" cy="350100"/>
           </a:xfrm>
           <a:prstGeom prst="rect">

--- a/lectures3/Pythonlearn-16-Data-Viz.pptx
+++ b/lectures3/Pythonlearn-16-Data-Viz.pptx
@@ -551,13 +551,86 @@
           </a:bodyPr>
           <a:lstStyle/>
           <a:p>
-            <a:pPr lvl="0">
-              <a:spcBef>
-                <a:spcPts val="0"/>
-              </a:spcBef>
+            <a:pPr marL="0" marR="0" lvl="0" indent="0" algn="l" rtl="0">
+              <a:spcBef>
+                <a:spcPts val="0"/>
+              </a:spcBef>
+              <a:buClr>
+                <a:schemeClr val="dk2"/>
+              </a:buClr>
+              <a:buSzPct val="25000"/>
+              <a:buFont typeface="Arial"/>
               <a:buNone/>
             </a:pPr>
-            <a:endParaRPr/>
+            <a:r>
+              <a:rPr lang="en" sz="1100" b="0" i="0" u="none" strike="noStrike" cap="none" dirty="0" smtClean="0">
+                <a:solidFill>
+                  <a:schemeClr val="dk2"/>
+                </a:solidFill>
+                <a:latin typeface="+mn-lt"/>
+                <a:ea typeface="Arial"/>
+                <a:cs typeface="Arial"/>
+                <a:sym typeface="Arial"/>
+              </a:rPr>
+              <a:t>Note from Chuck.  If you are using these materials, you can remove the UM logo and replace it with your own, but please retain the CC-BY logo on the first page as well as retain the </a:t>
+            </a:r>
+            <a:r>
+              <a:rPr lang="en-US" sz="1100" b="0" i="0" u="none" strike="noStrike" cap="none" dirty="0" smtClean="0">
+                <a:solidFill>
+                  <a:schemeClr val="dk2"/>
+                </a:solidFill>
+                <a:latin typeface="+mn-lt"/>
+                <a:ea typeface="Arial"/>
+                <a:cs typeface="Arial"/>
+                <a:sym typeface="Arial"/>
+              </a:rPr>
+              <a:t>acknowledgement </a:t>
+            </a:r>
+            <a:r>
+              <a:rPr lang="en" sz="1100" b="0" i="0" u="none" strike="noStrike" cap="none" dirty="0" smtClean="0">
+                <a:solidFill>
+                  <a:schemeClr val="dk2"/>
+                </a:solidFill>
+                <a:latin typeface="+mn-lt"/>
+                <a:ea typeface="Arial"/>
+                <a:cs typeface="Arial"/>
+                <a:sym typeface="Arial"/>
+              </a:rPr>
+              <a:t>page</a:t>
+            </a:r>
+            <a:r>
+              <a:rPr lang="en-US" sz="1100" b="0" i="0" u="none" strike="noStrike" cap="none" dirty="0" smtClean="0">
+                <a:solidFill>
+                  <a:schemeClr val="dk2"/>
+                </a:solidFill>
+                <a:latin typeface="+mn-lt"/>
+                <a:ea typeface="Arial"/>
+                <a:cs typeface="Arial"/>
+                <a:sym typeface="Arial"/>
+              </a:rPr>
+              <a:t>(s) at the end</a:t>
+            </a:r>
+            <a:r>
+              <a:rPr lang="en" sz="1100" b="0" i="0" u="none" strike="noStrike" cap="none" smtClean="0">
+                <a:solidFill>
+                  <a:schemeClr val="dk2"/>
+                </a:solidFill>
+                <a:latin typeface="+mn-lt"/>
+                <a:ea typeface="Arial"/>
+                <a:cs typeface="Arial"/>
+                <a:sym typeface="Arial"/>
+              </a:rPr>
+              <a:t>.</a:t>
+            </a:r>
+            <a:endParaRPr lang="en" sz="1100" b="0" i="0" u="none" strike="noStrike" cap="none" dirty="0">
+              <a:solidFill>
+                <a:schemeClr val="dk2"/>
+              </a:solidFill>
+              <a:latin typeface="+mn-lt"/>
+              <a:ea typeface="Arial"/>
+              <a:cs typeface="Arial"/>
+              <a:sym typeface="Arial"/>
+            </a:endParaRPr>
           </a:p>
         </p:txBody>
       </p:sp>

--- a/lectures3/Pythonlearn-16-Data-Viz.pptx
+++ b/lectures3/Pythonlearn-16-Data-Viz.pptx
@@ -7074,7 +7074,7 @@
               <a:t>http://</a:t>
             </a:r>
             <a:r>
-              <a:rPr lang="en" sz="2300" b="0" i="0" u="none" strike="noStrike" cap="none" baseline="30000" dirty="0" err="1">
+              <a:rPr lang="en" sz="2300" b="0" i="0" u="none" strike="noStrike" cap="none" baseline="30000" dirty="0" smtClean="0">
                 <a:solidFill>
                   <a:srgbClr val="FFFF00"/>
                 </a:solidFill>
@@ -7083,22 +7083,10 @@
                 <a:cs typeface="Helvetica Neue"/>
                 <a:sym typeface="Helvetica Neue"/>
               </a:rPr>
-              <a:t>www.pythonlearn.com</a:t>
-            </a:r>
-            <a:r>
-              <a:rPr lang="en" sz="2300" b="0" i="0" u="none" strike="noStrike" cap="none" baseline="30000" dirty="0">
-                <a:solidFill>
-                  <a:srgbClr val="FFFF00"/>
-                </a:solidFill>
-                <a:latin typeface="Helvetica Neue"/>
-                <a:ea typeface="Helvetica Neue"/>
-                <a:cs typeface="Helvetica Neue"/>
-                <a:sym typeface="Helvetica Neue"/>
-              </a:rPr>
-              <a:t>/code/</a:t>
-            </a:r>
-            <a:r>
-              <a:rPr lang="en" sz="2300" b="0" i="0" u="none" strike="noStrike" cap="none" baseline="30000" dirty="0" err="1">
+              <a:t>www.py4e.com/code3/</a:t>
+            </a:r>
+            <a:r>
+              <a:rPr lang="en" sz="2300" b="0" i="0" u="none" strike="noStrike" cap="none" baseline="30000" dirty="0" err="1" smtClean="0">
                 <a:solidFill>
                   <a:srgbClr val="FFFF00"/>
                 </a:solidFill>
@@ -7609,7 +7597,7 @@
               <a:t>http://</a:t>
             </a:r>
             <a:r>
-              <a:rPr lang="en" sz="2300" b="0" i="0" u="none" strike="noStrike" cap="none" baseline="30000" dirty="0" err="1">
+              <a:rPr lang="en" sz="2300" b="0" i="0" u="none" strike="noStrike" cap="none" baseline="30000" dirty="0" smtClean="0">
                 <a:solidFill>
                   <a:srgbClr val="FFFF00"/>
                 </a:solidFill>
@@ -7618,22 +7606,10 @@
                 <a:cs typeface="Helvetica Neue"/>
                 <a:sym typeface="Helvetica Neue"/>
               </a:rPr>
-              <a:t>www.pythonlearn.com</a:t>
-            </a:r>
-            <a:r>
-              <a:rPr lang="en" sz="2300" b="0" i="0" u="none" strike="noStrike" cap="none" baseline="30000" dirty="0">
-                <a:solidFill>
-                  <a:srgbClr val="FFFF00"/>
-                </a:solidFill>
-                <a:latin typeface="Helvetica Neue"/>
-                <a:ea typeface="Helvetica Neue"/>
-                <a:cs typeface="Helvetica Neue"/>
-                <a:sym typeface="Helvetica Neue"/>
-              </a:rPr>
-              <a:t>/code/</a:t>
-            </a:r>
-            <a:r>
-              <a:rPr lang="en" sz="2300" b="0" i="0" u="none" strike="noStrike" cap="none" baseline="30000" dirty="0" err="1">
+              <a:t>www.py4e.com/code3/</a:t>
+            </a:r>
+            <a:r>
+              <a:rPr lang="en" sz="2300" b="0" i="0" u="none" strike="noStrike" cap="none" baseline="30000" dirty="0" err="1" smtClean="0">
                 <a:solidFill>
                   <a:srgbClr val="FFFF00"/>
                 </a:solidFill>
@@ -8666,8 +8642,8 @@
         </p:nvSpPr>
         <p:spPr>
           <a:xfrm>
-            <a:off x="7350706" y="161856"/>
-            <a:ext cx="1245610" cy="807422"/>
+            <a:off x="7350706" y="516273"/>
+            <a:ext cx="1245610" cy="580329"/>
           </a:xfrm>
           <a:prstGeom prst="can">
             <a:avLst>
@@ -8716,6 +8692,15 @@
               </a:rPr>
               <a:t>gword.htm</a:t>
             </a:r>
+            <a:endParaRPr lang="en" sz="1500" u="none" strike="noStrike" cap="none" dirty="0">
+              <a:solidFill>
+                <a:srgbClr val="660066"/>
+              </a:solidFill>
+              <a:latin typeface="Arial Regular" charset="0"/>
+              <a:ea typeface="Arial Regular" charset="0"/>
+              <a:cs typeface="Arial Regular" charset="0"/>
+              <a:sym typeface="Cabin"/>
+            </a:endParaRPr>
           </a:p>
           <a:p>
             <a:pPr marL="0" marR="0" lvl="0" indent="0" algn="ctr" rtl="0">
@@ -8736,7 +8721,7 @@
               <a:buNone/>
             </a:pPr>
             <a:r>
-              <a:rPr lang="en" sz="1500" u="none" strike="noStrike" cap="none">
+              <a:rPr lang="en" sz="1500" u="none" strike="noStrike" cap="none" dirty="0">
                 <a:solidFill>
                   <a:srgbClr val="660066"/>
                 </a:solidFill>
@@ -8872,8 +8857,41 @@
                 <a:cs typeface="Helvetica Neue"/>
                 <a:sym typeface="Helvetica Neue"/>
               </a:rPr>
-              <a:t>http://www.pythonlearn.com/code/gmane.zip</a:t>
-            </a:r>
+              <a:t>http://</a:t>
+            </a:r>
+            <a:r>
+              <a:rPr lang="en" sz="2300" b="0" i="0" u="none" strike="noStrike" cap="none" baseline="30000" smtClean="0">
+                <a:solidFill>
+                  <a:srgbClr val="FFFF00"/>
+                </a:solidFill>
+                <a:latin typeface="Helvetica Neue"/>
+                <a:ea typeface="Helvetica Neue"/>
+                <a:cs typeface="Helvetica Neue"/>
+                <a:sym typeface="Helvetica Neue"/>
+              </a:rPr>
+              <a:t>www.py4e.com/code3/</a:t>
+            </a:r>
+            <a:r>
+              <a:rPr lang="en" sz="2300" b="0" i="0" u="none" strike="noStrike" cap="none" baseline="30000" dirty="0" err="1" smtClean="0">
+                <a:solidFill>
+                  <a:srgbClr val="FFFF00"/>
+                </a:solidFill>
+                <a:latin typeface="Helvetica Neue"/>
+                <a:ea typeface="Helvetica Neue"/>
+                <a:cs typeface="Helvetica Neue"/>
+                <a:sym typeface="Helvetica Neue"/>
+              </a:rPr>
+              <a:t>gmane.zip</a:t>
+            </a:r>
+            <a:endParaRPr lang="en" sz="2300" b="0" i="0" u="none" strike="noStrike" cap="none" baseline="30000" dirty="0">
+              <a:solidFill>
+                <a:srgbClr val="FFFF00"/>
+              </a:solidFill>
+              <a:latin typeface="Helvetica Neue"/>
+              <a:ea typeface="Helvetica Neue"/>
+              <a:cs typeface="Helvetica Neue"/>
+              <a:sym typeface="Helvetica Neue"/>
+            </a:endParaRPr>
           </a:p>
         </p:txBody>
       </p:sp>
@@ -9179,8 +9197,8 @@
         </p:nvSpPr>
         <p:spPr>
           <a:xfrm>
-            <a:off x="7355205" y="3944313"/>
-            <a:ext cx="1245610" cy="807422"/>
+            <a:off x="7355205" y="4013763"/>
+            <a:ext cx="1245610" cy="638976"/>
           </a:xfrm>
           <a:prstGeom prst="can">
             <a:avLst>
@@ -9604,7 +9622,7 @@
               <a:buNone/>
             </a:pPr>
             <a:r>
-              <a:rPr lang="en" sz="1000" b="0" i="0" u="none" strike="noStrike" cap="none" dirty="0" err="1">
+              <a:rPr lang="en" sz="1000" b="0" i="0" u="none" strike="noStrike" cap="none" dirty="0" err="1" smtClean="0">
                 <a:solidFill>
                   <a:srgbClr val="FFFFFF"/>
                 </a:solidFill>
@@ -9616,7 +9634,7 @@
               <a:t>Thes</a:t>
             </a:r>
             <a:r>
-              <a:rPr lang="en" sz="1000" b="0" i="0" u="none" strike="noStrike" cap="none" dirty="0">
+              <a:rPr lang="en-US" sz="1000" b="0" i="0" u="none" strike="noStrike" cap="none" dirty="0" smtClean="0">
                 <a:solidFill>
                   <a:srgbClr val="FFFFFF"/>
                 </a:solidFill>
@@ -9625,7 +9643,55 @@
                 <a:cs typeface="Helvetica Neue"/>
                 <a:sym typeface="Helvetica Neue"/>
               </a:rPr>
-              <a:t> slide are Copyright 2010-  Charles R. Severance (</a:t>
+              <a:t>e</a:t>
+            </a:r>
+            <a:r>
+              <a:rPr lang="en" sz="1000" b="0" i="0" u="none" strike="noStrike" cap="none" dirty="0" smtClean="0">
+                <a:solidFill>
+                  <a:srgbClr val="FFFFFF"/>
+                </a:solidFill>
+                <a:latin typeface="Helvetica Neue"/>
+                <a:ea typeface="Helvetica Neue"/>
+                <a:cs typeface="Helvetica Neue"/>
+                <a:sym typeface="Helvetica Neue"/>
+              </a:rPr>
+              <a:t> slide</a:t>
+            </a:r>
+            <a:r>
+              <a:rPr lang="en-US" sz="1000" b="0" i="0" u="none" strike="noStrike" cap="none" smtClean="0">
+                <a:solidFill>
+                  <a:srgbClr val="FFFFFF"/>
+                </a:solidFill>
+                <a:latin typeface="Helvetica Neue"/>
+                <a:ea typeface="Helvetica Neue"/>
+                <a:cs typeface="Helvetica Neue"/>
+                <a:sym typeface="Helvetica Neue"/>
+              </a:rPr>
+              <a:t>s</a:t>
+            </a:r>
+            <a:r>
+              <a:rPr lang="en" sz="1000" b="0" i="0" u="none" strike="noStrike" cap="none" smtClean="0">
+                <a:solidFill>
+                  <a:srgbClr val="FFFFFF"/>
+                </a:solidFill>
+                <a:latin typeface="Helvetica Neue"/>
+                <a:ea typeface="Helvetica Neue"/>
+                <a:cs typeface="Helvetica Neue"/>
+                <a:sym typeface="Helvetica Neue"/>
+              </a:rPr>
+              <a:t> </a:t>
+            </a:r>
+            <a:r>
+              <a:rPr lang="en" sz="1000" b="0" i="0" u="none" strike="noStrike" cap="none" dirty="0">
+                <a:solidFill>
+                  <a:srgbClr val="FFFFFF"/>
+                </a:solidFill>
+                <a:latin typeface="Helvetica Neue"/>
+                <a:ea typeface="Helvetica Neue"/>
+                <a:cs typeface="Helvetica Neue"/>
+                <a:sym typeface="Helvetica Neue"/>
+              </a:rPr>
+              <a:t>are Copyright 2010-  Charles R. Severance (</a:t>
             </a:r>
             <a:r>
               <a:rPr lang="en" sz="1000" b="0" i="0" u="sng" strike="noStrike" cap="none" dirty="0">
@@ -11258,7 +11324,7 @@
               <a:buNone/>
             </a:pPr>
             <a:r>
-              <a:rPr lang="en" sz="2300" b="0" i="0" u="none" strike="noStrike" cap="none" baseline="30000">
+              <a:rPr lang="en" sz="2300" b="0" i="0" u="none" strike="noStrike" cap="none" baseline="30000" dirty="0">
                 <a:solidFill>
                   <a:srgbClr val="FFFF00"/>
                 </a:solidFill>
@@ -11267,8 +11333,41 @@
                 <a:cs typeface="Helvetica Neue"/>
                 <a:sym typeface="Helvetica Neue"/>
               </a:rPr>
-              <a:t>http://www.pythonlearn.com/code/geodata.zip</a:t>
-            </a:r>
+              <a:t>http://</a:t>
+            </a:r>
+            <a:r>
+              <a:rPr lang="en" sz="2300" b="0" i="0" u="none" strike="noStrike" cap="none" baseline="30000" dirty="0" smtClean="0">
+                <a:solidFill>
+                  <a:srgbClr val="FFFF00"/>
+                </a:solidFill>
+                <a:latin typeface="Helvetica Neue"/>
+                <a:ea typeface="Helvetica Neue"/>
+                <a:cs typeface="Helvetica Neue"/>
+                <a:sym typeface="Helvetica Neue"/>
+              </a:rPr>
+              <a:t>www.py4e.com/code3/</a:t>
+            </a:r>
+            <a:r>
+              <a:rPr lang="en" sz="2300" b="0" i="0" u="none" strike="noStrike" cap="none" baseline="30000" dirty="0" err="1" smtClean="0">
+                <a:solidFill>
+                  <a:srgbClr val="FFFF00"/>
+                </a:solidFill>
+                <a:latin typeface="Helvetica Neue"/>
+                <a:ea typeface="Helvetica Neue"/>
+                <a:cs typeface="Helvetica Neue"/>
+                <a:sym typeface="Helvetica Neue"/>
+              </a:rPr>
+              <a:t>geodata.zip</a:t>
+            </a:r>
+            <a:endParaRPr lang="en" sz="2300" b="0" i="0" u="none" strike="noStrike" cap="none" baseline="30000" dirty="0">
+              <a:solidFill>
+                <a:srgbClr val="FFFF00"/>
+              </a:solidFill>
+              <a:latin typeface="Helvetica Neue"/>
+              <a:ea typeface="Helvetica Neue"/>
+              <a:cs typeface="Helvetica Neue"/>
+              <a:sym typeface="Helvetica Neue"/>
+            </a:endParaRPr>
           </a:p>
         </p:txBody>
       </p:sp>
@@ -11305,7 +11404,7 @@
         </p:nvSpPr>
         <p:spPr>
           <a:xfrm>
-            <a:off x="3540216" y="1919661"/>
+            <a:off x="3540216" y="1896511"/>
             <a:ext cx="1476374" cy="449587"/>
           </a:xfrm>
           <a:prstGeom prst="can">
@@ -11376,7 +11475,7 @@
         </p:blipFill>
         <p:spPr>
           <a:xfrm>
-            <a:off x="7119832" y="1590570"/>
+            <a:off x="7119832" y="1567420"/>
             <a:ext cx="1857375" cy="1335419"/>
           </a:xfrm>
           <a:prstGeom prst="rect">
@@ -11398,7 +11497,7 @@
         </p:nvCxnSpPr>
         <p:spPr>
           <a:xfrm>
-            <a:off x="1875516" y="2144454"/>
+            <a:off x="1875516" y="2121304"/>
             <a:ext cx="1664699" cy="0"/>
           </a:xfrm>
           <a:prstGeom prst="straightConnector1">
@@ -11424,7 +11523,7 @@
         </p:nvSpPr>
         <p:spPr>
           <a:xfrm>
-            <a:off x="2030419" y="1934460"/>
+            <a:off x="2030419" y="1911310"/>
             <a:ext cx="1197443" cy="334707"/>
           </a:xfrm>
           <a:prstGeom prst="rect">
@@ -11489,7 +11588,7 @@
         </p:nvCxnSpPr>
         <p:spPr>
           <a:xfrm flipH="1">
-            <a:off x="2629141" y="2842846"/>
+            <a:off x="2629141" y="2819696"/>
             <a:ext cx="982011" cy="597837"/>
           </a:xfrm>
           <a:prstGeom prst="straightConnector1">
@@ -11517,7 +11616,7 @@
         </p:nvCxnSpPr>
         <p:spPr>
           <a:xfrm>
-            <a:off x="4278403" y="2369248"/>
+            <a:off x="4278403" y="2346098"/>
             <a:ext cx="0" cy="306300"/>
           </a:xfrm>
           <a:prstGeom prst="straightConnector1">
@@ -11543,7 +11642,7 @@
         </p:nvSpPr>
         <p:spPr>
           <a:xfrm>
-            <a:off x="3469274" y="2675500"/>
+            <a:off x="3469274" y="2652350"/>
             <a:ext cx="1476300" cy="334799"/>
           </a:xfrm>
           <a:prstGeom prst="rect">
@@ -11602,7 +11701,7 @@
         </p:nvSpPr>
         <p:spPr>
           <a:xfrm>
-            <a:off x="391842" y="3440684"/>
+            <a:off x="391842" y="3417534"/>
             <a:ext cx="4474596" cy="1460015"/>
           </a:xfrm>
           <a:prstGeom prst="rect">
@@ -11947,7 +12046,7 @@
         </p:nvSpPr>
         <p:spPr>
           <a:xfrm>
-            <a:off x="1875639" y="810817"/>
+            <a:off x="1875639" y="787667"/>
             <a:ext cx="1476374" cy="449587"/>
           </a:xfrm>
           <a:prstGeom prst="can">
@@ -12011,7 +12110,7 @@
         </p:nvCxnSpPr>
         <p:spPr>
           <a:xfrm>
-            <a:off x="2613826" y="1260405"/>
+            <a:off x="2613826" y="1237255"/>
             <a:ext cx="15300" cy="674100"/>
           </a:xfrm>
           <a:prstGeom prst="straightConnector1">
@@ -12037,7 +12136,7 @@
         </p:nvSpPr>
         <p:spPr>
           <a:xfrm>
-            <a:off x="5528861" y="2237297"/>
+            <a:off x="5528861" y="2214147"/>
             <a:ext cx="1171708" cy="449587"/>
           </a:xfrm>
           <a:prstGeom prst="can">
@@ -12098,7 +12197,7 @@
         </p:nvSpPr>
         <p:spPr>
           <a:xfrm>
-            <a:off x="7425714" y="586023"/>
+            <a:off x="7425714" y="562873"/>
             <a:ext cx="1245610" cy="449587"/>
           </a:xfrm>
           <a:prstGeom prst="can">
@@ -12162,7 +12261,7 @@
         </p:nvCxnSpPr>
         <p:spPr>
           <a:xfrm rot="10800000" flipH="1">
-            <a:off x="4945574" y="2462199"/>
+            <a:off x="4945574" y="2439049"/>
             <a:ext cx="583200" cy="380700"/>
           </a:xfrm>
           <a:prstGeom prst="straightConnector1">
@@ -12191,7 +12290,7 @@
         </p:nvCxnSpPr>
         <p:spPr>
           <a:xfrm rot="10800000" flipH="1">
-            <a:off x="6700569" y="2258391"/>
+            <a:off x="6700569" y="2235241"/>
             <a:ext cx="419400" cy="203700"/>
           </a:xfrm>
           <a:prstGeom prst="straightConnector1">
@@ -12220,7 +12319,7 @@
         </p:nvCxnSpPr>
         <p:spPr>
           <a:xfrm>
-            <a:off x="8048520" y="1035611"/>
+            <a:off x="8048520" y="1012461"/>
             <a:ext cx="0" cy="555000"/>
           </a:xfrm>
           <a:prstGeom prst="straightConnector1">
@@ -12246,7 +12345,7 @@
         </p:nvSpPr>
         <p:spPr>
           <a:xfrm>
-            <a:off x="4714661" y="4447422"/>
+            <a:off x="4714661" y="4424272"/>
             <a:ext cx="4271133" cy="282769"/>
           </a:xfrm>
           <a:prstGeom prst="rect">
@@ -12283,7 +12382,7 @@
               <a:t>http://</a:t>
             </a:r>
             <a:r>
-              <a:rPr lang="en" sz="2300" b="0" i="0" u="none" strike="noStrike" cap="none" baseline="30000" dirty="0" err="1">
+              <a:rPr lang="en" sz="2300" b="0" i="0" u="none" strike="noStrike" cap="none" baseline="30000" dirty="0" smtClean="0">
                 <a:solidFill>
                   <a:srgbClr val="FFFF00"/>
                 </a:solidFill>
@@ -12292,22 +12391,10 @@
                 <a:cs typeface="Helvetica Neue"/>
                 <a:sym typeface="Helvetica Neue"/>
               </a:rPr>
-              <a:t>www.pythonlearn.com</a:t>
-            </a:r>
-            <a:r>
-              <a:rPr lang="en" sz="2300" b="0" i="0" u="none" strike="noStrike" cap="none" baseline="30000" dirty="0">
-                <a:solidFill>
-                  <a:srgbClr val="FFFF00"/>
-                </a:solidFill>
-                <a:latin typeface="Helvetica Neue"/>
-                <a:ea typeface="Helvetica Neue"/>
-                <a:cs typeface="Helvetica Neue"/>
-                <a:sym typeface="Helvetica Neue"/>
-              </a:rPr>
-              <a:t>/code/</a:t>
-            </a:r>
-            <a:r>
-              <a:rPr lang="en" sz="2300" b="0" i="0" u="none" strike="noStrike" cap="none" baseline="30000" dirty="0" err="1">
+              <a:t>www.py4e.com/code3/</a:t>
+            </a:r>
+            <a:r>
+              <a:rPr lang="en" sz="2300" b="0" i="0" u="none" strike="noStrike" cap="none" baseline="30000" dirty="0" err="1" smtClean="0">
                 <a:solidFill>
                   <a:srgbClr val="FFFF00"/>
                 </a:solidFill>
@@ -12550,7 +12637,7 @@
               <a:t>http://</a:t>
             </a:r>
             <a:r>
-              <a:rPr lang="en" sz="2300" b="0" i="0" u="none" strike="noStrike" cap="none" baseline="30000" dirty="0" err="1">
+              <a:rPr lang="en" sz="2300" b="0" i="0" u="none" strike="noStrike" cap="none" baseline="30000" dirty="0" smtClean="0">
                 <a:solidFill>
                   <a:srgbClr val="FFFF00"/>
                 </a:solidFill>
@@ -12559,22 +12646,10 @@
                 <a:cs typeface="Helvetica Neue"/>
                 <a:sym typeface="Helvetica Neue"/>
               </a:rPr>
-              <a:t>www.pythonlearn.com</a:t>
-            </a:r>
-            <a:r>
-              <a:rPr lang="en" sz="2300" b="0" i="0" u="none" strike="noStrike" cap="none" baseline="30000" dirty="0">
-                <a:solidFill>
-                  <a:srgbClr val="FFFF00"/>
-                </a:solidFill>
-                <a:latin typeface="Helvetica Neue"/>
-                <a:ea typeface="Helvetica Neue"/>
-                <a:cs typeface="Helvetica Neue"/>
-                <a:sym typeface="Helvetica Neue"/>
-              </a:rPr>
-              <a:t>/code/</a:t>
-            </a:r>
-            <a:r>
-              <a:rPr lang="en" sz="2300" b="0" i="0" u="none" strike="noStrike" cap="none" baseline="30000" dirty="0" err="1">
+              <a:t>www.py4e.com/code3/</a:t>
+            </a:r>
+            <a:r>
+              <a:rPr lang="en" sz="2300" b="0" i="0" u="none" strike="noStrike" cap="none" baseline="30000" dirty="0" err="1" smtClean="0">
                 <a:solidFill>
                   <a:srgbClr val="FFFF00"/>
                 </a:solidFill>

--- a/lectures3/Pythonlearn-16-Data-Viz.pptx
+++ b/lectures3/Pythonlearn-16-Data-Viz.pptx
@@ -8133,7 +8133,7 @@
               <a:buNone/>
             </a:pPr>
             <a:r>
-              <a:rPr lang="en" sz="1500" u="none" strike="noStrike" cap="none">
+              <a:rPr lang="en" sz="1500" u="none" strike="noStrike" cap="none" dirty="0" err="1">
                 <a:solidFill>
                   <a:srgbClr val="660066"/>
                 </a:solidFill>
@@ -8144,6 +8144,15 @@
               </a:rPr>
               <a:t>content.sqlite</a:t>
             </a:r>
+            <a:endParaRPr lang="en" sz="1500" u="none" strike="noStrike" cap="none" dirty="0">
+              <a:solidFill>
+                <a:srgbClr val="660066"/>
+              </a:solidFill>
+              <a:latin typeface="Arial Regular" charset="0"/>
+              <a:ea typeface="Arial Regular" charset="0"/>
+              <a:cs typeface="Arial Regular" charset="0"/>
+              <a:sym typeface="Cabin"/>
+            </a:endParaRPr>
           </a:p>
         </p:txBody>
       </p:sp>
@@ -8962,7 +8971,7 @@
         </p:nvSpPr>
         <p:spPr>
           <a:xfrm>
-            <a:off x="3942749" y="1121325"/>
+            <a:off x="3942749" y="1202350"/>
             <a:ext cx="1245599" cy="334799"/>
           </a:xfrm>
           <a:prstGeom prst="rect">
@@ -9485,7 +9494,7 @@
               <a:buNone/>
             </a:pPr>
             <a:r>
-              <a:rPr lang="en" sz="1500" u="none" strike="noStrike" cap="none" dirty="0" err="1">
+              <a:rPr lang="en-US" sz="1500" u="none" strike="noStrike" cap="none" smtClean="0">
                 <a:solidFill>
                   <a:srgbClr val="660066"/>
                 </a:solidFill>
@@ -9494,7 +9503,31 @@
                 <a:cs typeface="Arial Regular" charset="0"/>
                 <a:sym typeface="Cabin"/>
               </a:rPr>
-              <a:t>content.sqlite</a:t>
+              <a:t>index</a:t>
+            </a:r>
+            <a:r>
+              <a:rPr lang="en" sz="1500" u="none" strike="noStrike" cap="none" dirty="0" smtClean="0">
+                <a:solidFill>
+                  <a:srgbClr val="660066"/>
+                </a:solidFill>
+                <a:latin typeface="Arial Regular" charset="0"/>
+                <a:ea typeface="Arial Regular" charset="0"/>
+                <a:cs typeface="Arial Regular" charset="0"/>
+                <a:sym typeface="Cabin"/>
+              </a:rPr>
+              <a:t>.</a:t>
+            </a:r>
+            <a:r>
+              <a:rPr lang="en" sz="1500" u="none" strike="noStrike" cap="none" dirty="0" err="1" smtClean="0">
+                <a:solidFill>
+                  <a:srgbClr val="660066"/>
+                </a:solidFill>
+                <a:latin typeface="Arial Regular" charset="0"/>
+                <a:ea typeface="Arial Regular" charset="0"/>
+                <a:cs typeface="Arial Regular" charset="0"/>
+                <a:sym typeface="Cabin"/>
+              </a:rPr>
+              <a:t>sqlite</a:t>
             </a:r>
             <a:endParaRPr lang="en" sz="1500" u="none" strike="noStrike" cap="none" dirty="0">
               <a:solidFill>
@@ -9508,6 +9541,132 @@
           </a:p>
         </p:txBody>
       </p:sp>
+      <p:sp>
+        <p:nvSpPr>
+          <p:cNvPr id="28" name="Shape 306"/>
+          <p:cNvSpPr/>
+          <p:nvPr/>
+        </p:nvSpPr>
+        <p:spPr>
+          <a:xfrm>
+            <a:off x="1966893" y="1388641"/>
+            <a:ext cx="1476374" cy="449587"/>
+          </a:xfrm>
+          <a:prstGeom prst="can">
+            <a:avLst>
+              <a:gd name="adj" fmla="val 25000"/>
+            </a:avLst>
+          </a:prstGeom>
+          <a:blipFill rotWithShape="1">
+            <a:blip r:embed="rId4">
+              <a:alphaModFix/>
+            </a:blip>
+            <a:tile tx="0" ty="0" sx="100000" sy="100000" flip="none" algn="tl"/>
+          </a:blipFill>
+          <a:ln>
+            <a:noFill/>
+          </a:ln>
+        </p:spPr>
+        <p:txBody>
+          <a:bodyPr lIns="28575" tIns="28575" rIns="28575" bIns="28575" anchor="ctr" anchorCtr="0">
+            <a:noAutofit/>
+          </a:bodyPr>
+          <a:lstStyle/>
+          <a:p>
+            <a:pPr marL="0" marR="0" lvl="0" indent="0" algn="ctr" rtl="0">
+              <a:lnSpc>
+                <a:spcPct val="100000"/>
+              </a:lnSpc>
+              <a:spcBef>
+                <a:spcPts val="0"/>
+              </a:spcBef>
+              <a:spcAft>
+                <a:spcPts val="0"/>
+              </a:spcAft>
+              <a:buClr>
+                <a:srgbClr val="660066"/>
+              </a:buClr>
+              <a:buSzPct val="25000"/>
+              <a:buFont typeface="Cabin"/>
+              <a:buNone/>
+            </a:pPr>
+            <a:r>
+              <a:rPr lang="en-US" sz="1500" u="none" strike="noStrike" cap="none" dirty="0" smtClean="0">
+                <a:solidFill>
+                  <a:srgbClr val="660066"/>
+                </a:solidFill>
+                <a:latin typeface="Arial Regular" charset="0"/>
+                <a:ea typeface="Arial Regular" charset="0"/>
+                <a:cs typeface="Arial Regular" charset="0"/>
+                <a:sym typeface="Cabin"/>
+              </a:rPr>
+              <a:t>mapping</a:t>
+            </a:r>
+            <a:r>
+              <a:rPr lang="en" sz="1500" u="none" strike="noStrike" cap="none" dirty="0" smtClean="0">
+                <a:solidFill>
+                  <a:srgbClr val="660066"/>
+                </a:solidFill>
+                <a:latin typeface="Arial Regular" charset="0"/>
+                <a:ea typeface="Arial Regular" charset="0"/>
+                <a:cs typeface="Arial Regular" charset="0"/>
+                <a:sym typeface="Cabin"/>
+              </a:rPr>
+              <a:t>.</a:t>
+            </a:r>
+            <a:r>
+              <a:rPr lang="en" sz="1500" u="none" strike="noStrike" cap="none" dirty="0" err="1" smtClean="0">
+                <a:solidFill>
+                  <a:srgbClr val="660066"/>
+                </a:solidFill>
+                <a:latin typeface="Arial Regular" charset="0"/>
+                <a:ea typeface="Arial Regular" charset="0"/>
+                <a:cs typeface="Arial Regular" charset="0"/>
+                <a:sym typeface="Cabin"/>
+              </a:rPr>
+              <a:t>sqlite</a:t>
+            </a:r>
+            <a:endParaRPr lang="en" sz="1500" u="none" strike="noStrike" cap="none" dirty="0">
+              <a:solidFill>
+                <a:srgbClr val="660066"/>
+              </a:solidFill>
+              <a:latin typeface="Arial Regular" charset="0"/>
+              <a:ea typeface="Arial Regular" charset="0"/>
+              <a:cs typeface="Arial Regular" charset="0"/>
+              <a:sym typeface="Cabin"/>
+            </a:endParaRPr>
+          </a:p>
+        </p:txBody>
+      </p:sp>
+      <p:cxnSp>
+        <p:nvCxnSpPr>
+          <p:cNvPr id="29" name="Shape 301"/>
+          <p:cNvCxnSpPr>
+            <a:stCxn id="28" idx="4"/>
+            <a:endCxn id="305" idx="1"/>
+          </p:cNvCxnSpPr>
+          <p:nvPr/>
+        </p:nvCxnSpPr>
+        <p:spPr>
+          <a:xfrm flipV="1">
+            <a:off x="3443267" y="1369750"/>
+            <a:ext cx="499482" cy="243685"/>
+          </a:xfrm>
+          <a:prstGeom prst="straightConnector1">
+            <a:avLst/>
+          </a:prstGeom>
+          <a:noFill/>
+          <a:ln w="76200" cap="flat" cmpd="sng">
+            <a:solidFill>
+              <a:srgbClr val="773F9B"/>
+            </a:solidFill>
+            <a:prstDash val="solid"/>
+            <a:miter/>
+            <a:headEnd type="none" w="med" len="med"/>
+            <a:tailEnd type="triangle" w="lg" len="lg"/>
+          </a:ln>
+        </p:spPr>
+      </p:cxnSp>
     </p:spTree>
   </p:cSld>
   <p:clrMapOvr>

--- a/lectures3/Pythonlearn-16-Data-Viz.pptx
+++ b/lectures3/Pythonlearn-16-Data-Viz.pptx
@@ -2807,7 +2807,7 @@
             </a:lvl9pPr>
           </a:lstStyle>
           <a:p>
-            <a:endParaRPr/>
+            <a:endParaRPr dirty="0"/>
           </a:p>
         </p:txBody>
       </p:sp>
@@ -3545,7 +3545,7 @@
             </a:lvl9pPr>
           </a:lstStyle>
           <a:p>
-            <a:endParaRPr/>
+            <a:endParaRPr dirty="0"/>
           </a:p>
         </p:txBody>
       </p:sp>
@@ -3658,7 +3658,7 @@
             </a:lvl9pPr>
           </a:lstStyle>
           <a:p>
-            <a:endParaRPr/>
+            <a:endParaRPr dirty="0"/>
           </a:p>
         </p:txBody>
       </p:sp>
@@ -3679,9 +3679,7 @@
             <a:avLst/>
           </a:prstGeom>
           <a:solidFill>
-            <a:schemeClr val="tx1">
-              <a:lumMod val="75000"/>
-            </a:schemeClr>
+            <a:schemeClr val="bg2"/>
           </a:solidFill>
           <a:ln>
             <a:noFill/>
@@ -3831,9 +3829,7 @@
             <a:avLst/>
           </a:prstGeom>
           <a:solidFill>
-            <a:schemeClr val="tx1">
-              <a:lumMod val="75000"/>
-            </a:schemeClr>
+            <a:schemeClr val="bg2"/>
           </a:solidFill>
           <a:ln>
             <a:noFill/>
@@ -4005,9 +4001,9 @@
           <a:spcPts val="0"/>
         </a:spcAft>
         <a:buNone/>
-        <a:defRPr sz="788" b="0" i="0" u="none" strike="noStrike" cap="none">
+        <a:defRPr sz="6000" b="0" i="0" u="none" strike="noStrike" cap="none">
           <a:solidFill>
-            <a:srgbClr val="000000"/>
+            <a:srgbClr val="FFFF00"/>
           </a:solidFill>
           <a:latin typeface="Arial"/>
           <a:ea typeface="Arial"/>
@@ -4039,7 +4035,7 @@
           <a:spcPts val="0"/>
         </a:spcAft>
         <a:buNone/>
-        <a:defRPr sz="788" b="0" i="0" u="none" strike="noStrike" cap="none">
+        <a:defRPr sz="2800" b="0" i="0" u="none" strike="noStrike" cap="none">
           <a:solidFill>
             <a:srgbClr val="000000"/>
           </a:solidFill>
@@ -4689,6 +4685,13 @@
   <p:clrMapOvr>
     <a:masterClrMapping/>
   </p:clrMapOvr>
+  <p:timing>
+    <p:tnLst>
+      <p:par>
+        <p:cTn id="1" dur="indefinite" restart="never" nodeType="tmRoot"/>
+      </p:par>
+    </p:tnLst>
+  </p:timing>
 </p:sld>
 </file>
 
@@ -5022,6 +5025,13 @@
   <p:clrMapOvr>
     <a:masterClrMapping/>
   </p:clrMapOvr>
+  <p:timing>
+    <p:tnLst>
+      <p:par>
+        <p:cTn id="1" dur="indefinite" restart="never" nodeType="tmRoot"/>
+      </p:par>
+    </p:tnLst>
+  </p:timing>
 </p:sld>
 </file>
 
@@ -5261,6 +5271,13 @@
   <p:clrMapOvr>
     <a:masterClrMapping/>
   </p:clrMapOvr>
+  <p:timing>
+    <p:tnLst>
+      <p:par>
+        <p:cTn id="1" dur="indefinite" restart="never" nodeType="tmRoot"/>
+      </p:par>
+    </p:tnLst>
+  </p:timing>
 </p:sld>
 </file>
 
@@ -5760,6 +5777,13 @@
   <p:clrMapOvr>
     <a:masterClrMapping/>
   </p:clrMapOvr>
+  <p:timing>
+    <p:tnLst>
+      <p:par>
+        <p:cTn id="1" dur="indefinite" restart="never" nodeType="tmRoot"/>
+      </p:par>
+    </p:tnLst>
+  </p:timing>
 </p:sld>
 </file>
 
@@ -6041,6 +6065,13 @@
   <p:clrMapOvr>
     <a:masterClrMapping/>
   </p:clrMapOvr>
+  <p:timing>
+    <p:tnLst>
+      <p:par>
+        <p:cTn id="1" dur="indefinite" restart="never" nodeType="tmRoot"/>
+      </p:par>
+    </p:tnLst>
+  </p:timing>
 </p:sld>
 </file>
 
@@ -6255,6 +6286,13 @@
   <p:clrMapOvr>
     <a:masterClrMapping/>
   </p:clrMapOvr>
+  <p:timing>
+    <p:tnLst>
+      <p:par>
+        <p:cTn id="1" dur="indefinite" restart="never" nodeType="tmRoot"/>
+      </p:par>
+    </p:tnLst>
+  </p:timing>
 </p:sld>
 </file>
 
@@ -6350,14 +6388,14 @@
         </p:nvCxnSpPr>
         <p:spPr>
           <a:xfrm>
-            <a:off x="1971198" y="1761627"/>
-            <a:ext cx="1866600" cy="1800"/>
+            <a:off x="1971198" y="1761626"/>
+            <a:ext cx="1866678" cy="1823"/>
           </a:xfrm>
           <a:prstGeom prst="straightConnector1">
             <a:avLst/>
           </a:prstGeom>
           <a:noFill/>
-          <a:ln w="76200" cap="flat" cmpd="sng">
+          <a:ln w="38100" cap="flat" cmpd="sng">
             <a:solidFill>
               <a:srgbClr val="773F9B"/>
             </a:solidFill>
@@ -6376,7 +6414,7 @@
         </p:nvSpPr>
         <p:spPr>
           <a:xfrm>
-            <a:off x="2130604" y="1553454"/>
+            <a:off x="2298226" y="1584804"/>
             <a:ext cx="1002599" cy="334799"/>
           </a:xfrm>
           <a:prstGeom prst="rect">
@@ -6459,7 +6497,7 @@
             <a:avLst/>
           </a:prstGeom>
           <a:noFill/>
-          <a:ln w="76200" cap="flat" cmpd="sng">
+          <a:ln w="38100" cap="flat" cmpd="sng">
             <a:solidFill>
               <a:srgbClr val="773F9B"/>
             </a:solidFill>
@@ -6961,7 +6999,7 @@
             <a:avLst/>
           </a:prstGeom>
           <a:noFill/>
-          <a:ln w="76200" cap="flat" cmpd="sng">
+          <a:ln w="38100" cap="flat" cmpd="sng">
             <a:solidFill>
               <a:srgbClr val="773F9B"/>
             </a:solidFill>
@@ -6989,7 +7027,7 @@
             <a:avLst/>
           </a:prstGeom>
           <a:noFill/>
-          <a:ln w="76200" cap="flat" cmpd="sng">
+          <a:ln w="38100" cap="flat" cmpd="sng">
             <a:solidFill>
               <a:srgbClr val="773F9B"/>
             </a:solidFill>
@@ -7018,7 +7056,7 @@
             <a:avLst/>
           </a:prstGeom>
           <a:noFill/>
-          <a:ln w="76200" cap="flat" cmpd="sng">
+          <a:ln w="38100" cap="flat" cmpd="sng">
             <a:solidFill>
               <a:srgbClr val="773F9B"/>
             </a:solidFill>
@@ -7245,7 +7283,7 @@
             <a:avLst/>
           </a:prstGeom>
           <a:noFill/>
-          <a:ln w="76200" cap="flat" cmpd="sng">
+          <a:ln w="38100" cap="flat" cmpd="sng">
             <a:solidFill>
               <a:srgbClr val="773F9B"/>
             </a:solidFill>
@@ -7274,7 +7312,7 @@
             <a:avLst/>
           </a:prstGeom>
           <a:noFill/>
-          <a:ln w="76200" cap="flat" cmpd="sng">
+          <a:ln w="38100" cap="flat" cmpd="sng">
             <a:solidFill>
               <a:srgbClr val="773F9B"/>
             </a:solidFill>
@@ -7376,6 +7414,13 @@
   <p:clrMapOvr>
     <a:masterClrMapping/>
   </p:clrMapOvr>
+  <p:timing>
+    <p:tnLst>
+      <p:par>
+        <p:cTn id="1" dur="indefinite" restart="never" nodeType="tmRoot"/>
+      </p:par>
+    </p:tnLst>
+  </p:timing>
 </p:sld>
 </file>
 
@@ -7664,6 +7709,13 @@
   <p:clrMapOvr>
     <a:masterClrMapping/>
   </p:clrMapOvr>
+  <p:timing>
+    <p:tnLst>
+      <p:par>
+        <p:cTn id="1" dur="indefinite" restart="never" nodeType="tmRoot"/>
+      </p:par>
+    </p:tnLst>
+  </p:timing>
 </p:sld>
 </file>
 
@@ -8036,6 +8088,13 @@
   <p:clrMapOvr>
     <a:masterClrMapping/>
   </p:clrMapOvr>
+  <p:timing>
+    <p:tnLst>
+      <p:par>
+        <p:cTn id="1" dur="indefinite" restart="never" nodeType="tmRoot"/>
+      </p:par>
+    </p:tnLst>
+  </p:timing>
 </p:sld>
 </file>
 
@@ -8173,7 +8232,7 @@
             <a:avLst/>
           </a:prstGeom>
           <a:noFill/>
-          <a:ln w="76200" cap="flat" cmpd="sng">
+          <a:ln w="38100" cap="flat" cmpd="sng">
             <a:solidFill>
               <a:srgbClr val="773F9B"/>
             </a:solidFill>
@@ -8252,19 +8311,21 @@
       <p:cxnSp>
         <p:nvCxnSpPr>
           <p:cNvPr id="294" name="Shape 294"/>
-          <p:cNvCxnSpPr/>
+          <p:cNvCxnSpPr>
+            <a:endCxn id="306" idx="1"/>
+          </p:cNvCxnSpPr>
           <p:nvPr/>
         </p:nvCxnSpPr>
         <p:spPr>
           <a:xfrm>
             <a:off x="4577002" y="1088566"/>
-            <a:ext cx="16437" cy="831036"/>
+            <a:ext cx="8219" cy="831037"/>
           </a:xfrm>
           <a:prstGeom prst="straightConnector1">
             <a:avLst/>
           </a:prstGeom>
           <a:noFill/>
-          <a:ln w="76200" cap="flat" cmpd="sng">
+          <a:ln w="38100" cap="flat" cmpd="sng">
             <a:solidFill>
               <a:srgbClr val="773F9B"/>
             </a:solidFill>
@@ -8761,7 +8822,7 @@
             <a:avLst/>
           </a:prstGeom>
           <a:noFill/>
-          <a:ln w="76200" cap="flat" cmpd="sng">
+          <a:ln w="38100" cap="flat" cmpd="sng">
             <a:solidFill>
               <a:srgbClr val="773F9B"/>
             </a:solidFill>
@@ -8775,19 +8836,21 @@
       <p:cxnSp>
         <p:nvCxnSpPr>
           <p:cNvPr id="301" name="Shape 301"/>
-          <p:cNvCxnSpPr/>
+          <p:cNvCxnSpPr>
+            <a:endCxn id="298" idx="3"/>
+          </p:cNvCxnSpPr>
           <p:nvPr/>
         </p:nvCxnSpPr>
         <p:spPr>
-          <a:xfrm rot="10800000" flipH="1">
-            <a:off x="5255831" y="1463258"/>
-            <a:ext cx="1164000" cy="638099"/>
+          <a:xfrm flipV="1">
+            <a:off x="5255831" y="1506108"/>
+            <a:ext cx="1231475" cy="595250"/>
           </a:xfrm>
           <a:prstGeom prst="straightConnector1">
             <a:avLst/>
           </a:prstGeom>
           <a:noFill/>
-          <a:ln w="76200" cap="flat" cmpd="sng">
+          <a:ln w="38100" cap="flat" cmpd="sng">
             <a:solidFill>
               <a:srgbClr val="773F9B"/>
             </a:solidFill>
@@ -8801,19 +8864,22 @@
       <p:cxnSp>
         <p:nvCxnSpPr>
           <p:cNvPr id="302" name="Shape 302"/>
-          <p:cNvCxnSpPr/>
+          <p:cNvCxnSpPr>
+            <a:stCxn id="299" idx="3"/>
+            <a:endCxn id="290" idx="0"/>
+          </p:cNvCxnSpPr>
           <p:nvPr/>
         </p:nvCxnSpPr>
         <p:spPr>
-          <a:xfrm>
-            <a:off x="7973510" y="969279"/>
-            <a:ext cx="43212" cy="630921"/>
+          <a:xfrm flipH="1">
+            <a:off x="7973510" y="1096602"/>
+            <a:ext cx="1" cy="335400"/>
           </a:xfrm>
           <a:prstGeom prst="straightConnector1">
             <a:avLst/>
           </a:prstGeom>
           <a:noFill/>
-          <a:ln w="76200" cap="flat" cmpd="sng">
+          <a:ln w="38100" cap="flat" cmpd="sng">
             <a:solidFill>
               <a:srgbClr val="773F9B"/>
             </a:solidFill>
@@ -8912,7 +8978,7 @@
         </p:nvSpPr>
         <p:spPr>
           <a:xfrm>
-            <a:off x="5383900" y="1845025"/>
+            <a:off x="5383902" y="1718130"/>
             <a:ext cx="1103399" cy="334799"/>
           </a:xfrm>
           <a:prstGeom prst="rect">
@@ -8960,6 +9026,15 @@
               </a:rPr>
               <a:t>gword.py</a:t>
             </a:r>
+            <a:endParaRPr lang="en" sz="1800" b="0" i="0" u="none" strike="noStrike" cap="none" dirty="0">
+              <a:solidFill>
+                <a:srgbClr val="FFFFFF"/>
+              </a:solidFill>
+              <a:latin typeface="Helvetica Neue"/>
+              <a:ea typeface="Helvetica Neue"/>
+              <a:cs typeface="Helvetica Neue"/>
+              <a:sym typeface="Helvetica Neue"/>
+            </a:endParaRPr>
           </a:p>
         </p:txBody>
       </p:sp>
@@ -9099,7 +9174,7 @@
             <a:avLst/>
           </a:prstGeom>
           <a:noFill/>
-          <a:ln w="76200" cap="flat" cmpd="sng">
+          <a:ln w="38100" cap="flat" cmpd="sng">
             <a:solidFill>
               <a:srgbClr val="773F9B"/>
             </a:solidFill>
@@ -9293,19 +9368,21 @@
       <p:cxnSp>
         <p:nvCxnSpPr>
           <p:cNvPr id="312" name="Shape 312"/>
-          <p:cNvCxnSpPr/>
+          <p:cNvCxnSpPr>
+            <a:endCxn id="309" idx="2"/>
+          </p:cNvCxnSpPr>
           <p:nvPr/>
         </p:nvCxnSpPr>
         <p:spPr>
           <a:xfrm flipV="1">
-            <a:off x="7973510" y="3569479"/>
-            <a:ext cx="9000" cy="504061"/>
+            <a:off x="7973510" y="3800644"/>
+            <a:ext cx="1" cy="272897"/>
           </a:xfrm>
           <a:prstGeom prst="straightConnector1">
             <a:avLst/>
           </a:prstGeom>
           <a:noFill/>
-          <a:ln w="76200" cap="flat" cmpd="sng">
+          <a:ln w="38100" cap="flat" cmpd="sng">
             <a:solidFill>
               <a:srgbClr val="773F9B"/>
             </a:solidFill>
@@ -9334,7 +9411,7 @@
             <a:avLst/>
           </a:prstGeom>
           <a:noFill/>
-          <a:ln w="76200" cap="flat" cmpd="sng">
+          <a:ln w="38100" cap="flat" cmpd="sng">
             <a:solidFill>
               <a:srgbClr val="773F9B"/>
             </a:solidFill>
@@ -9433,7 +9510,7 @@
             <a:avLst/>
           </a:prstGeom>
           <a:noFill/>
-          <a:ln w="76200" cap="flat" cmpd="sng">
+          <a:ln w="38100" cap="flat" cmpd="sng">
             <a:solidFill>
               <a:srgbClr val="773F9B"/>
             </a:solidFill>
@@ -9656,7 +9733,7 @@
             <a:avLst/>
           </a:prstGeom>
           <a:noFill/>
-          <a:ln w="76200" cap="flat" cmpd="sng">
+          <a:ln w="38100" cap="flat" cmpd="sng">
             <a:solidFill>
               <a:srgbClr val="773F9B"/>
             </a:solidFill>
@@ -10136,14 +10213,14 @@
             <a:avLst/>
           </a:prstGeom>
           <a:noFill/>
-          <a:ln w="57150" cap="flat" cmpd="sng">
+          <a:ln w="38100" cap="flat" cmpd="sng">
             <a:solidFill>
               <a:srgbClr val="773F9B"/>
             </a:solidFill>
             <a:prstDash val="solid"/>
             <a:miter/>
             <a:headEnd type="none" w="med" len="med"/>
-            <a:tailEnd type="stealth" w="lg" len="lg"/>
+            <a:tailEnd type="triangle" w="lg" len="lg"/>
           </a:ln>
         </p:spPr>
       </p:cxnSp>
@@ -10377,14 +10454,14 @@
             <a:avLst/>
           </a:prstGeom>
           <a:noFill/>
-          <a:ln w="57150" cap="flat" cmpd="sng">
+          <a:ln w="38100" cap="flat" cmpd="sng">
             <a:solidFill>
               <a:srgbClr val="773F9B"/>
             </a:solidFill>
             <a:prstDash val="solid"/>
             <a:miter/>
             <a:headEnd type="none" w="med" len="med"/>
-            <a:tailEnd type="stealth" w="lg" len="lg"/>
+            <a:tailEnd type="triangle" w="lg" len="lg"/>
           </a:ln>
         </p:spPr>
       </p:cxnSp>
@@ -10471,14 +10548,14 @@
             <a:avLst/>
           </a:prstGeom>
           <a:noFill/>
-          <a:ln w="57150" cap="flat" cmpd="sng">
+          <a:ln w="38100" cap="flat" cmpd="sng">
             <a:solidFill>
               <a:srgbClr val="773F9B"/>
             </a:solidFill>
             <a:prstDash val="solid"/>
             <a:miter/>
             <a:headEnd type="none" w="med" len="med"/>
-            <a:tailEnd type="stealth" w="lg" len="lg"/>
+            <a:tailEnd type="triangle" w="lg" len="lg"/>
           </a:ln>
         </p:spPr>
       </p:cxnSp>
@@ -10499,14 +10576,14 @@
             <a:avLst/>
           </a:prstGeom>
           <a:noFill/>
-          <a:ln w="57150" cap="flat" cmpd="sng">
+          <a:ln w="38100" cap="flat" cmpd="sng">
             <a:solidFill>
               <a:srgbClr val="773F9B"/>
             </a:solidFill>
             <a:prstDash val="solid"/>
             <a:miter/>
             <a:headEnd type="none" w="med" len="med"/>
-            <a:tailEnd type="stealth" w="lg" len="lg"/>
+            <a:tailEnd type="triangle" w="lg" len="lg"/>
           </a:ln>
         </p:spPr>
       </p:cxnSp>
@@ -10911,6 +10988,13 @@
   <p:clrMapOvr>
     <a:masterClrMapping/>
   </p:clrMapOvr>
+  <p:timing>
+    <p:tnLst>
+      <p:par>
+        <p:cTn id="1" dur="indefinite" restart="never" nodeType="tmRoot"/>
+      </p:par>
+    </p:tnLst>
+  </p:timing>
 </p:sld>
 </file>
 
@@ -11111,6 +11195,13 @@
   <p:clrMapOvr>
     <a:masterClrMapping/>
   </p:clrMapOvr>
+  <p:timing>
+    <p:tnLst>
+      <p:par>
+        <p:cTn id="1" dur="indefinite" restart="never" nodeType="tmRoot"/>
+      </p:par>
+    </p:tnLst>
+  </p:timing>
 </p:sld>
 </file>
 
@@ -11227,6 +11318,13 @@
   <p:clrMapOvr>
     <a:masterClrMapping/>
   </p:clrMapOvr>
+  <p:timing>
+    <p:tnLst>
+      <p:par>
+        <p:cTn id="1" dur="indefinite" restart="never" nodeType="tmRoot"/>
+      </p:par>
+    </p:tnLst>
+  </p:timing>
 </p:sld>
 </file>
 
@@ -11535,6 +11633,13 @@
   <p:clrMapOvr>
     <a:masterClrMapping/>
   </p:clrMapOvr>
+  <p:timing>
+    <p:tnLst>
+      <p:par>
+        <p:cTn id="1" dur="indefinite" restart="never" nodeType="tmRoot"/>
+      </p:par>
+    </p:tnLst>
+  </p:timing>
 </p:sld>
 </file>
 
@@ -11663,14 +11768,14 @@
             <a:avLst/>
           </a:prstGeom>
           <a:noFill/>
-          <a:ln w="57150" cap="flat" cmpd="sng">
+          <a:ln w="38100" cap="sq" cmpd="sng">
             <a:solidFill>
               <a:srgbClr val="773F9B"/>
             </a:solidFill>
             <a:prstDash val="solid"/>
             <a:miter/>
             <a:headEnd type="none" w="med" len="med"/>
-            <a:tailEnd type="stealth" w="lg" len="lg"/>
+            <a:tailEnd type="triangle" w="lg" len="lg"/>
           </a:ln>
         </p:spPr>
       </p:cxnSp>
@@ -11754,14 +11859,14 @@
             <a:avLst/>
           </a:prstGeom>
           <a:noFill/>
-          <a:ln w="57150" cap="flat" cmpd="sng">
+          <a:ln w="38100" cap="sq" cmpd="sng">
             <a:solidFill>
               <a:srgbClr val="773F9B"/>
             </a:solidFill>
             <a:prstDash val="solid"/>
             <a:miter/>
             <a:headEnd type="none" w="med" len="med"/>
-            <a:tailEnd type="stealth" w="lg" len="lg"/>
+            <a:tailEnd type="triangle" w="lg" len="lg"/>
           </a:ln>
         </p:spPr>
       </p:cxnSp>
@@ -11782,14 +11887,14 @@
             <a:avLst/>
           </a:prstGeom>
           <a:noFill/>
-          <a:ln w="57150" cap="flat" cmpd="sng">
+          <a:ln w="38100" cap="sq" cmpd="sng">
             <a:solidFill>
               <a:srgbClr val="773F9B"/>
             </a:solidFill>
             <a:prstDash val="solid"/>
             <a:miter/>
             <a:headEnd type="none" w="med" len="med"/>
-            <a:tailEnd type="stealth" w="lg" len="lg"/>
+            <a:tailEnd type="triangle" w="lg" len="lg"/>
           </a:ln>
         </p:spPr>
       </p:cxnSp>
@@ -12276,14 +12381,14 @@
             <a:avLst/>
           </a:prstGeom>
           <a:noFill/>
-          <a:ln w="57150" cap="flat" cmpd="sng">
+          <a:ln w="38100" cap="sq" cmpd="sng">
             <a:solidFill>
               <a:srgbClr val="773F9B"/>
             </a:solidFill>
             <a:prstDash val="solid"/>
             <a:miter/>
             <a:headEnd type="none" w="med" len="med"/>
-            <a:tailEnd type="stealth" w="lg" len="lg"/>
+            <a:tailEnd type="triangle" w="lg" len="lg"/>
           </a:ln>
         </p:spPr>
       </p:cxnSp>
@@ -12427,14 +12532,14 @@
             <a:avLst/>
           </a:prstGeom>
           <a:noFill/>
-          <a:ln w="57150" cap="flat" cmpd="sng">
+          <a:ln w="38100" cap="sq" cmpd="sng">
             <a:solidFill>
               <a:srgbClr val="773F9B"/>
             </a:solidFill>
             <a:prstDash val="solid"/>
             <a:miter/>
             <a:headEnd type="none" w="med" len="med"/>
-            <a:tailEnd type="stealth" w="lg" len="lg"/>
+            <a:tailEnd type="triangle" w="lg" len="lg"/>
           </a:ln>
         </p:spPr>
       </p:cxnSp>
@@ -12456,14 +12561,14 @@
             <a:avLst/>
           </a:prstGeom>
           <a:noFill/>
-          <a:ln w="57150" cap="flat" cmpd="sng">
+          <a:ln w="38100" cap="sq" cmpd="sng">
             <a:solidFill>
               <a:srgbClr val="773F9B"/>
             </a:solidFill>
             <a:prstDash val="solid"/>
             <a:miter/>
             <a:headEnd type="none" w="med" len="med"/>
-            <a:tailEnd type="stealth" w="lg" len="lg"/>
+            <a:tailEnd type="triangle" w="lg" len="lg"/>
           </a:ln>
         </p:spPr>
       </p:cxnSp>
@@ -12485,14 +12590,14 @@
             <a:avLst/>
           </a:prstGeom>
           <a:noFill/>
-          <a:ln w="57150" cap="flat" cmpd="sng">
+          <a:ln w="38100" cap="sq" cmpd="sng">
             <a:solidFill>
               <a:srgbClr val="773F9B"/>
             </a:solidFill>
             <a:prstDash val="solid"/>
             <a:miter/>
             <a:headEnd type="none" w="med" len="med"/>
-            <a:tailEnd type="stealth" w="lg" len="lg"/>
+            <a:tailEnd type="triangle" w="lg" len="lg"/>
           </a:ln>
         </p:spPr>
       </p:cxnSp>
@@ -12581,6 +12686,13 @@
   <p:clrMapOvr>
     <a:masterClrMapping/>
   </p:clrMapOvr>
+  <p:timing>
+    <p:tnLst>
+      <p:par>
+        <p:cTn id="1" dur="indefinite" restart="never" nodeType="tmRoot"/>
+      </p:par>
+    </p:tnLst>
+  </p:timing>
 </p:sld>
 </file>
 
@@ -12863,6 +12975,13 @@
   <p:clrMapOvr>
     <a:masterClrMapping/>
   </p:clrMapOvr>
+  <p:timing>
+    <p:tnLst>
+      <p:par>
+        <p:cTn id="1" dur="indefinite" restart="never" nodeType="tmRoot"/>
+      </p:par>
+    </p:tnLst>
+  </p:timing>
 </p:sld>
 </file>
 
@@ -13140,6 +13259,13 @@
   <p:clrMapOvr>
     <a:masterClrMapping/>
   </p:clrMapOvr>
+  <p:timing>
+    <p:tnLst>
+      <p:par>
+        <p:cTn id="1" dur="indefinite" restart="never" nodeType="tmRoot"/>
+      </p:par>
+    </p:tnLst>
+  </p:timing>
 </p:sld>
 </file>
 
@@ -13306,6 +13432,13 @@
   <p:clrMapOvr>
     <a:masterClrMapping/>
   </p:clrMapOvr>
+  <p:timing>
+    <p:tnLst>
+      <p:par>
+        <p:cTn id="1" dur="indefinite" restart="never" nodeType="tmRoot"/>
+      </p:par>
+    </p:tnLst>
+  </p:timing>
 </p:sld>
 </file>
 

--- a/lectures3/Pythonlearn-16-Data-Viz.pptx
+++ b/lectures3/Pythonlearn-16-Data-Viz.pptx
@@ -234,10 +234,10 @@
   </p:defaultTextStyle>
   <p:extLst>
     <p:ext uri="{EFAFB233-063F-42B5-8137-9DF3F51BA10A}">
-      <p15:sldGuideLst xmlns:p15="http://schemas.microsoft.com/office/powerpoint/2012/main"/>
+      <p15:sldGuideLst xmlns="" xmlns:p15="http://schemas.microsoft.com/office/powerpoint/2012/main"/>
     </p:ext>
     <p:ext uri="{2D200454-40CA-4A62-9FC3-DE9A4176ACB9}">
-      <p15:notesGuideLst xmlns:p15="http://schemas.microsoft.com/office/powerpoint/2012/main"/>
+      <p15:notesGuideLst xmlns="" xmlns:p15="http://schemas.microsoft.com/office/powerpoint/2012/main"/>
     </p:ext>
   </p:extLst>
 </p:presentation>
@@ -4688,7 +4688,7 @@
   <p:timing>
     <p:tnLst>
       <p:par>
-        <p:cTn id="1" dur="indefinite" restart="never" nodeType="tmRoot"/>
+        <p:cTn xmlns:p14="http://schemas.microsoft.com/office/powerpoint/2010/main" id="1" dur="indefinite" restart="never" nodeType="tmRoot"/>
       </p:par>
     </p:tnLst>
   </p:timing>
@@ -5028,7 +5028,7 @@
   <p:timing>
     <p:tnLst>
       <p:par>
-        <p:cTn id="1" dur="indefinite" restart="never" nodeType="tmRoot"/>
+        <p:cTn xmlns:p14="http://schemas.microsoft.com/office/powerpoint/2010/main" id="1" dur="indefinite" restart="never" nodeType="tmRoot"/>
       </p:par>
     </p:tnLst>
   </p:timing>
@@ -5274,7 +5274,7 @@
   <p:timing>
     <p:tnLst>
       <p:par>
-        <p:cTn id="1" dur="indefinite" restart="never" nodeType="tmRoot"/>
+        <p:cTn xmlns:p14="http://schemas.microsoft.com/office/powerpoint/2010/main" id="1" dur="indefinite" restart="never" nodeType="tmRoot"/>
       </p:par>
     </p:tnLst>
   </p:timing>
@@ -5309,6 +5309,10 @@
           </p:nvPr>
         </p:nvSpPr>
         <p:spPr>
+          <a:xfrm>
+            <a:off x="650081" y="464695"/>
+            <a:ext cx="7453282" cy="963999"/>
+          </a:xfrm>
           <a:prstGeom prst="rect">
             <a:avLst/>
           </a:prstGeom>
@@ -5443,7 +5447,7 @@
         </p:nvSpPr>
         <p:spPr>
           <a:xfrm>
-            <a:off x="1381125" y="3811200"/>
+            <a:off x="1381125" y="4029168"/>
             <a:ext cx="6625200" cy="642900"/>
           </a:xfrm>
           <a:prstGeom prst="rect">
@@ -5780,7 +5784,7 @@
   <p:timing>
     <p:tnLst>
       <p:par>
-        <p:cTn id="1" dur="indefinite" restart="never" nodeType="tmRoot"/>
+        <p:cTn xmlns:p14="http://schemas.microsoft.com/office/powerpoint/2010/main" id="1" dur="indefinite" restart="never" nodeType="tmRoot"/>
       </p:par>
     </p:tnLst>
   </p:timing>
@@ -5863,6 +5867,10 @@
           </p:nvPr>
         </p:nvSpPr>
         <p:spPr>
+          <a:xfrm>
+            <a:off x="650081" y="1464470"/>
+            <a:ext cx="7836750" cy="2241244"/>
+          </a:xfrm>
           <a:prstGeom prst="rect">
             <a:avLst/>
           </a:prstGeom>
@@ -6068,7 +6076,7 @@
   <p:timing>
     <p:tnLst>
       <p:par>
-        <p:cTn id="1" dur="indefinite" restart="never" nodeType="tmRoot"/>
+        <p:cTn xmlns:p14="http://schemas.microsoft.com/office/powerpoint/2010/main" id="1" dur="indefinite" restart="never" nodeType="tmRoot"/>
       </p:par>
     </p:tnLst>
   </p:timing>
@@ -6137,7 +6145,7 @@
                 <a:cs typeface="Arial Regular" charset="0"/>
                 <a:sym typeface="Cabin"/>
               </a:rPr>
-              <a:t>Search engine indexing collects, parses, and stores data to facilitate fast and accurate information retrieval.  The purpose of storing an index is to optimize speed and performance in finding relevant documents for a search query.   Without an index, the search engine would scan every document in the corpus, which would require considerable time and computing power. </a:t>
+              <a:t>Search engine indexing collects, parses, and stores data to facilitate fast and accurate information retrieval. The purpose of storing an index is to optimize speed and performance in finding relevant documents for a search query. Without an index, the search engine would scan every document in the corpus, which would require considerable time and computing power. </a:t>
             </a:r>
           </a:p>
         </p:txBody>
@@ -6289,7 +6297,7 @@
   <p:timing>
     <p:tnLst>
       <p:par>
-        <p:cTn id="1" dur="indefinite" restart="never" nodeType="tmRoot"/>
+        <p:cTn xmlns:p14="http://schemas.microsoft.com/office/powerpoint/2010/main" id="1" dur="indefinite" restart="never" nodeType="tmRoot"/>
       </p:par>
     </p:tnLst>
   </p:timing>
@@ -7075,8 +7083,8 @@
         </p:nvSpPr>
         <p:spPr>
           <a:xfrm>
-            <a:off x="4728017" y="4338134"/>
-            <a:ext cx="4342875" cy="282769"/>
+            <a:off x="5142325" y="4585828"/>
+            <a:ext cx="4001675" cy="282769"/>
           </a:xfrm>
           <a:prstGeom prst="rect">
             <a:avLst/>
@@ -7417,7 +7425,7 @@
   <p:timing>
     <p:tnLst>
       <p:par>
-        <p:cTn id="1" dur="indefinite" restart="never" nodeType="tmRoot"/>
+        <p:cTn xmlns:p14="http://schemas.microsoft.com/office/powerpoint/2010/main" id="1" dur="indefinite" restart="never" nodeType="tmRoot"/>
       </p:par>
     </p:tnLst>
   </p:timing>
@@ -7516,8 +7524,8 @@
         </p:nvSpPr>
         <p:spPr>
           <a:xfrm>
-            <a:off x="650081" y="1464469"/>
-            <a:ext cx="4521994" cy="3207599"/>
+            <a:off x="650081" y="1428694"/>
+            <a:ext cx="4521994" cy="2313163"/>
           </a:xfrm>
           <a:prstGeom prst="rect">
             <a:avLst/>
@@ -7712,7 +7720,7 @@
   <p:timing>
     <p:tnLst>
       <p:par>
-        <p:cTn id="1" dur="indefinite" restart="never" nodeType="tmRoot"/>
+        <p:cTn xmlns:p14="http://schemas.microsoft.com/office/powerpoint/2010/main" id="1" dur="indefinite" restart="never" nodeType="tmRoot"/>
       </p:par>
     </p:tnLst>
   </p:timing>
@@ -7801,7 +7809,7 @@
         </p:nvSpPr>
         <p:spPr>
           <a:xfrm>
-            <a:off x="650081" y="1464470"/>
+            <a:off x="650081" y="1605594"/>
             <a:ext cx="7836750" cy="1326355"/>
           </a:xfrm>
           <a:prstGeom prst="rect">
@@ -7904,7 +7912,7 @@
                 </a:solidFill>
                 <a:sym typeface="Cabin"/>
               </a:rPr>
-              <a:t>is no rate limits – these are cool </a:t>
+              <a:t>is no rate limit – these are cool </a:t>
             </a:r>
             <a:r>
               <a:rPr lang="en" sz="2000" u="none" strike="noStrike" cap="none" dirty="0" smtClean="0">
@@ -7936,8 +7944,8 @@
         </p:nvSpPr>
         <p:spPr>
           <a:xfrm>
-            <a:off x="650081" y="2790825"/>
-            <a:ext cx="8031899" cy="1028418"/>
+            <a:off x="650081" y="2931949"/>
+            <a:ext cx="7664937" cy="1028418"/>
           </a:xfrm>
           <a:prstGeom prst="rect">
             <a:avLst/>
@@ -7964,9 +7972,9 @@
                 <a:solidFill>
                   <a:srgbClr val="FFFF00"/>
                 </a:solidFill>
-                <a:latin typeface="Courier New"/>
+                <a:latin typeface="Courier"/>
                 <a:ea typeface="Courier New"/>
-                <a:cs typeface="Courier New"/>
+                <a:cs typeface="Courier"/>
                 <a:sym typeface="Courier New"/>
               </a:rPr>
               <a:t>Use this for </a:t>
@@ -7976,9 +7984,9 @@
                 <a:solidFill>
                   <a:srgbClr val="FFFF00"/>
                 </a:solidFill>
-                <a:latin typeface="Courier New"/>
+                <a:latin typeface="Courier"/>
                 <a:ea typeface="Courier New"/>
-                <a:cs typeface="Courier New"/>
+                <a:cs typeface="Courier"/>
                 <a:sym typeface="Courier New"/>
               </a:rPr>
               <a:t>your testing:</a:t>
@@ -7995,9 +8003,9 @@
               <a:solidFill>
                 <a:srgbClr val="FFFF00"/>
               </a:solidFill>
-              <a:latin typeface="Courier New"/>
+              <a:latin typeface="Courier"/>
               <a:ea typeface="Courier New"/>
-              <a:cs typeface="Courier New"/>
+              <a:cs typeface="Courier"/>
               <a:sym typeface="Courier New"/>
             </a:endParaRPr>
           </a:p>
@@ -8013,9 +8021,9 @@
                 <a:solidFill>
                   <a:srgbClr val="FFFF00"/>
                 </a:solidFill>
-                <a:latin typeface="Courier New"/>
+                <a:latin typeface="Courier"/>
                 <a:ea typeface="Courier New"/>
-                <a:cs typeface="Courier New"/>
+                <a:cs typeface="Courier"/>
                 <a:sym typeface="Courier New"/>
               </a:rPr>
               <a:t>http</a:t>
@@ -8025,9 +8033,9 @@
                 <a:solidFill>
                   <a:srgbClr val="FFFF00"/>
                 </a:solidFill>
-                <a:latin typeface="Courier New"/>
+                <a:latin typeface="Courier"/>
                 <a:ea typeface="Courier New"/>
-                <a:cs typeface="Courier New"/>
+                <a:cs typeface="Courier"/>
                 <a:sym typeface="Courier New"/>
               </a:rPr>
               <a:t>://</a:t>
@@ -8037,9 +8045,9 @@
                 <a:solidFill>
                   <a:srgbClr val="FFFF00"/>
                 </a:solidFill>
-                <a:latin typeface="Courier New"/>
+                <a:latin typeface="Courier"/>
                 <a:ea typeface="Courier New"/>
-                <a:cs typeface="Courier New"/>
+                <a:cs typeface="Courier"/>
                 <a:sym typeface="Courier New"/>
               </a:rPr>
               <a:t>mbox.dr-chuck.net</a:t>
@@ -8049,9 +8057,9 @@
                 <a:solidFill>
                   <a:srgbClr val="FFFF00"/>
                 </a:solidFill>
-                <a:latin typeface="Courier New"/>
+                <a:latin typeface="Courier"/>
                 <a:ea typeface="Courier New"/>
-                <a:cs typeface="Courier New"/>
+                <a:cs typeface="Courier"/>
                 <a:sym typeface="Courier New"/>
               </a:rPr>
               <a:t>/</a:t>
@@ -8061,9 +8069,9 @@
                 <a:solidFill>
                   <a:srgbClr val="FFFF00"/>
                 </a:solidFill>
-                <a:latin typeface="Courier New"/>
+                <a:latin typeface="Courier"/>
                 <a:ea typeface="Courier New"/>
-                <a:cs typeface="Courier New"/>
+                <a:cs typeface="Courier"/>
                 <a:sym typeface="Courier New"/>
               </a:rPr>
               <a:t>sakai.devel</a:t>
@@ -8073,9 +8081,9 @@
                 <a:solidFill>
                   <a:srgbClr val="FFFF00"/>
                 </a:solidFill>
-                <a:latin typeface="Courier New"/>
+                <a:latin typeface="Courier"/>
                 <a:ea typeface="Courier New"/>
-                <a:cs typeface="Courier New"/>
+                <a:cs typeface="Courier"/>
                 <a:sym typeface="Courier New"/>
               </a:rPr>
               <a:t>/4/5</a:t>
@@ -8091,7 +8099,7 @@
   <p:timing>
     <p:tnLst>
       <p:par>
-        <p:cTn id="1" dur="indefinite" restart="never" nodeType="tmRoot"/>
+        <p:cTn xmlns:p14="http://schemas.microsoft.com/office/powerpoint/2010/main" id="1" dur="indefinite" restart="never" nodeType="tmRoot"/>
       </p:par>
     </p:tnLst>
   </p:timing>
@@ -8898,7 +8906,7 @@
         </p:nvSpPr>
         <p:spPr>
           <a:xfrm>
-            <a:off x="2766624" y="4160801"/>
+            <a:off x="2766624" y="4361356"/>
             <a:ext cx="4142265" cy="282769"/>
           </a:xfrm>
           <a:prstGeom prst="rect">
@@ -9553,25 +9561,14 @@
           </a:bodyPr>
           <a:lstStyle/>
           <a:p>
-            <a:pPr marL="0" marR="0" lvl="0" indent="0" algn="ctr" rtl="0">
-              <a:lnSpc>
-                <a:spcPct val="100000"/>
-              </a:lnSpc>
-              <a:spcBef>
-                <a:spcPts val="0"/>
-              </a:spcBef>
-              <a:spcAft>
-                <a:spcPts val="0"/>
-              </a:spcAft>
+            <a:pPr lvl="0" algn="ctr">
               <a:buClr>
                 <a:srgbClr val="660066"/>
               </a:buClr>
               <a:buSzPct val="25000"/>
-              <a:buFont typeface="Cabin"/>
-              <a:buNone/>
-            </a:pPr>
-            <a:r>
-              <a:rPr lang="en-US" sz="1500" u="none" strike="noStrike" cap="none" smtClean="0">
+            </a:pPr>
+            <a:r>
+              <a:rPr lang="en" sz="1500" dirty="0" err="1">
                 <a:solidFill>
                   <a:srgbClr val="660066"/>
                 </a:solidFill>
@@ -9580,33 +9577,9 @@
                 <a:cs typeface="Arial Regular" charset="0"/>
                 <a:sym typeface="Cabin"/>
               </a:rPr>
-              <a:t>index</a:t>
-            </a:r>
-            <a:r>
-              <a:rPr lang="en" sz="1500" u="none" strike="noStrike" cap="none" dirty="0" smtClean="0">
-                <a:solidFill>
-                  <a:srgbClr val="660066"/>
-                </a:solidFill>
-                <a:latin typeface="Arial Regular" charset="0"/>
-                <a:ea typeface="Arial Regular" charset="0"/>
-                <a:cs typeface="Arial Regular" charset="0"/>
-                <a:sym typeface="Cabin"/>
-              </a:rPr>
-              <a:t>.</a:t>
-            </a:r>
-            <a:r>
-              <a:rPr lang="en" sz="1500" u="none" strike="noStrike" cap="none" dirty="0" err="1" smtClean="0">
-                <a:solidFill>
-                  <a:srgbClr val="660066"/>
-                </a:solidFill>
-                <a:latin typeface="Arial Regular" charset="0"/>
-                <a:ea typeface="Arial Regular" charset="0"/>
-                <a:cs typeface="Arial Regular" charset="0"/>
-                <a:sym typeface="Cabin"/>
-              </a:rPr>
-              <a:t>sqlite</a:t>
-            </a:r>
-            <a:endParaRPr lang="en" sz="1500" u="none" strike="noStrike" cap="none" dirty="0">
+              <a:t>content.sqlite</a:t>
+            </a:r>
+            <a:endParaRPr lang="en" sz="1500" dirty="0">
               <a:solidFill>
                 <a:srgbClr val="660066"/>
               </a:solidFill>
@@ -10991,7 +10964,7 @@
   <p:timing>
     <p:tnLst>
       <p:par>
-        <p:cTn id="1" dur="indefinite" restart="never" nodeType="tmRoot"/>
+        <p:cTn xmlns:p14="http://schemas.microsoft.com/office/powerpoint/2010/main" id="1" dur="indefinite" restart="never" nodeType="tmRoot"/>
       </p:par>
     </p:tnLst>
   </p:timing>
@@ -11070,6 +11043,10 @@
           </p:nvPr>
         </p:nvSpPr>
         <p:spPr>
+          <a:xfrm>
+            <a:off x="650081" y="1723740"/>
+            <a:ext cx="7836750" cy="2948328"/>
+          </a:xfrm>
           <a:prstGeom prst="rect">
             <a:avLst/>
           </a:prstGeom>
@@ -11198,7 +11175,7 @@
   <p:timing>
     <p:tnLst>
       <p:par>
-        <p:cTn id="1" dur="indefinite" restart="never" nodeType="tmRoot"/>
+        <p:cTn xmlns:p14="http://schemas.microsoft.com/office/powerpoint/2010/main" id="1" dur="indefinite" restart="never" nodeType="tmRoot"/>
       </p:par>
     </p:tnLst>
   </p:timing>
@@ -11277,6 +11254,10 @@
           </p:nvPr>
         </p:nvSpPr>
         <p:spPr>
+          <a:xfrm>
+            <a:off x="650081" y="1622937"/>
+            <a:ext cx="7836750" cy="1189481"/>
+          </a:xfrm>
           <a:prstGeom prst="rect">
             <a:avLst/>
           </a:prstGeom>
@@ -11291,7 +11272,7 @@
           </a:bodyPr>
           <a:lstStyle/>
           <a:p>
-            <a:pPr marL="457200" marR="0" lvl="0" indent="-355600" algn="l" rtl="0">
+            <a:pPr marL="101600" marR="0" lvl="0" indent="0" algn="l" rtl="0">
               <a:spcBef>
                 <a:spcPts val="0"/>
               </a:spcBef>
@@ -11299,7 +11280,7 @@
                 <a:srgbClr val="FFFFFF"/>
               </a:buClr>
               <a:buSzPct val="100000"/>
-              <a:buFont typeface="Cabin"/>
+              <a:buNone/>
             </a:pPr>
             <a:r>
               <a:rPr lang="en" sz="2000" u="none" strike="noStrike" cap="none" dirty="0">
@@ -11321,7 +11302,7 @@
   <p:timing>
     <p:tnLst>
       <p:par>
-        <p:cTn id="1" dur="indefinite" restart="never" nodeType="tmRoot"/>
+        <p:cTn xmlns:p14="http://schemas.microsoft.com/office/powerpoint/2010/main" id="1" dur="indefinite" restart="never" nodeType="tmRoot"/>
       </p:par>
     </p:tnLst>
   </p:timing>
@@ -11516,7 +11497,7 @@
                 </a:solidFill>
                 <a:sym typeface="Cabin"/>
               </a:rPr>
-              <a:t> Visualized in a browser using the Google Maps API</a:t>
+              <a:t>Visualized in a browser using the Google Maps API</a:t>
             </a:r>
           </a:p>
         </p:txBody>
@@ -11536,7 +11517,7 @@
         </p:blipFill>
         <p:spPr>
           <a:xfrm>
-            <a:off x="5251127" y="1338857"/>
+            <a:off x="5132195" y="1706398"/>
             <a:ext cx="3598415" cy="2587196"/>
           </a:xfrm>
           <a:prstGeom prst="rect">
@@ -11556,8 +11537,8 @@
         </p:nvSpPr>
         <p:spPr>
           <a:xfrm>
-            <a:off x="4930810" y="4262938"/>
-            <a:ext cx="4239048" cy="282769"/>
+            <a:off x="5043499" y="4574897"/>
+            <a:ext cx="3717348" cy="282769"/>
           </a:xfrm>
           <a:prstGeom prst="rect">
             <a:avLst/>
@@ -11636,7 +11617,7 @@
   <p:timing>
     <p:tnLst>
       <p:par>
-        <p:cTn id="1" dur="indefinite" restart="never" nodeType="tmRoot"/>
+        <p:cTn xmlns:p14="http://schemas.microsoft.com/office/powerpoint/2010/main" id="1" dur="indefinite" restart="never" nodeType="tmRoot"/>
       </p:par>
     </p:tnLst>
   </p:timing>
@@ -12603,14 +12584,14 @@
       </p:cxnSp>
       <p:sp>
         <p:nvSpPr>
-          <p:cNvPr id="183" name="Shape 183"/>
+          <p:cNvPr id="21" name="Shape 160"/>
           <p:cNvSpPr/>
           <p:nvPr/>
         </p:nvSpPr>
         <p:spPr>
           <a:xfrm>
-            <a:off x="4714661" y="4424272"/>
-            <a:ext cx="4271133" cy="282769"/>
+            <a:off x="5132195" y="4574897"/>
+            <a:ext cx="3717348" cy="282769"/>
           </a:xfrm>
           <a:prstGeom prst="rect">
             <a:avLst/>
@@ -12689,7 +12670,7 @@
   <p:timing>
     <p:tnLst>
       <p:par>
-        <p:cTn id="1" dur="indefinite" restart="never" nodeType="tmRoot"/>
+        <p:cTn xmlns:p14="http://schemas.microsoft.com/office/powerpoint/2010/main" id="1" dur="indefinite" restart="never" nodeType="tmRoot"/>
       </p:par>
     </p:tnLst>
   </p:timing>
@@ -12773,8 +12754,8 @@
         </p:nvSpPr>
         <p:spPr>
           <a:xfrm>
-            <a:off x="650081" y="1464469"/>
-            <a:ext cx="4093369" cy="3207599"/>
+            <a:off x="650081" y="1464470"/>
+            <a:ext cx="4093369" cy="2970886"/>
           </a:xfrm>
           <a:prstGeom prst="rect">
             <a:avLst/>
@@ -12871,8 +12852,8 @@
         </p:nvSpPr>
         <p:spPr>
           <a:xfrm>
-            <a:off x="4719386" y="4375067"/>
-            <a:ext cx="4354351" cy="282769"/>
+            <a:off x="4986453" y="4575338"/>
+            <a:ext cx="4111348" cy="282769"/>
           </a:xfrm>
           <a:prstGeom prst="rect">
             <a:avLst/>
@@ -12958,7 +12939,7 @@
         </p:blipFill>
         <p:spPr>
           <a:xfrm>
-            <a:off x="5200399" y="711993"/>
+            <a:off x="5129846" y="1054725"/>
             <a:ext cx="3624262" cy="2817608"/>
           </a:xfrm>
           <a:prstGeom prst="rect">
@@ -12978,7 +12959,7 @@
   <p:timing>
     <p:tnLst>
       <p:par>
-        <p:cTn id="1" dur="indefinite" restart="never" nodeType="tmRoot"/>
+        <p:cTn xmlns:p14="http://schemas.microsoft.com/office/powerpoint/2010/main" id="1" dur="indefinite" restart="never" nodeType="tmRoot"/>
       </p:par>
     </p:tnLst>
   </p:timing>
@@ -13057,6 +13038,10 @@
           </p:nvPr>
         </p:nvSpPr>
         <p:spPr>
+          <a:xfrm>
+            <a:off x="650081" y="1464470"/>
+            <a:ext cx="7836750" cy="2532706"/>
+          </a:xfrm>
           <a:prstGeom prst="rect">
             <a:avLst/>
           </a:prstGeom>
@@ -13262,7 +13247,7 @@
   <p:timing>
     <p:tnLst>
       <p:par>
-        <p:cTn id="1" dur="indefinite" restart="never" nodeType="tmRoot"/>
+        <p:cTn xmlns:p14="http://schemas.microsoft.com/office/powerpoint/2010/main" id="1" dur="indefinite" restart="never" nodeType="tmRoot"/>
       </p:par>
     </p:tnLst>
   </p:timing>
@@ -13435,7 +13420,7 @@
   <p:timing>
     <p:tnLst>
       <p:par>
-        <p:cTn id="1" dur="indefinite" restart="never" nodeType="tmRoot"/>
+        <p:cTn xmlns:p14="http://schemas.microsoft.com/office/powerpoint/2010/main" id="1" dur="indefinite" restart="never" nodeType="tmRoot"/>
       </p:par>
     </p:tnLst>
   </p:timing>

--- a/lectures3/Pythonlearn-16-Data-Viz.pptx
+++ b/lectures3/Pythonlearn-16-Data-Viz.pptx
@@ -234,10 +234,21 @@
   </p:defaultTextStyle>
   <p:extLst>
     <p:ext uri="{EFAFB233-063F-42B5-8137-9DF3F51BA10A}">
-      <p15:sldGuideLst xmlns="" xmlns:p15="http://schemas.microsoft.com/office/powerpoint/2012/main"/>
+      <p15:sldGuideLst xmlns:p15="http://schemas.microsoft.com/office/powerpoint/2012/main">
+        <p15:guide id="1" orient="horz" pos="1620">
+          <p15:clr>
+            <a:srgbClr val="A4A3A4"/>
+          </p15:clr>
+        </p15:guide>
+        <p15:guide id="2" pos="2880">
+          <p15:clr>
+            <a:srgbClr val="A4A3A4"/>
+          </p15:clr>
+        </p15:guide>
+      </p15:sldGuideLst>
     </p:ext>
     <p:ext uri="{2D200454-40CA-4A62-9FC3-DE9A4176ACB9}">
-      <p15:notesGuideLst xmlns="" xmlns:p15="http://schemas.microsoft.com/office/powerpoint/2012/main"/>
+      <p15:notesGuideLst xmlns:p15="http://schemas.microsoft.com/office/powerpoint/2012/main"/>
     </p:ext>
   </p:extLst>
 </p:presentation>
@@ -563,7 +574,7 @@
               <a:buNone/>
             </a:pPr>
             <a:r>
-              <a:rPr lang="en" sz="1100" b="0" i="0" u="none" strike="noStrike" cap="none" dirty="0" smtClean="0">
+              <a:rPr lang="en" sz="1100" b="0" i="0" u="none" strike="noStrike" cap="none" dirty="0">
                 <a:solidFill>
                   <a:schemeClr val="dk2"/>
                 </a:solidFill>
@@ -575,7 +586,7 @@
               <a:t>Note from Chuck.  If you are using these materials, you can remove the UM logo and replace it with your own, but please retain the CC-BY logo on the first page as well as retain the </a:t>
             </a:r>
             <a:r>
-              <a:rPr lang="en-US" sz="1100" b="0" i="0" u="none" strike="noStrike" cap="none" dirty="0" smtClean="0">
+              <a:rPr lang="en-US" sz="1100" b="0" i="0" u="none" strike="noStrike" cap="none" dirty="0">
                 <a:solidFill>
                   <a:schemeClr val="dk2"/>
                 </a:solidFill>
@@ -587,7 +598,7 @@
               <a:t>acknowledgement </a:t>
             </a:r>
             <a:r>
-              <a:rPr lang="en" sz="1100" b="0" i="0" u="none" strike="noStrike" cap="none" dirty="0" smtClean="0">
+              <a:rPr lang="en" sz="1100" b="0" i="0" u="none" strike="noStrike" cap="none" dirty="0">
                 <a:solidFill>
                   <a:schemeClr val="dk2"/>
                 </a:solidFill>
@@ -599,7 +610,7 @@
               <a:t>page</a:t>
             </a:r>
             <a:r>
-              <a:rPr lang="en-US" sz="1100" b="0" i="0" u="none" strike="noStrike" cap="none" dirty="0" smtClean="0">
+              <a:rPr lang="en-US" sz="1100" b="0" i="0" u="none" strike="noStrike" cap="none" dirty="0">
                 <a:solidFill>
                   <a:schemeClr val="dk2"/>
                 </a:solidFill>
@@ -611,7 +622,7 @@
               <a:t>(s) at the end</a:t>
             </a:r>
             <a:r>
-              <a:rPr lang="en" sz="1100" b="0" i="0" u="none" strike="noStrike" cap="none" smtClean="0">
+              <a:rPr lang="en" sz="1100" b="0" i="0" u="none" strike="noStrike" cap="none">
                 <a:solidFill>
                   <a:schemeClr val="dk2"/>
                 </a:solidFill>
@@ -3684,7 +3695,6 @@
           <a:ln>
             <a:noFill/>
           </a:ln>
-          <a:extLst/>
         </p:spPr>
         <p:txBody>
           <a:bodyPr/>
@@ -3808,7 +3818,7 @@
             <a:pPr eaLnBrk="1" hangingPunct="1">
               <a:defRPr/>
             </a:pPr>
-            <a:endParaRPr lang="en-US" altLang="en-US" sz="2025" smtClean="0"/>
+            <a:endParaRPr lang="en-US" altLang="en-US" sz="2025"/>
           </a:p>
         </p:txBody>
       </p:sp>
@@ -3834,7 +3844,6 @@
           <a:ln>
             <a:noFill/>
           </a:ln>
-          <a:extLst/>
         </p:spPr>
         <p:txBody>
           <a:bodyPr/>
@@ -3958,7 +3967,7 @@
             <a:pPr eaLnBrk="1" hangingPunct="1">
               <a:defRPr/>
             </a:pPr>
-            <a:endParaRPr lang="en-US" altLang="en-US" sz="2025" smtClean="0"/>
+            <a:endParaRPr lang="en-US" altLang="en-US" sz="2025"/>
           </a:p>
         </p:txBody>
       </p:sp>
@@ -4572,7 +4581,7 @@
               <a:buNone/>
             </a:pPr>
             <a:r>
-              <a:rPr lang="en-US" sz="1800" u="none" strike="noStrike" cap="none" dirty="0" smtClean="0">
+              <a:rPr lang="en-US" sz="1800" u="none" strike="noStrike" cap="none" dirty="0">
                 <a:solidFill>
                   <a:srgbClr val="FFFF00"/>
                 </a:solidFill>
@@ -4603,7 +4612,7 @@
               <a:buNone/>
             </a:pPr>
             <a:r>
-              <a:rPr lang="en-US" sz="1800" dirty="0" smtClean="0">
+              <a:rPr lang="en-US" sz="1800" dirty="0">
                 <a:solidFill>
                   <a:srgbClr val="FFFF00"/>
                 </a:solidFill>
@@ -4685,13 +4694,6 @@
   <p:clrMapOvr>
     <a:masterClrMapping/>
   </p:clrMapOvr>
-  <p:timing>
-    <p:tnLst>
-      <p:par>
-        <p:cTn xmlns:p14="http://schemas.microsoft.com/office/powerpoint/2010/main" id="1" dur="indefinite" restart="never" nodeType="tmRoot"/>
-      </p:par>
-    </p:tnLst>
-  </p:timing>
 </p:sld>
 </file>
 
@@ -5025,13 +5027,6 @@
   <p:clrMapOvr>
     <a:masterClrMapping/>
   </p:clrMapOvr>
-  <p:timing>
-    <p:tnLst>
-      <p:par>
-        <p:cTn xmlns:p14="http://schemas.microsoft.com/office/powerpoint/2010/main" id="1" dur="indefinite" restart="never" nodeType="tmRoot"/>
-      </p:par>
-    </p:tnLst>
-  </p:timing>
 </p:sld>
 </file>
 
@@ -5271,13 +5266,6 @@
   <p:clrMapOvr>
     <a:masterClrMapping/>
   </p:clrMapOvr>
-  <p:timing>
-    <p:tnLst>
-      <p:par>
-        <p:cTn xmlns:p14="http://schemas.microsoft.com/office/powerpoint/2010/main" id="1" dur="indefinite" restart="never" nodeType="tmRoot"/>
-      </p:par>
-    </p:tnLst>
-  </p:timing>
 </p:sld>
 </file>
 
@@ -5781,13 +5769,6 @@
   <p:clrMapOvr>
     <a:masterClrMapping/>
   </p:clrMapOvr>
-  <p:timing>
-    <p:tnLst>
-      <p:par>
-        <p:cTn xmlns:p14="http://schemas.microsoft.com/office/powerpoint/2010/main" id="1" dur="indefinite" restart="never" nodeType="tmRoot"/>
-      </p:par>
-    </p:tnLst>
-  </p:timing>
 </p:sld>
 </file>
 
@@ -6073,13 +6054,6 @@
   <p:clrMapOvr>
     <a:masterClrMapping/>
   </p:clrMapOvr>
-  <p:timing>
-    <p:tnLst>
-      <p:par>
-        <p:cTn xmlns:p14="http://schemas.microsoft.com/office/powerpoint/2010/main" id="1" dur="indefinite" restart="never" nodeType="tmRoot"/>
-      </p:par>
-    </p:tnLst>
-  </p:timing>
 </p:sld>
 </file>
 
@@ -6294,13 +6268,6 @@
   <p:clrMapOvr>
     <a:masterClrMapping/>
   </p:clrMapOvr>
-  <p:timing>
-    <p:tnLst>
-      <p:par>
-        <p:cTn xmlns:p14="http://schemas.microsoft.com/office/powerpoint/2010/main" id="1" dur="indefinite" restart="never" nodeType="tmRoot"/>
-      </p:par>
-    </p:tnLst>
-  </p:timing>
 </p:sld>
 </file>
 
@@ -7117,22 +7084,10 @@
                 <a:cs typeface="Helvetica Neue"/>
                 <a:sym typeface="Helvetica Neue"/>
               </a:rPr>
-              <a:t>http://</a:t>
-            </a:r>
-            <a:r>
-              <a:rPr lang="en" sz="2300" b="0" i="0" u="none" strike="noStrike" cap="none" baseline="30000" dirty="0" smtClean="0">
-                <a:solidFill>
-                  <a:srgbClr val="FFFF00"/>
-                </a:solidFill>
-                <a:latin typeface="Helvetica Neue"/>
-                <a:ea typeface="Helvetica Neue"/>
-                <a:cs typeface="Helvetica Neue"/>
-                <a:sym typeface="Helvetica Neue"/>
-              </a:rPr>
-              <a:t>www.py4e.com/code3/</a:t>
-            </a:r>
-            <a:r>
-              <a:rPr lang="en" sz="2300" b="0" i="0" u="none" strike="noStrike" cap="none" baseline="30000" dirty="0" err="1" smtClean="0">
+              <a:t>http://www.py4e.com/code3/</a:t>
+            </a:r>
+            <a:r>
+              <a:rPr lang="en" sz="2300" b="0" i="0" u="none" strike="noStrike" cap="none" baseline="30000" dirty="0" err="1">
                 <a:solidFill>
                   <a:srgbClr val="FFFF00"/>
                 </a:solidFill>
@@ -7422,13 +7377,6 @@
   <p:clrMapOvr>
     <a:masterClrMapping/>
   </p:clrMapOvr>
-  <p:timing>
-    <p:tnLst>
-      <p:par>
-        <p:cTn xmlns:p14="http://schemas.microsoft.com/office/powerpoint/2010/main" id="1" dur="indefinite" restart="never" nodeType="tmRoot"/>
-      </p:par>
-    </p:tnLst>
-  </p:timing>
 </p:sld>
 </file>
 
@@ -7647,22 +7595,10 @@
                 <a:cs typeface="Helvetica Neue"/>
                 <a:sym typeface="Helvetica Neue"/>
               </a:rPr>
-              <a:t>http://</a:t>
-            </a:r>
-            <a:r>
-              <a:rPr lang="en" sz="2300" b="0" i="0" u="none" strike="noStrike" cap="none" baseline="30000" dirty="0" smtClean="0">
-                <a:solidFill>
-                  <a:srgbClr val="FFFF00"/>
-                </a:solidFill>
-                <a:latin typeface="Helvetica Neue"/>
-                <a:ea typeface="Helvetica Neue"/>
-                <a:cs typeface="Helvetica Neue"/>
-                <a:sym typeface="Helvetica Neue"/>
-              </a:rPr>
-              <a:t>www.py4e.com/code3/</a:t>
-            </a:r>
-            <a:r>
-              <a:rPr lang="en" sz="2300" b="0" i="0" u="none" strike="noStrike" cap="none" baseline="30000" dirty="0" err="1" smtClean="0">
+              <a:t>http://www.py4e.com/code3/</a:t>
+            </a:r>
+            <a:r>
+              <a:rPr lang="en" sz="2300" b="0" i="0" u="none" strike="noStrike" cap="none" baseline="30000" dirty="0" err="1">
                 <a:solidFill>
                   <a:srgbClr val="FFFF00"/>
                 </a:solidFill>
@@ -7717,13 +7653,6 @@
   <p:clrMapOvr>
     <a:masterClrMapping/>
   </p:clrMapOvr>
-  <p:timing>
-    <p:tnLst>
-      <p:par>
-        <p:cTn xmlns:p14="http://schemas.microsoft.com/office/powerpoint/2010/main" id="1" dur="indefinite" restart="never" nodeType="tmRoot"/>
-      </p:par>
-    </p:tnLst>
-  </p:timing>
 </p:sld>
 </file>
 
@@ -7846,7 +7775,7 @@
                 </a:solidFill>
                 <a:sym typeface="Cabin"/>
               </a:rPr>
-              <a:t>Do not just point this application at </a:t>
+              <a:t>Sadly the original source of this data (</a:t>
             </a:r>
             <a:r>
               <a:rPr lang="en" sz="2000" u="none" strike="noStrike" cap="none" dirty="0" err="1">
@@ -7860,79 +7789,60 @@
             <a:r>
               <a:rPr lang="en" sz="2000" u="none" strike="noStrike" cap="none" dirty="0">
                 <a:solidFill>
+                  <a:srgbClr val="FFFF00"/>
+                </a:solidFill>
+                <a:sym typeface="Cabin"/>
+              </a:rPr>
+              <a:t>)</a:t>
+            </a:r>
+            <a:r>
+              <a:rPr lang="en" sz="2000" u="none" strike="noStrike" cap="none" dirty="0">
+                <a:solidFill>
                   <a:srgbClr val="FFFFFF"/>
                 </a:solidFill>
                 <a:sym typeface="Cabin"/>
               </a:rPr>
-              <a:t> and let it </a:t>
-            </a:r>
-            <a:r>
-              <a:rPr lang="en" sz="2000" u="none" strike="noStrike" cap="none" dirty="0" smtClean="0">
+              <a:t> </a:t>
+            </a:r>
+            <a:r>
+              <a:rPr lang="en" sz="2000" dirty="0">
                 <a:solidFill>
                   <a:srgbClr val="FFFFFF"/>
                 </a:solidFill>
                 <a:sym typeface="Cabin"/>
               </a:rPr>
-              <a:t>run</a:t>
-            </a:r>
-            <a:endParaRPr lang="en-US" sz="2000" u="none" strike="noStrike" cap="none" dirty="0" smtClean="0">
+              <a:t>has been shut down</a:t>
+            </a:r>
+          </a:p>
+          <a:p>
+            <a:pPr marL="457200" marR="0" lvl="0" indent="-355600" algn="l" rtl="0">
+              <a:lnSpc>
+                <a:spcPct val="115000"/>
+              </a:lnSpc>
+              <a:spcBef>
+                <a:spcPts val="0"/>
+              </a:spcBef>
+              <a:buClr>
+                <a:srgbClr val="FFFFFF"/>
+              </a:buClr>
+              <a:buSzPct val="100000"/>
+              <a:buFont typeface="Cabin"/>
+            </a:pPr>
+            <a:r>
+              <a:rPr lang="en" sz="2000" u="none" strike="noStrike" cap="none" dirty="0">
+                <a:solidFill>
+                  <a:srgbClr val="FFFFFF"/>
+                </a:solidFill>
+                <a:sym typeface="Cabin"/>
+              </a:rPr>
+              <a:t>We made a copy of a subset of the data before it was shut down </a:t>
+            </a:r>
+            <a:endParaRPr lang="en-US" sz="2000" u="none" strike="noStrike" cap="none" dirty="0">
               <a:solidFill>
                 <a:srgbClr val="FFFFFF"/>
               </a:solidFill>
               <a:sym typeface="Cabin"/>
             </a:endParaRPr>
-          </a:p>
-          <a:p>
-            <a:pPr marL="457200" marR="0" lvl="0" indent="-355600" algn="l" rtl="0">
-              <a:lnSpc>
-                <a:spcPct val="115000"/>
-              </a:lnSpc>
-              <a:spcBef>
-                <a:spcPts val="0"/>
-              </a:spcBef>
-              <a:buClr>
-                <a:srgbClr val="FFFFFF"/>
-              </a:buClr>
-              <a:buSzPct val="100000"/>
-              <a:buFont typeface="Cabin"/>
-            </a:pPr>
-            <a:r>
-              <a:rPr lang="en" sz="2000" u="none" strike="noStrike" cap="none" dirty="0" smtClean="0">
-                <a:solidFill>
-                  <a:srgbClr val="FFFFFF"/>
-                </a:solidFill>
-                <a:sym typeface="Cabin"/>
-              </a:rPr>
-              <a:t>There </a:t>
-            </a:r>
-            <a:r>
-              <a:rPr lang="en" sz="2000" u="none" strike="noStrike" cap="none" dirty="0">
-                <a:solidFill>
-                  <a:srgbClr val="FFFFFF"/>
-                </a:solidFill>
-                <a:sym typeface="Cabin"/>
-              </a:rPr>
-              <a:t>is no rate limit – these are cool </a:t>
-            </a:r>
-            <a:r>
-              <a:rPr lang="en" sz="2000" u="none" strike="noStrike" cap="none" dirty="0" smtClean="0">
-                <a:solidFill>
-                  <a:srgbClr val="FFFFFF"/>
-                </a:solidFill>
-                <a:sym typeface="Cabin"/>
-              </a:rPr>
-              <a:t>folk</a:t>
-            </a:r>
-            <a:r>
-              <a:rPr lang="en-US" sz="2000" dirty="0" smtClean="0">
-                <a:solidFill>
-                  <a:srgbClr val="FFFFFF"/>
-                </a:solidFill>
-                <a:sym typeface="Cabin"/>
-              </a:rPr>
-              <a:t>s</a:t>
-            </a:r>
-            <a:endParaRPr lang="en" dirty="0"/>
           </a:p>
         </p:txBody>
       </p:sp>
@@ -7944,7 +7854,7 @@
         </p:nvSpPr>
         <p:spPr>
           <a:xfrm>
-            <a:off x="650081" y="2931949"/>
+            <a:off x="650081" y="3178439"/>
             <a:ext cx="7664937" cy="1028418"/>
           </a:xfrm>
           <a:prstGeom prst="rect">
@@ -7968,7 +7878,7 @@
               <a:buNone/>
             </a:pPr>
             <a:r>
-              <a:rPr lang="en-US" sz="1800" dirty="0" smtClean="0">
+              <a:rPr lang="en-US" sz="1800" dirty="0">
                 <a:solidFill>
                   <a:srgbClr val="FFFF00"/>
                 </a:solidFill>
@@ -7977,19 +7887,7 @@
                 <a:cs typeface="Courier"/>
                 <a:sym typeface="Courier New"/>
               </a:rPr>
-              <a:t>Use this for </a:t>
-            </a:r>
-            <a:r>
-              <a:rPr lang="en-US" sz="1800" smtClean="0">
-                <a:solidFill>
-                  <a:srgbClr val="FFFF00"/>
-                </a:solidFill>
-                <a:latin typeface="Courier"/>
-                <a:ea typeface="Courier New"/>
-                <a:cs typeface="Courier"/>
-                <a:sym typeface="Courier New"/>
-              </a:rPr>
-              <a:t>your testing:</a:t>
+              <a:t>Use this for your testing:</a:t>
             </a:r>
           </a:p>
           <a:p>
@@ -7999,7 +7897,7 @@
               </a:spcBef>
               <a:buNone/>
             </a:pPr>
-            <a:endParaRPr lang="en-US" sz="1800" dirty="0" smtClean="0">
+            <a:endParaRPr lang="en-US" sz="1800" dirty="0">
               <a:solidFill>
                 <a:srgbClr val="FFFF00"/>
               </a:solidFill>
@@ -8017,7 +7915,7 @@
               <a:buNone/>
             </a:pPr>
             <a:r>
-              <a:rPr lang="en" sz="1800" dirty="0" smtClean="0">
+              <a:rPr lang="en" sz="1800" dirty="0">
                 <a:solidFill>
                   <a:srgbClr val="FFFF00"/>
                 </a:solidFill>
@@ -8026,19 +7924,7 @@
                 <a:cs typeface="Courier"/>
                 <a:sym typeface="Courier New"/>
               </a:rPr>
-              <a:t>http</a:t>
-            </a:r>
-            <a:r>
-              <a:rPr lang="en" sz="1800" dirty="0">
-                <a:solidFill>
-                  <a:srgbClr val="FFFF00"/>
-                </a:solidFill>
-                <a:latin typeface="Courier"/>
-                <a:ea typeface="Courier New"/>
-                <a:cs typeface="Courier"/>
-                <a:sym typeface="Courier New"/>
-              </a:rPr>
-              <a:t>://</a:t>
+              <a:t>http://</a:t>
             </a:r>
             <a:r>
               <a:rPr lang="en" sz="1800" dirty="0" err="1">
@@ -8096,13 +7982,6 @@
   <p:clrMapOvr>
     <a:masterClrMapping/>
   </p:clrMapOvr>
-  <p:timing>
-    <p:tnLst>
-      <p:par>
-        <p:cTn xmlns:p14="http://schemas.microsoft.com/office/powerpoint/2010/main" id="1" dur="indefinite" restart="never" nodeType="tmRoot"/>
-      </p:par>
-    </p:tnLst>
-  </p:timing>
 </p:sld>
 </file>
 
@@ -8227,14 +8106,16 @@
         <p:nvCxnSpPr>
           <p:cNvPr id="292" name="Shape 292"/>
           <p:cNvCxnSpPr>
+            <a:cxnSpLocks/>
+            <a:stCxn id="296" idx="3"/>
             <a:endCxn id="291" idx="2"/>
           </p:cNvCxnSpPr>
           <p:nvPr/>
         </p:nvCxnSpPr>
         <p:spPr>
           <a:xfrm>
-            <a:off x="2228834" y="860173"/>
-            <a:ext cx="1618200" cy="3600"/>
+            <a:off x="2146474" y="838887"/>
+            <a:ext cx="1700560" cy="24886"/>
           </a:xfrm>
           <a:prstGeom prst="straightConnector1">
             <a:avLst/>
@@ -8259,7 +8140,7 @@
         </p:nvSpPr>
         <p:spPr>
           <a:xfrm>
-            <a:off x="2199524" y="653778"/>
+            <a:off x="2343611" y="653776"/>
             <a:ext cx="1082100" cy="334799"/>
           </a:xfrm>
           <a:prstGeom prst="rect">
@@ -8302,7 +8183,7 @@
               <a:buNone/>
             </a:pPr>
             <a:r>
-              <a:rPr lang="en" sz="1800" b="0" i="0" u="none" strike="noStrike" cap="none">
+              <a:rPr lang="en" sz="1800" b="0" i="0" u="none" strike="noStrike" cap="none" dirty="0" err="1">
                 <a:solidFill>
                   <a:srgbClr val="FFFFFF"/>
                 </a:solidFill>
@@ -8313,6 +8194,15 @@
               </a:rPr>
               <a:t>gmane.py</a:t>
             </a:r>
+            <a:endParaRPr lang="en" sz="1800" b="0" i="0" u="none" strike="noStrike" cap="none" dirty="0">
+              <a:solidFill>
+                <a:srgbClr val="FFFFFF"/>
+              </a:solidFill>
+              <a:latin typeface="Helvetica Neue"/>
+              <a:ea typeface="Helvetica Neue"/>
+              <a:cs typeface="Helvetica Neue"/>
+              <a:sym typeface="Helvetica Neue"/>
+            </a:endParaRPr>
           </a:p>
         </p:txBody>
       </p:sp>
@@ -8940,22 +8830,10 @@
                 <a:cs typeface="Helvetica Neue"/>
                 <a:sym typeface="Helvetica Neue"/>
               </a:rPr>
-              <a:t>http://</a:t>
-            </a:r>
-            <a:r>
-              <a:rPr lang="en" sz="2300" b="0" i="0" u="none" strike="noStrike" cap="none" baseline="30000" smtClean="0">
-                <a:solidFill>
-                  <a:srgbClr val="FFFF00"/>
-                </a:solidFill>
-                <a:latin typeface="Helvetica Neue"/>
-                <a:ea typeface="Helvetica Neue"/>
-                <a:cs typeface="Helvetica Neue"/>
-                <a:sym typeface="Helvetica Neue"/>
-              </a:rPr>
-              <a:t>www.py4e.com/code3/</a:t>
-            </a:r>
-            <a:r>
-              <a:rPr lang="en" sz="2300" b="0" i="0" u="none" strike="noStrike" cap="none" baseline="30000" dirty="0" err="1" smtClean="0">
+              <a:t>http://www.py4e.com/code3/</a:t>
+            </a:r>
+            <a:r>
+              <a:rPr lang="en" sz="2300" b="0" i="0" u="none" strike="noStrike" cap="none" baseline="30000" dirty="0" err="1">
                 <a:solidFill>
                   <a:srgbClr val="FFFF00"/>
                 </a:solidFill>
@@ -9641,7 +9519,7 @@
               <a:buNone/>
             </a:pPr>
             <a:r>
-              <a:rPr lang="en-US" sz="1500" u="none" strike="noStrike" cap="none" dirty="0" smtClean="0">
+              <a:rPr lang="en-US" sz="1500" u="none" strike="noStrike" cap="none" dirty="0">
                 <a:solidFill>
                   <a:srgbClr val="660066"/>
                 </a:solidFill>
@@ -9653,7 +9531,7 @@
               <a:t>mapping</a:t>
             </a:r>
             <a:r>
-              <a:rPr lang="en" sz="1500" u="none" strike="noStrike" cap="none" dirty="0" smtClean="0">
+              <a:rPr lang="en" sz="1500" u="none" strike="noStrike" cap="none" dirty="0">
                 <a:solidFill>
                   <a:srgbClr val="660066"/>
                 </a:solidFill>
@@ -9665,7 +9543,7 @@
               <a:t>.</a:t>
             </a:r>
             <a:r>
-              <a:rPr lang="en" sz="1500" u="none" strike="noStrike" cap="none" dirty="0" err="1" smtClean="0">
+              <a:rPr lang="en" sz="1500" u="none" strike="noStrike" cap="none" dirty="0" err="1">
                 <a:solidFill>
                   <a:srgbClr val="660066"/>
                 </a:solidFill>
@@ -9831,7 +9709,7 @@
               <a:buNone/>
             </a:pPr>
             <a:r>
-              <a:rPr lang="en" sz="1000" b="0" i="0" u="none" strike="noStrike" cap="none" dirty="0" err="1" smtClean="0">
+              <a:rPr lang="en" sz="1000" b="0" i="0" u="none" strike="noStrike" cap="none" dirty="0" err="1">
                 <a:solidFill>
                   <a:srgbClr val="FFFFFF"/>
                 </a:solidFill>
@@ -9843,7 +9721,7 @@
               <a:t>Thes</a:t>
             </a:r>
             <a:r>
-              <a:rPr lang="en-US" sz="1000" b="0" i="0" u="none" strike="noStrike" cap="none" dirty="0" smtClean="0">
+              <a:rPr lang="en-US" sz="1000" b="0" i="0" u="none" strike="noStrike" cap="none" dirty="0">
                 <a:solidFill>
                   <a:srgbClr val="FFFFFF"/>
                 </a:solidFill>
@@ -9855,7 +9733,7 @@
               <a:t>e</a:t>
             </a:r>
             <a:r>
-              <a:rPr lang="en" sz="1000" b="0" i="0" u="none" strike="noStrike" cap="none" dirty="0" smtClean="0">
+              <a:rPr lang="en" sz="1000" b="0" i="0" u="none" strike="noStrike" cap="none" dirty="0">
                 <a:solidFill>
                   <a:srgbClr val="FFFFFF"/>
                 </a:solidFill>
@@ -9867,7 +9745,7 @@
               <a:t> slide</a:t>
             </a:r>
             <a:r>
-              <a:rPr lang="en-US" sz="1000" b="0" i="0" u="none" strike="noStrike" cap="none" smtClean="0">
+              <a:rPr lang="en-US" sz="1000" b="0" i="0" u="none" strike="noStrike" cap="none">
                 <a:solidFill>
                   <a:srgbClr val="FFFFFF"/>
                 </a:solidFill>
@@ -9879,7 +9757,7 @@
               <a:t>s</a:t>
             </a:r>
             <a:r>
-              <a:rPr lang="en" sz="1000" b="0" i="0" u="none" strike="noStrike" cap="none" smtClean="0">
+              <a:rPr lang="en" sz="1000" b="0" i="0" u="none" strike="noStrike" cap="none">
                 <a:solidFill>
                   <a:srgbClr val="FFFFFF"/>
                 </a:solidFill>
@@ -10325,33 +10203,6 @@
           </a:p>
         </p:txBody>
       </p:sp>
-      <p:pic>
-        <p:nvPicPr>
-          <p:cNvPr id="130" name="Shape 130" descr="google-map.png"/>
-          <p:cNvPicPr preferRelativeResize="0"/>
-          <p:nvPr/>
-        </p:nvPicPr>
-        <p:blipFill rotWithShape="1">
-          <a:blip r:embed="rId5">
-            <a:alphaModFix/>
-          </a:blip>
-          <a:srcRect/>
-          <a:stretch/>
-        </p:blipFill>
-        <p:spPr>
-          <a:xfrm>
-            <a:off x="7024687" y="1365678"/>
-            <a:ext cx="1857375" cy="1335419"/>
-          </a:xfrm>
-          <a:prstGeom prst="rect">
-            <a:avLst/>
-          </a:prstGeom>
-          <a:noFill/>
-          <a:ln>
-            <a:noFill/>
-          </a:ln>
-        </p:spPr>
-      </p:pic>
       <p:sp>
         <p:nvSpPr>
           <p:cNvPr id="131" name="Shape 131"/>
@@ -10507,15 +10358,16 @@
         <p:nvCxnSpPr>
           <p:cNvPr id="134" name="Shape 134"/>
           <p:cNvCxnSpPr>
+            <a:cxnSpLocks/>
             <a:stCxn id="131" idx="4"/>
-            <a:endCxn id="130" idx="1"/>
+            <a:endCxn id="4" idx="1"/>
           </p:cNvCxnSpPr>
           <p:nvPr/>
         </p:nvCxnSpPr>
         <p:spPr>
-          <a:xfrm rot="10800000" flipH="1">
-            <a:off x="5016590" y="2033537"/>
-            <a:ext cx="2008199" cy="2059800"/>
+          <a:xfrm flipV="1">
+            <a:off x="5016590" y="2264137"/>
+            <a:ext cx="1930302" cy="1829200"/>
           </a:xfrm>
           <a:prstGeom prst="straightConnector1">
             <a:avLst/>
@@ -10627,7 +10479,7 @@
         </p:nvSpPr>
         <p:spPr>
           <a:xfrm>
-            <a:off x="5572692" y="2674040"/>
+            <a:off x="5500708" y="2963873"/>
             <a:ext cx="1096961" cy="369331"/>
           </a:xfrm>
           <a:prstGeom prst="rect">
@@ -10664,7 +10516,7 @@
               <a:buNone/>
             </a:pPr>
             <a:r>
-              <a:rPr lang="en" sz="2000" b="0" i="0" u="none" strike="noStrike" cap="none">
+              <a:rPr lang="en" sz="2000" b="0" i="0" u="none" strike="noStrike" cap="none" dirty="0">
                 <a:solidFill>
                   <a:srgbClr val="FFFFFF"/>
                 </a:solidFill>
@@ -10956,18 +10808,41 @@
           </a:p>
         </p:txBody>
       </p:sp>
+      <p:pic>
+        <p:nvPicPr>
+          <p:cNvPr id="4" name="Picture 3" descr="A map of europe with red points&#10;&#10;Description automatically generated">
+            <a:extLst>
+              <a:ext uri="{FF2B5EF4-FFF2-40B4-BE49-F238E27FC236}">
+                <a16:creationId xmlns:a16="http://schemas.microsoft.com/office/drawing/2014/main" id="{91F51BF1-2786-90E8-4B3F-8A44A8587F49}"/>
+              </a:ext>
+            </a:extLst>
+          </p:cNvPr>
+          <p:cNvPicPr>
+            <a:picLocks noChangeAspect="1"/>
+          </p:cNvPicPr>
+          <p:nvPr/>
+        </p:nvPicPr>
+        <p:blipFill>
+          <a:blip r:embed="rId5"/>
+          <a:stretch>
+            <a:fillRect/>
+          </a:stretch>
+        </p:blipFill>
+        <p:spPr>
+          <a:xfrm>
+            <a:off x="6946892" y="1590570"/>
+            <a:ext cx="1901442" cy="1347134"/>
+          </a:xfrm>
+          <a:prstGeom prst="rect">
+            <a:avLst/>
+          </a:prstGeom>
+        </p:spPr>
+      </p:pic>
     </p:spTree>
   </p:cSld>
   <p:clrMapOvr>
     <a:masterClrMapping/>
   </p:clrMapOvr>
-  <p:timing>
-    <p:tnLst>
-      <p:par>
-        <p:cTn xmlns:p14="http://schemas.microsoft.com/office/powerpoint/2010/main" id="1" dur="indefinite" restart="never" nodeType="tmRoot"/>
-      </p:par>
-    </p:tnLst>
-  </p:timing>
 </p:sld>
 </file>
 
@@ -11172,13 +11047,6 @@
   <p:clrMapOvr>
     <a:masterClrMapping/>
   </p:clrMapOvr>
-  <p:timing>
-    <p:tnLst>
-      <p:par>
-        <p:cTn xmlns:p14="http://schemas.microsoft.com/office/powerpoint/2010/main" id="1" dur="indefinite" restart="never" nodeType="tmRoot"/>
-      </p:par>
-    </p:tnLst>
-  </p:timing>
 </p:sld>
 </file>
 
@@ -11299,13 +11167,6 @@
   <p:clrMapOvr>
     <a:masterClrMapping/>
   </p:clrMapOvr>
-  <p:timing>
-    <p:tnLst>
-      <p:par>
-        <p:cTn xmlns:p14="http://schemas.microsoft.com/office/powerpoint/2010/main" id="1" dur="indefinite" restart="never" nodeType="tmRoot"/>
-      </p:par>
-    </p:tnLst>
-  </p:timing>
 </p:sld>
 </file>
 
@@ -11351,22 +11212,24 @@
           </a:bodyPr>
           <a:lstStyle/>
           <a:p>
-            <a:pPr marL="0" marR="0" lvl="0" indent="0" algn="ctr" rtl="0">
-              <a:spcBef>
-                <a:spcPts val="0"/>
-              </a:spcBef>
+            <a:pPr lvl="0">
               <a:buSzPct val="25000"/>
-              <a:buNone/>
-            </a:pPr>
-            <a:r>
-              <a:rPr lang="en" sz="4300" u="none" strike="noStrike" cap="none">
+            </a:pPr>
+            <a:r>
+              <a:rPr lang="en" sz="4300" u="none" strike="noStrike" cap="none" dirty="0" err="1">
                 <a:solidFill>
                   <a:srgbClr val="FFD966"/>
                 </a:solidFill>
                 <a:sym typeface="Cabin"/>
               </a:rPr>
-              <a:t>GeoData</a:t>
-            </a:r>
+              <a:t>OpenGeo</a:t>
+            </a:r>
+            <a:endParaRPr lang="en" sz="4300" u="none" strike="noStrike" cap="none" dirty="0">
+              <a:solidFill>
+                <a:srgbClr val="FFD966"/>
+              </a:solidFill>
+              <a:sym typeface="Cabin"/>
+            </a:endParaRPr>
           </a:p>
         </p:txBody>
       </p:sp>
@@ -11382,8 +11245,8 @@
         </p:nvSpPr>
         <p:spPr>
           <a:xfrm>
-            <a:off x="650081" y="1464469"/>
-            <a:ext cx="4218698" cy="3207599"/>
+            <a:off x="650080" y="1464469"/>
+            <a:ext cx="4335387" cy="3207599"/>
           </a:xfrm>
           <a:prstGeom prst="rect">
             <a:avLst/>
@@ -11416,7 +11279,7 @@
                 </a:solidFill>
                 <a:sym typeface="Cabin"/>
               </a:rPr>
-              <a:t>Makes a Google Map from user entered data</a:t>
+              <a:t>Makes an annotated Open Street Map from user entered data</a:t>
             </a:r>
           </a:p>
           <a:p>
@@ -11437,7 +11300,7 @@
                 </a:solidFill>
                 <a:sym typeface="Cabin"/>
               </a:rPr>
-              <a:t>Uses the Google </a:t>
+              <a:t>Uses the proxied </a:t>
             </a:r>
             <a:r>
               <a:rPr lang="en" sz="2000" u="none" strike="noStrike" cap="none" dirty="0" err="1">
@@ -11446,7 +11309,7 @@
                 </a:solidFill>
                 <a:sym typeface="Cabin"/>
               </a:rPr>
-              <a:t>Geodata</a:t>
+              <a:t>GeoAPI</a:t>
             </a:r>
             <a:r>
               <a:rPr lang="en" sz="2000" u="none" strike="noStrike" cap="none" dirty="0">
@@ -11497,38 +11360,11 @@
                 </a:solidFill>
                 <a:sym typeface="Cabin"/>
               </a:rPr>
-              <a:t>Visualized in a browser using the Google Maps API</a:t>
+              <a:t>Visualized in a browser using the Open Street Map</a:t>
             </a:r>
           </a:p>
         </p:txBody>
       </p:sp>
-      <p:pic>
-        <p:nvPicPr>
-          <p:cNvPr id="159" name="Shape 159" descr="google-map.png"/>
-          <p:cNvPicPr preferRelativeResize="0"/>
-          <p:nvPr/>
-        </p:nvPicPr>
-        <p:blipFill rotWithShape="1">
-          <a:blip r:embed="rId3">
-            <a:alphaModFix/>
-          </a:blip>
-          <a:srcRect/>
-          <a:stretch/>
-        </p:blipFill>
-        <p:spPr>
-          <a:xfrm>
-            <a:off x="5132195" y="1706398"/>
-            <a:ext cx="3598415" cy="2587196"/>
-          </a:xfrm>
-          <a:prstGeom prst="rect">
-            <a:avLst/>
-          </a:prstGeom>
-          <a:noFill/>
-          <a:ln>
-            <a:noFill/>
-          </a:ln>
-        </p:spPr>
-      </p:pic>
       <p:sp>
         <p:nvSpPr>
           <p:cNvPr id="160" name="Shape 160"/>
@@ -11537,8 +11373,8 @@
         </p:nvSpPr>
         <p:spPr>
           <a:xfrm>
-            <a:off x="5043499" y="4574897"/>
-            <a:ext cx="3717348" cy="282769"/>
+            <a:off x="4868779" y="4574897"/>
+            <a:ext cx="3892068" cy="282769"/>
           </a:xfrm>
           <a:prstGeom prst="rect">
             <a:avLst/>
@@ -11571,10 +11407,10 @@
                 <a:cs typeface="Helvetica Neue"/>
                 <a:sym typeface="Helvetica Neue"/>
               </a:rPr>
-              <a:t>http://</a:t>
-            </a:r>
-            <a:r>
-              <a:rPr lang="en" sz="2300" b="0" i="0" u="none" strike="noStrike" cap="none" baseline="30000" dirty="0" smtClean="0">
+              <a:t>http://www.py4e.com/code3/</a:t>
+            </a:r>
+            <a:r>
+              <a:rPr lang="en" sz="2300" b="0" i="0" u="none" strike="noStrike" cap="none" baseline="30000" dirty="0" err="1">
                 <a:solidFill>
                   <a:srgbClr val="FFFF00"/>
                 </a:solidFill>
@@ -11583,19 +11419,7 @@
                 <a:cs typeface="Helvetica Neue"/>
                 <a:sym typeface="Helvetica Neue"/>
               </a:rPr>
-              <a:t>www.py4e.com/code3/</a:t>
-            </a:r>
-            <a:r>
-              <a:rPr lang="en" sz="2300" b="0" i="0" u="none" strike="noStrike" cap="none" baseline="30000" dirty="0" err="1" smtClean="0">
-                <a:solidFill>
-                  <a:srgbClr val="FFFF00"/>
-                </a:solidFill>
-                <a:latin typeface="Helvetica Neue"/>
-                <a:ea typeface="Helvetica Neue"/>
-                <a:cs typeface="Helvetica Neue"/>
-                <a:sym typeface="Helvetica Neue"/>
-              </a:rPr>
-              <a:t>geodata.zip</a:t>
+              <a:t>opengeo.zip</a:t>
             </a:r>
             <a:endParaRPr lang="en" sz="2300" b="0" i="0" u="none" strike="noStrike" cap="none" baseline="30000" dirty="0">
               <a:solidFill>
@@ -11609,18 +11433,41 @@
           </a:p>
         </p:txBody>
       </p:sp>
+      <p:pic>
+        <p:nvPicPr>
+          <p:cNvPr id="4" name="Picture 3" descr="A map of europe with red points&#10;&#10;Description automatically generated">
+            <a:extLst>
+              <a:ext uri="{FF2B5EF4-FFF2-40B4-BE49-F238E27FC236}">
+                <a16:creationId xmlns:a16="http://schemas.microsoft.com/office/drawing/2014/main" id="{AAB44B88-3681-4317-F642-D27274FFC661}"/>
+              </a:ext>
+            </a:extLst>
+          </p:cNvPr>
+          <p:cNvPicPr>
+            <a:picLocks noChangeAspect="1"/>
+          </p:cNvPicPr>
+          <p:nvPr/>
+        </p:nvPicPr>
+        <p:blipFill>
+          <a:blip r:embed="rId3"/>
+          <a:stretch>
+            <a:fillRect/>
+          </a:stretch>
+        </p:blipFill>
+        <p:spPr>
+          <a:xfrm>
+            <a:off x="5225590" y="1606162"/>
+            <a:ext cx="3535257" cy="2504661"/>
+          </a:xfrm>
+          <a:prstGeom prst="rect">
+            <a:avLst/>
+          </a:prstGeom>
+        </p:spPr>
+      </p:pic>
     </p:spTree>
   </p:cSld>
   <p:clrMapOvr>
     <a:masterClrMapping/>
   </p:clrMapOvr>
-  <p:timing>
-    <p:tnLst>
-      <p:par>
-        <p:cTn xmlns:p14="http://schemas.microsoft.com/office/powerpoint/2010/main" id="1" dur="indefinite" restart="never" nodeType="tmRoot"/>
-      </p:par>
-    </p:tnLst>
-  </p:timing>
 </p:sld>
 </file>
 
@@ -11705,33 +11552,6 @@
           </a:p>
         </p:txBody>
       </p:sp>
-      <p:pic>
-        <p:nvPicPr>
-          <p:cNvPr id="166" name="Shape 166" descr="google-map.png"/>
-          <p:cNvPicPr preferRelativeResize="0"/>
-          <p:nvPr/>
-        </p:nvPicPr>
-        <p:blipFill rotWithShape="1">
-          <a:blip r:embed="rId4">
-            <a:alphaModFix/>
-          </a:blip>
-          <a:srcRect/>
-          <a:stretch/>
-        </p:blipFill>
-        <p:spPr>
-          <a:xfrm>
-            <a:off x="7119832" y="1567420"/>
-            <a:ext cx="1857375" cy="1335419"/>
-          </a:xfrm>
-          <a:prstGeom prst="rect">
-            <a:avLst/>
-          </a:prstGeom>
-          <a:noFill/>
-          <a:ln>
-            <a:noFill/>
-          </a:ln>
-        </p:spPr>
-      </p:pic>
       <p:cxnSp>
         <p:nvCxnSpPr>
           <p:cNvPr id="167" name="Shape 167"/>
@@ -11971,7 +11791,7 @@
               <a:buNone/>
             </a:pPr>
             <a:r>
-              <a:rPr lang="en" sz="1000" b="0" i="0" u="none" strike="noStrike" cap="none">
+              <a:rPr lang="en" sz="1000" b="0" i="0" u="none" strike="noStrike" cap="none" dirty="0">
                 <a:solidFill>
                   <a:srgbClr val="FFFFFF"/>
                 </a:solidFill>
@@ -11992,7 +11812,7 @@
               <a:buNone/>
             </a:pPr>
             <a:r>
-              <a:rPr lang="en" sz="1000" b="0" i="0" u="none" strike="noStrike" cap="none">
+              <a:rPr lang="en" sz="1000" b="0" i="0" u="none" strike="noStrike" cap="none" dirty="0">
                 <a:solidFill>
                   <a:srgbClr val="FFFFFF"/>
                 </a:solidFill>
@@ -12013,7 +11833,7 @@
               <a:buNone/>
             </a:pPr>
             <a:r>
-              <a:rPr lang="en" sz="1000" b="0" i="0" u="none" strike="noStrike" cap="none">
+              <a:rPr lang="en" sz="1000" b="0" i="0" u="none" strike="noStrike" cap="none" dirty="0">
                 <a:solidFill>
                   <a:srgbClr val="FFFFFF"/>
                 </a:solidFill>
@@ -12034,7 +11854,7 @@
               <a:buNone/>
             </a:pPr>
             <a:r>
-              <a:rPr lang="en" sz="1000" b="0" i="0" u="none" strike="noStrike" cap="none">
+              <a:rPr lang="en" sz="1000" b="0" i="0" u="none" strike="noStrike" cap="none" dirty="0">
                 <a:solidFill>
                   <a:srgbClr val="FFFFFF"/>
                 </a:solidFill>
@@ -12043,19 +11863,10 @@
                 <a:cs typeface="Helvetica Neue"/>
                 <a:sym typeface="Helvetica Neue"/>
               </a:rPr>
-              <a:t>Technion, Viazman 87, Kesalsaba, 32000, Israel 32.7775 35.0216667</a:t>
-            </a:r>
-          </a:p>
-          <a:p>
-            <a:pPr marL="0" marR="0" lvl="0" indent="0" algn="l" rtl="0">
-              <a:spcBef>
-                <a:spcPts val="0"/>
-              </a:spcBef>
-              <a:buSzPct val="25000"/>
-              <a:buNone/>
-            </a:pPr>
-            <a:r>
-              <a:rPr lang="en" sz="1000" b="0" i="0" u="none" strike="noStrike" cap="none">
+              <a:t>Technion, </a:t>
+            </a:r>
+            <a:r>
+              <a:rPr lang="en" sz="1000" b="0" i="0" u="none" strike="noStrike" cap="none" dirty="0" err="1">
                 <a:solidFill>
                   <a:srgbClr val="FFFFFF"/>
                 </a:solidFill>
@@ -12064,19 +11875,10 @@
                 <a:cs typeface="Helvetica Neue"/>
                 <a:sym typeface="Helvetica Neue"/>
               </a:rPr>
-              <a:t>Monash University Clayton ... VIC 3800, Australia -37.9152113 145.134682 </a:t>
-            </a:r>
-          </a:p>
-          <a:p>
-            <a:pPr marL="0" marR="0" lvl="0" indent="0" algn="l" rtl="0">
-              <a:spcBef>
-                <a:spcPts val="0"/>
-              </a:spcBef>
-              <a:buSzPct val="25000"/>
-              <a:buNone/>
-            </a:pPr>
-            <a:r>
-              <a:rPr lang="en" sz="1000" b="0" i="0" u="none" strike="noStrike" cap="none">
+              <a:t>Viazman</a:t>
+            </a:r>
+            <a:r>
+              <a:rPr lang="en" sz="1000" b="0" i="0" u="none" strike="noStrike" cap="none" dirty="0">
                 <a:solidFill>
                   <a:srgbClr val="FFFFFF"/>
                 </a:solidFill>
@@ -12085,19 +11887,10 @@
                 <a:cs typeface="Helvetica Neue"/>
                 <a:sym typeface="Helvetica Neue"/>
               </a:rPr>
-              <a:t>Kokshetau, Kazakhstan 53.2833333 69.3833333</a:t>
-            </a:r>
-          </a:p>
-          <a:p>
-            <a:pPr marL="0" marR="0" lvl="0" indent="0" algn="l" rtl="0">
-              <a:spcBef>
-                <a:spcPts val="0"/>
-              </a:spcBef>
-              <a:buSzPct val="25000"/>
-              <a:buNone/>
-            </a:pPr>
-            <a:r>
-              <a:rPr lang="en" sz="1000" b="0" i="0" u="none" strike="noStrike" cap="none">
+              <a:t> 87, </a:t>
+            </a:r>
+            <a:r>
+              <a:rPr lang="en" sz="1000" b="0" i="0" u="none" strike="noStrike" cap="none" dirty="0" err="1">
                 <a:solidFill>
                   <a:srgbClr val="FFFFFF"/>
                 </a:solidFill>
@@ -12106,19 +11899,10 @@
                 <a:cs typeface="Helvetica Neue"/>
                 <a:sym typeface="Helvetica Neue"/>
               </a:rPr>
-              <a:t>...</a:t>
-            </a:r>
-          </a:p>
-          <a:p>
-            <a:pPr marL="0" marR="0" lvl="0" indent="0" algn="l" rtl="0">
-              <a:spcBef>
-                <a:spcPts val="0"/>
-              </a:spcBef>
-              <a:buSzPct val="25000"/>
-              <a:buNone/>
-            </a:pPr>
-            <a:r>
-              <a:rPr lang="en" sz="1000" b="0" i="0" u="none" strike="noStrike" cap="none">
+              <a:t>Kesalsaba</a:t>
+            </a:r>
+            <a:r>
+              <a:rPr lang="en" sz="1000" b="0" i="0" u="none" strike="noStrike" cap="none" dirty="0">
                 <a:solidFill>
                   <a:srgbClr val="FFFFFF"/>
                 </a:solidFill>
@@ -12127,7 +11911,7 @@
                 <a:cs typeface="Helvetica Neue"/>
                 <a:sym typeface="Helvetica Neue"/>
               </a:rPr>
-              <a:t>12 records written to where.js</a:t>
+              <a:t>, 32000, Israel 32.7775 35.0216667</a:t>
             </a:r>
           </a:p>
           <a:p>
@@ -12139,7 +11923,7 @@
               <a:buNone/>
             </a:pPr>
             <a:r>
-              <a:rPr lang="en" sz="1000" b="0" i="0" u="none" strike="noStrike" cap="none">
+              <a:rPr lang="en" sz="1000" b="0" i="0" u="none" strike="noStrike" cap="none" dirty="0" err="1">
                 <a:solidFill>
                   <a:srgbClr val="FFFFFF"/>
                 </a:solidFill>
@@ -12148,8 +11932,158 @@
                 <a:cs typeface="Helvetica Neue"/>
                 <a:sym typeface="Helvetica Neue"/>
               </a:rPr>
-              <a:t>Open where.html to view the data in a browser</a:t>
-            </a:r>
+              <a:t>Kokshetau</a:t>
+            </a:r>
+            <a:r>
+              <a:rPr lang="en" sz="1000" b="0" i="0" u="none" strike="noStrike" cap="none" dirty="0">
+                <a:solidFill>
+                  <a:srgbClr val="FFFFFF"/>
+                </a:solidFill>
+                <a:latin typeface="Helvetica Neue"/>
+                <a:ea typeface="Helvetica Neue"/>
+                <a:cs typeface="Helvetica Neue"/>
+                <a:sym typeface="Helvetica Neue"/>
+              </a:rPr>
+              <a:t>, Kazakhstan 53.2833333 69.3833333</a:t>
+            </a:r>
+          </a:p>
+          <a:p>
+            <a:pPr marL="0" marR="0" lvl="0" indent="0" algn="l" rtl="0">
+              <a:spcBef>
+                <a:spcPts val="0"/>
+              </a:spcBef>
+              <a:buSzPct val="25000"/>
+              <a:buNone/>
+            </a:pPr>
+            <a:r>
+              <a:rPr lang="en" sz="1000" b="0" i="0" u="none" strike="noStrike" cap="none" dirty="0">
+                <a:solidFill>
+                  <a:srgbClr val="FFFFFF"/>
+                </a:solidFill>
+                <a:latin typeface="Helvetica Neue"/>
+                <a:ea typeface="Helvetica Neue"/>
+                <a:cs typeface="Helvetica Neue"/>
+                <a:sym typeface="Helvetica Neue"/>
+              </a:rPr>
+              <a:t>...</a:t>
+            </a:r>
+          </a:p>
+          <a:p>
+            <a:pPr marL="0" marR="0" lvl="0" indent="0" algn="l" rtl="0">
+              <a:spcBef>
+                <a:spcPts val="0"/>
+              </a:spcBef>
+              <a:buSzPct val="25000"/>
+              <a:buNone/>
+            </a:pPr>
+            <a:r>
+              <a:rPr lang="en-US" sz="1000" b="0" i="0" u="none" strike="noStrike" cap="none" dirty="0">
+                <a:solidFill>
+                  <a:srgbClr val="FFFFFF"/>
+                </a:solidFill>
+                <a:latin typeface="Helvetica Neue"/>
+                <a:ea typeface="Helvetica Neue"/>
+                <a:cs typeface="Helvetica Neue"/>
+                <a:sym typeface="Helvetica Neue"/>
+              </a:rPr>
+              <a:t>Technical University Munich 48.14907275 11.567444920339295</a:t>
+            </a:r>
+          </a:p>
+          <a:p>
+            <a:pPr marL="0" marR="0" lvl="0" indent="0" algn="l" rtl="0">
+              <a:spcBef>
+                <a:spcPts val="0"/>
+              </a:spcBef>
+              <a:buSzPct val="25000"/>
+              <a:buNone/>
+            </a:pPr>
+            <a:r>
+              <a:rPr lang="en-US" sz="1000" b="0" i="0" u="none" strike="noStrike" cap="none" dirty="0">
+                <a:solidFill>
+                  <a:srgbClr val="FFFFFF"/>
+                </a:solidFill>
+                <a:latin typeface="Helvetica Neue"/>
+                <a:ea typeface="Helvetica Neue"/>
+                <a:cs typeface="Helvetica Neue"/>
+                <a:sym typeface="Helvetica Neue"/>
+              </a:rPr>
+              <a:t>178 records written to </a:t>
+            </a:r>
+            <a:r>
+              <a:rPr lang="en-US" sz="1000" b="0" i="0" u="none" strike="noStrike" cap="none" dirty="0" err="1">
+                <a:solidFill>
+                  <a:srgbClr val="FFFFFF"/>
+                </a:solidFill>
+                <a:latin typeface="Helvetica Neue"/>
+                <a:ea typeface="Helvetica Neue"/>
+                <a:cs typeface="Helvetica Neue"/>
+                <a:sym typeface="Helvetica Neue"/>
+              </a:rPr>
+              <a:t>where.js</a:t>
+            </a:r>
+            <a:endParaRPr lang="en-US" sz="1000" b="0" i="0" u="none" strike="noStrike" cap="none" dirty="0">
+              <a:solidFill>
+                <a:srgbClr val="FFFFFF"/>
+              </a:solidFill>
+              <a:latin typeface="Helvetica Neue"/>
+              <a:ea typeface="Helvetica Neue"/>
+              <a:cs typeface="Helvetica Neue"/>
+              <a:sym typeface="Helvetica Neue"/>
+            </a:endParaRPr>
+          </a:p>
+          <a:p>
+            <a:pPr marL="0" marR="0" lvl="0" indent="0" algn="l" rtl="0">
+              <a:spcBef>
+                <a:spcPts val="0"/>
+              </a:spcBef>
+              <a:buSzPct val="25000"/>
+              <a:buNone/>
+            </a:pPr>
+            <a:r>
+              <a:rPr lang="en-US" sz="1000" b="0" i="0" u="none" strike="noStrike" cap="none" dirty="0">
+                <a:solidFill>
+                  <a:srgbClr val="FFFFFF"/>
+                </a:solidFill>
+                <a:latin typeface="Helvetica Neue"/>
+                <a:ea typeface="Helvetica Neue"/>
+                <a:cs typeface="Helvetica Neue"/>
+                <a:sym typeface="Helvetica Neue"/>
+              </a:rPr>
+              <a:t>Open </a:t>
+            </a:r>
+            <a:r>
+              <a:rPr lang="en-US" sz="1000" b="0" i="0" u="none" strike="noStrike" cap="none" dirty="0" err="1">
+                <a:solidFill>
+                  <a:srgbClr val="FFFFFF"/>
+                </a:solidFill>
+                <a:latin typeface="Helvetica Neue"/>
+                <a:ea typeface="Helvetica Neue"/>
+                <a:cs typeface="Helvetica Neue"/>
+                <a:sym typeface="Helvetica Neue"/>
+              </a:rPr>
+              <a:t>where.html</a:t>
+            </a:r>
+            <a:r>
+              <a:rPr lang="en-US" sz="1000" b="0" i="0" u="none" strike="noStrike" cap="none" dirty="0">
+                <a:solidFill>
+                  <a:srgbClr val="FFFFFF"/>
+                </a:solidFill>
+                <a:latin typeface="Helvetica Neue"/>
+                <a:ea typeface="Helvetica Neue"/>
+                <a:cs typeface="Helvetica Neue"/>
+                <a:sym typeface="Helvetica Neue"/>
+              </a:rPr>
+              <a:t> to view the data in a browser</a:t>
+            </a:r>
+            <a:endParaRPr lang="en" sz="1000" b="0" i="0" u="none" strike="noStrike" cap="none" dirty="0">
+              <a:solidFill>
+                <a:srgbClr val="FFFFFF"/>
+              </a:solidFill>
+              <a:latin typeface="Helvetica Neue"/>
+              <a:ea typeface="Helvetica Neue"/>
+              <a:cs typeface="Helvetica Neue"/>
+              <a:sym typeface="Helvetica Neue"/>
+            </a:endParaRPr>
           </a:p>
         </p:txBody>
       </p:sp>
@@ -12162,9 +12096,9 @@
         <p:grpSpPr>
           <a:xfrm>
             <a:off x="261937" y="1590570"/>
-            <a:ext cx="1613701" cy="1083469"/>
+            <a:ext cx="1645596" cy="1083469"/>
             <a:chOff x="465666" y="2827680"/>
-            <a:chExt cx="2868802" cy="1926167"/>
+            <a:chExt cx="2925504" cy="1926167"/>
           </a:xfrm>
         </p:grpSpPr>
         <p:pic>
@@ -12174,7 +12108,7 @@
             <p:nvPr/>
           </p:nvPicPr>
           <p:blipFill rotWithShape="1">
-            <a:blip r:embed="rId5">
+            <a:blip r:embed="rId4">
               <a:alphaModFix/>
             </a:blip>
             <a:srcRect/>
@@ -12202,8 +12136,8 @@
           </p:nvSpPr>
           <p:spPr>
             <a:xfrm>
-              <a:off x="1240354" y="3112888"/>
-              <a:ext cx="1745700" cy="1087500"/>
+              <a:off x="893120" y="3227456"/>
+              <a:ext cx="2498050" cy="1087500"/>
             </a:xfrm>
             <a:prstGeom prst="rect">
               <a:avLst/>
@@ -12237,7 +12171,7 @@
                 <a:buNone/>
               </a:pPr>
               <a:r>
-                <a:rPr lang="en" sz="1800" b="0" i="0" u="none" strike="noStrike" cap="none">
+                <a:rPr lang="en" sz="1800" b="0" i="0" u="none" strike="noStrike" cap="none" dirty="0">
                   <a:solidFill>
                     <a:srgbClr val="660066"/>
                   </a:solidFill>
@@ -12246,38 +12180,7 @@
                   <a:cs typeface="Helvetica Neue"/>
                   <a:sym typeface="Helvetica Neue"/>
                 </a:rPr>
-                <a:t>Google</a:t>
-              </a:r>
-            </a:p>
-            <a:p>
-              <a:pPr marL="0" marR="0" lvl="0" indent="0" algn="l" rtl="0">
-                <a:lnSpc>
-                  <a:spcPct val="100000"/>
-                </a:lnSpc>
-                <a:spcBef>
-                  <a:spcPts val="0"/>
-                </a:spcBef>
-                <a:spcAft>
-                  <a:spcPts val="0"/>
-                </a:spcAft>
-                <a:buClr>
-                  <a:srgbClr val="660066"/>
-                </a:buClr>
-                <a:buSzPct val="25000"/>
-                <a:buFont typeface="Helvetica Neue"/>
-                <a:buNone/>
-              </a:pPr>
-              <a:r>
-                <a:rPr lang="en" sz="1800" b="0" i="0" u="none" strike="noStrike" cap="none">
-                  <a:solidFill>
-                    <a:srgbClr val="660066"/>
-                  </a:solidFill>
-                  <a:latin typeface="Helvetica Neue"/>
-                  <a:ea typeface="Helvetica Neue"/>
-                  <a:cs typeface="Helvetica Neue"/>
-                  <a:sym typeface="Helvetica Neue"/>
-                </a:rPr>
-                <a:t>geodata</a:t>
+                <a:t>Open Street Map data</a:t>
               </a:r>
             </a:p>
           </p:txBody>
@@ -12528,15 +12431,16 @@
         <p:nvCxnSpPr>
           <p:cNvPr id="181" name="Shape 181"/>
           <p:cNvCxnSpPr>
+            <a:cxnSpLocks/>
             <a:stCxn id="178" idx="4"/>
-            <a:endCxn id="166" idx="1"/>
+            <a:endCxn id="3" idx="1"/>
           </p:cNvCxnSpPr>
           <p:nvPr/>
         </p:nvCxnSpPr>
         <p:spPr>
-          <a:xfrm rot="10800000" flipH="1">
-            <a:off x="6700569" y="2235241"/>
-            <a:ext cx="419400" cy="203700"/>
+          <a:xfrm flipV="1">
+            <a:off x="6700569" y="2214147"/>
+            <a:ext cx="419400" cy="224794"/>
           </a:xfrm>
           <a:prstGeom prst="straightConnector1">
             <a:avLst/>
@@ -12557,15 +12461,16 @@
         <p:nvCxnSpPr>
           <p:cNvPr id="182" name="Shape 182"/>
           <p:cNvCxnSpPr>
+            <a:cxnSpLocks/>
             <a:stCxn id="179" idx="3"/>
-            <a:endCxn id="166" idx="0"/>
+            <a:endCxn id="3" idx="0"/>
           </p:cNvCxnSpPr>
           <p:nvPr/>
         </p:nvCxnSpPr>
         <p:spPr>
-          <a:xfrm>
-            <a:off x="8048520" y="1012461"/>
-            <a:ext cx="0" cy="555000"/>
+          <a:xfrm flipH="1">
+            <a:off x="7971824" y="1012460"/>
+            <a:ext cx="76695" cy="567605"/>
           </a:xfrm>
           <a:prstGeom prst="straightConnector1">
             <a:avLst/>
@@ -12590,8 +12495,8 @@
         </p:nvSpPr>
         <p:spPr>
           <a:xfrm>
-            <a:off x="5132195" y="4574897"/>
-            <a:ext cx="3717348" cy="282769"/>
+            <a:off x="4778734" y="4574897"/>
+            <a:ext cx="4070809" cy="282769"/>
           </a:xfrm>
           <a:prstGeom prst="rect">
             <a:avLst/>
@@ -12624,10 +12529,10 @@
                 <a:cs typeface="Helvetica Neue"/>
                 <a:sym typeface="Helvetica Neue"/>
               </a:rPr>
-              <a:t>http://</a:t>
-            </a:r>
-            <a:r>
-              <a:rPr lang="en" sz="2300" b="0" i="0" u="none" strike="noStrike" cap="none" baseline="30000" dirty="0" smtClean="0">
+              <a:t>http://www.py4e.com/code3/</a:t>
+            </a:r>
+            <a:r>
+              <a:rPr lang="en" sz="2300" b="0" i="0" u="none" strike="noStrike" cap="none" baseline="30000" dirty="0" err="1">
                 <a:solidFill>
                   <a:srgbClr val="FFFF00"/>
                 </a:solidFill>
@@ -12636,19 +12541,7 @@
                 <a:cs typeface="Helvetica Neue"/>
                 <a:sym typeface="Helvetica Neue"/>
               </a:rPr>
-              <a:t>www.py4e.com/code3/</a:t>
-            </a:r>
-            <a:r>
-              <a:rPr lang="en" sz="2300" b="0" i="0" u="none" strike="noStrike" cap="none" baseline="30000" dirty="0" err="1" smtClean="0">
-                <a:solidFill>
-                  <a:srgbClr val="FFFF00"/>
-                </a:solidFill>
-                <a:latin typeface="Helvetica Neue"/>
-                <a:ea typeface="Helvetica Neue"/>
-                <a:cs typeface="Helvetica Neue"/>
-                <a:sym typeface="Helvetica Neue"/>
-              </a:rPr>
-              <a:t>geodata.zip</a:t>
+              <a:t>opengeo.zip</a:t>
             </a:r>
             <a:endParaRPr lang="en" sz="2300" b="0" i="0" u="none" strike="noStrike" cap="none" baseline="30000" dirty="0">
               <a:solidFill>
@@ -12662,18 +12555,40 @@
           </a:p>
         </p:txBody>
       </p:sp>
+      <p:pic>
+        <p:nvPicPr>
+          <p:cNvPr id="3" name="Picture 2" descr="A map of europe with red pins&#10;&#10;Description automatically generated">
+            <a:extLst>
+              <a:ext uri="{FF2B5EF4-FFF2-40B4-BE49-F238E27FC236}">
+                <a16:creationId xmlns:a16="http://schemas.microsoft.com/office/drawing/2014/main" id="{42DD948A-D9A2-9CC6-C445-17B62B718374}"/>
+              </a:ext>
+            </a:extLst>
+          </p:cNvPr>
+          <p:cNvPicPr>
+            <a:picLocks noChangeAspect="1"/>
+          </p:cNvPicPr>
+          <p:nvPr/>
+        </p:nvPicPr>
+        <p:blipFill rotWithShape="1">
+          <a:blip r:embed="rId5"/>
+          <a:srcRect r="32144"/>
+          <a:stretch/>
+        </p:blipFill>
+        <p:spPr>
+          <a:xfrm>
+            <a:off x="7119969" y="1580065"/>
+            <a:ext cx="1703709" cy="1268164"/>
+          </a:xfrm>
+          <a:prstGeom prst="rect">
+            <a:avLst/>
+          </a:prstGeom>
+        </p:spPr>
+      </p:pic>
     </p:spTree>
   </p:cSld>
   <p:clrMapOvr>
     <a:masterClrMapping/>
   </p:clrMapOvr>
-  <p:timing>
-    <p:tnLst>
-      <p:par>
-        <p:cTn xmlns:p14="http://schemas.microsoft.com/office/powerpoint/2010/main" id="1" dur="indefinite" restart="never" nodeType="tmRoot"/>
-      </p:par>
-    </p:tnLst>
-  </p:timing>
 </p:sld>
 </file>
 
@@ -12886,22 +12801,10 @@
                 <a:cs typeface="Helvetica Neue"/>
                 <a:sym typeface="Helvetica Neue"/>
               </a:rPr>
-              <a:t>http://</a:t>
-            </a:r>
-            <a:r>
-              <a:rPr lang="en" sz="2300" b="0" i="0" u="none" strike="noStrike" cap="none" baseline="30000" dirty="0" smtClean="0">
-                <a:solidFill>
-                  <a:srgbClr val="FFFF00"/>
-                </a:solidFill>
-                <a:latin typeface="Helvetica Neue"/>
-                <a:ea typeface="Helvetica Neue"/>
-                <a:cs typeface="Helvetica Neue"/>
-                <a:sym typeface="Helvetica Neue"/>
-              </a:rPr>
-              <a:t>www.py4e.com/code3/</a:t>
-            </a:r>
-            <a:r>
-              <a:rPr lang="en" sz="2300" b="0" i="0" u="none" strike="noStrike" cap="none" baseline="30000" dirty="0" err="1" smtClean="0">
+              <a:t>http://www.py4e.com/code3/</a:t>
+            </a:r>
+            <a:r>
+              <a:rPr lang="en" sz="2300" b="0" i="0" u="none" strike="noStrike" cap="none" baseline="30000" dirty="0" err="1">
                 <a:solidFill>
                   <a:srgbClr val="FFFF00"/>
                 </a:solidFill>
@@ -12956,13 +12859,6 @@
   <p:clrMapOvr>
     <a:masterClrMapping/>
   </p:clrMapOvr>
-  <p:timing>
-    <p:tnLst>
-      <p:par>
-        <p:cTn xmlns:p14="http://schemas.microsoft.com/office/powerpoint/2010/main" id="1" dur="indefinite" restart="never" nodeType="tmRoot"/>
-      </p:par>
-    </p:tnLst>
-  </p:timing>
 </p:sld>
 </file>
 
@@ -13244,13 +13140,6 @@
   <p:clrMapOvr>
     <a:masterClrMapping/>
   </p:clrMapOvr>
-  <p:timing>
-    <p:tnLst>
-      <p:par>
-        <p:cTn xmlns:p14="http://schemas.microsoft.com/office/powerpoint/2010/main" id="1" dur="indefinite" restart="never" nodeType="tmRoot"/>
-      </p:par>
-    </p:tnLst>
-  </p:timing>
 </p:sld>
 </file>
 
@@ -13417,13 +13306,6 @@
   <p:clrMapOvr>
     <a:masterClrMapping/>
   </p:clrMapOvr>
-  <p:timing>
-    <p:tnLst>
-      <p:par>
-        <p:cTn xmlns:p14="http://schemas.microsoft.com/office/powerpoint/2010/main" id="1" dur="indefinite" restart="never" nodeType="tmRoot"/>
-      </p:par>
-    </p:tnLst>
-  </p:timing>
 </p:sld>
 </file>
 

--- a/lectures3/Pythonlearn-16-Data-Viz.pptx
+++ b/lectures3/Pythonlearn-16-Data-Viz.pptx
@@ -7924,7 +7924,7 @@
                 <a:cs typeface="Courier"/>
                 <a:sym typeface="Courier New"/>
               </a:rPr>
-              <a:t>http://</a:t>
+              <a:t>https://</a:t>
             </a:r>
             <a:r>
               <a:rPr lang="en" sz="1800" dirty="0" err="1">
